--- a/images/theory_analysis/TCP_Connection_State/TCP_Connection_Status.pptx
+++ b/images/theory_analysis/TCP_Connection_State/TCP_Connection_Status.pptx
@@ -215,7 +215,7 @@
           <a:p>
             <a:fld id="{6CD5550B-26C4-49A9-A5BA-636EF7BE6CE9}" type="datetimeFigureOut">
               <a:rPr lang="ko-KR" altLang="en-US" smtClean="0"/>
-              <a:t>2021-03-16</a:t>
+              <a:t>2021-03-17</a:t>
             </a:fld>
             <a:endParaRPr lang="ko-KR" altLang="en-US"/>
           </a:p>
@@ -829,7 +829,7 @@
           <a:p>
             <a:fld id="{FB30EDBD-1C2D-4C1E-B459-B60219FAB484}" type="datetimeFigureOut">
               <a:rPr lang="ko-KR" altLang="en-US" smtClean="0"/>
-              <a:t>2021-03-16</a:t>
+              <a:t>2021-03-17</a:t>
             </a:fld>
             <a:endParaRPr lang="ko-KR" altLang="en-US"/>
           </a:p>
@@ -992,7 +992,7 @@
           <a:p>
             <a:fld id="{FB30EDBD-1C2D-4C1E-B459-B60219FAB484}" type="datetimeFigureOut">
               <a:rPr lang="ko-KR" altLang="en-US" smtClean="0"/>
-              <a:t>2021-03-16</a:t>
+              <a:t>2021-03-17</a:t>
             </a:fld>
             <a:endParaRPr lang="ko-KR" altLang="en-US"/>
           </a:p>
@@ -1165,7 +1165,7 @@
           <a:p>
             <a:fld id="{FB30EDBD-1C2D-4C1E-B459-B60219FAB484}" type="datetimeFigureOut">
               <a:rPr lang="ko-KR" altLang="en-US" smtClean="0"/>
-              <a:t>2021-03-16</a:t>
+              <a:t>2021-03-17</a:t>
             </a:fld>
             <a:endParaRPr lang="ko-KR" altLang="en-US"/>
           </a:p>
@@ -1328,7 +1328,7 @@
           <a:p>
             <a:fld id="{FB30EDBD-1C2D-4C1E-B459-B60219FAB484}" type="datetimeFigureOut">
               <a:rPr lang="ko-KR" altLang="en-US" smtClean="0"/>
-              <a:t>2021-03-16</a:t>
+              <a:t>2021-03-17</a:t>
             </a:fld>
             <a:endParaRPr lang="ko-KR" altLang="en-US"/>
           </a:p>
@@ -1568,7 +1568,7 @@
           <a:p>
             <a:fld id="{FB30EDBD-1C2D-4C1E-B459-B60219FAB484}" type="datetimeFigureOut">
               <a:rPr lang="ko-KR" altLang="en-US" smtClean="0"/>
-              <a:t>2021-03-16</a:t>
+              <a:t>2021-03-17</a:t>
             </a:fld>
             <a:endParaRPr lang="ko-KR" altLang="en-US"/>
           </a:p>
@@ -1848,7 +1848,7 @@
           <a:p>
             <a:fld id="{FB30EDBD-1C2D-4C1E-B459-B60219FAB484}" type="datetimeFigureOut">
               <a:rPr lang="ko-KR" altLang="en-US" smtClean="0"/>
-              <a:t>2021-03-16</a:t>
+              <a:t>2021-03-17</a:t>
             </a:fld>
             <a:endParaRPr lang="ko-KR" altLang="en-US"/>
           </a:p>
@@ -2262,7 +2262,7 @@
           <a:p>
             <a:fld id="{FB30EDBD-1C2D-4C1E-B459-B60219FAB484}" type="datetimeFigureOut">
               <a:rPr lang="ko-KR" altLang="en-US" smtClean="0"/>
-              <a:t>2021-03-16</a:t>
+              <a:t>2021-03-17</a:t>
             </a:fld>
             <a:endParaRPr lang="ko-KR" altLang="en-US"/>
           </a:p>
@@ -2374,7 +2374,7 @@
           <a:p>
             <a:fld id="{FB30EDBD-1C2D-4C1E-B459-B60219FAB484}" type="datetimeFigureOut">
               <a:rPr lang="ko-KR" altLang="en-US" smtClean="0"/>
-              <a:t>2021-03-16</a:t>
+              <a:t>2021-03-17</a:t>
             </a:fld>
             <a:endParaRPr lang="ko-KR" altLang="en-US"/>
           </a:p>
@@ -2464,7 +2464,7 @@
           <a:p>
             <a:fld id="{FB30EDBD-1C2D-4C1E-B459-B60219FAB484}" type="datetimeFigureOut">
               <a:rPr lang="ko-KR" altLang="en-US" smtClean="0"/>
-              <a:t>2021-03-16</a:t>
+              <a:t>2021-03-17</a:t>
             </a:fld>
             <a:endParaRPr lang="ko-KR" altLang="en-US"/>
           </a:p>
@@ -2734,7 +2734,7 @@
           <a:p>
             <a:fld id="{FB30EDBD-1C2D-4C1E-B459-B60219FAB484}" type="datetimeFigureOut">
               <a:rPr lang="ko-KR" altLang="en-US" smtClean="0"/>
-              <a:t>2021-03-16</a:t>
+              <a:t>2021-03-17</a:t>
             </a:fld>
             <a:endParaRPr lang="ko-KR" altLang="en-US"/>
           </a:p>
@@ -2981,7 +2981,7 @@
           <a:p>
             <a:fld id="{FB30EDBD-1C2D-4C1E-B459-B60219FAB484}" type="datetimeFigureOut">
               <a:rPr lang="ko-KR" altLang="en-US" smtClean="0"/>
-              <a:t>2021-03-16</a:t>
+              <a:t>2021-03-17</a:t>
             </a:fld>
             <a:endParaRPr lang="ko-KR" altLang="en-US"/>
           </a:p>
@@ -3187,7 +3187,7 @@
           <a:p>
             <a:fld id="{FB30EDBD-1C2D-4C1E-B459-B60219FAB484}" type="datetimeFigureOut">
               <a:rPr lang="ko-KR" altLang="en-US" smtClean="0"/>
-              <a:t>2021-03-16</a:t>
+              <a:t>2021-03-17</a:t>
             </a:fld>
             <a:endParaRPr lang="ko-KR" altLang="en-US"/>
           </a:p>
@@ -5893,8 +5893,8 @@
         </p:nvSpPr>
         <p:spPr>
           <a:xfrm>
-            <a:off x="7059912" y="1817994"/>
-            <a:ext cx="805029" cy="400110"/>
+            <a:off x="7059912" y="1823092"/>
+            <a:ext cx="805029" cy="553998"/>
           </a:xfrm>
           <a:prstGeom prst="rect">
             <a:avLst/>
@@ -5915,6 +5915,17 @@
                 </a:solidFill>
               </a:rPr>
               <a:t>app: close</a:t>
+            </a:r>
+          </a:p>
+          <a:p>
+            <a:pPr algn="ctr"/>
+            <a:r>
+              <a:rPr lang="en-US" altLang="ko-KR" sz="1000">
+                <a:solidFill>
+                  <a:schemeClr val="tx2"/>
+                </a:solidFill>
+              </a:rPr>
+              <a:t>recv: RST</a:t>
             </a:r>
           </a:p>
           <a:p>

--- a/images/theory_analysis/TCP_Connection_State/TCP_Connection_Status.pptx
+++ b/images/theory_analysis/TCP_Connection_State/TCP_Connection_Status.pptx
@@ -215,7 +215,7 @@
           <a:p>
             <a:fld id="{6CD5550B-26C4-49A9-A5BA-636EF7BE6CE9}" type="datetimeFigureOut">
               <a:rPr lang="ko-KR" altLang="en-US" smtClean="0"/>
-              <a:t>2021-03-17</a:t>
+              <a:t>2021-03-18</a:t>
             </a:fld>
             <a:endParaRPr lang="ko-KR" altLang="en-US"/>
           </a:p>
@@ -829,7 +829,7 @@
           <a:p>
             <a:fld id="{FB30EDBD-1C2D-4C1E-B459-B60219FAB484}" type="datetimeFigureOut">
               <a:rPr lang="ko-KR" altLang="en-US" smtClean="0"/>
-              <a:t>2021-03-17</a:t>
+              <a:t>2021-03-18</a:t>
             </a:fld>
             <a:endParaRPr lang="ko-KR" altLang="en-US"/>
           </a:p>
@@ -992,7 +992,7 @@
           <a:p>
             <a:fld id="{FB30EDBD-1C2D-4C1E-B459-B60219FAB484}" type="datetimeFigureOut">
               <a:rPr lang="ko-KR" altLang="en-US" smtClean="0"/>
-              <a:t>2021-03-17</a:t>
+              <a:t>2021-03-18</a:t>
             </a:fld>
             <a:endParaRPr lang="ko-KR" altLang="en-US"/>
           </a:p>
@@ -1165,7 +1165,7 @@
           <a:p>
             <a:fld id="{FB30EDBD-1C2D-4C1E-B459-B60219FAB484}" type="datetimeFigureOut">
               <a:rPr lang="ko-KR" altLang="en-US" smtClean="0"/>
-              <a:t>2021-03-17</a:t>
+              <a:t>2021-03-18</a:t>
             </a:fld>
             <a:endParaRPr lang="ko-KR" altLang="en-US"/>
           </a:p>
@@ -1328,7 +1328,7 @@
           <a:p>
             <a:fld id="{FB30EDBD-1C2D-4C1E-B459-B60219FAB484}" type="datetimeFigureOut">
               <a:rPr lang="ko-KR" altLang="en-US" smtClean="0"/>
-              <a:t>2021-03-17</a:t>
+              <a:t>2021-03-18</a:t>
             </a:fld>
             <a:endParaRPr lang="ko-KR" altLang="en-US"/>
           </a:p>
@@ -1568,7 +1568,7 @@
           <a:p>
             <a:fld id="{FB30EDBD-1C2D-4C1E-B459-B60219FAB484}" type="datetimeFigureOut">
               <a:rPr lang="ko-KR" altLang="en-US" smtClean="0"/>
-              <a:t>2021-03-17</a:t>
+              <a:t>2021-03-18</a:t>
             </a:fld>
             <a:endParaRPr lang="ko-KR" altLang="en-US"/>
           </a:p>
@@ -1848,7 +1848,7 @@
           <a:p>
             <a:fld id="{FB30EDBD-1C2D-4C1E-B459-B60219FAB484}" type="datetimeFigureOut">
               <a:rPr lang="ko-KR" altLang="en-US" smtClean="0"/>
-              <a:t>2021-03-17</a:t>
+              <a:t>2021-03-18</a:t>
             </a:fld>
             <a:endParaRPr lang="ko-KR" altLang="en-US"/>
           </a:p>
@@ -2262,7 +2262,7 @@
           <a:p>
             <a:fld id="{FB30EDBD-1C2D-4C1E-B459-B60219FAB484}" type="datetimeFigureOut">
               <a:rPr lang="ko-KR" altLang="en-US" smtClean="0"/>
-              <a:t>2021-03-17</a:t>
+              <a:t>2021-03-18</a:t>
             </a:fld>
             <a:endParaRPr lang="ko-KR" altLang="en-US"/>
           </a:p>
@@ -2374,7 +2374,7 @@
           <a:p>
             <a:fld id="{FB30EDBD-1C2D-4C1E-B459-B60219FAB484}" type="datetimeFigureOut">
               <a:rPr lang="ko-KR" altLang="en-US" smtClean="0"/>
-              <a:t>2021-03-17</a:t>
+              <a:t>2021-03-18</a:t>
             </a:fld>
             <a:endParaRPr lang="ko-KR" altLang="en-US"/>
           </a:p>
@@ -2464,7 +2464,7 @@
           <a:p>
             <a:fld id="{FB30EDBD-1C2D-4C1E-B459-B60219FAB484}" type="datetimeFigureOut">
               <a:rPr lang="ko-KR" altLang="en-US" smtClean="0"/>
-              <a:t>2021-03-17</a:t>
+              <a:t>2021-03-18</a:t>
             </a:fld>
             <a:endParaRPr lang="ko-KR" altLang="en-US"/>
           </a:p>
@@ -2734,7 +2734,7 @@
           <a:p>
             <a:fld id="{FB30EDBD-1C2D-4C1E-B459-B60219FAB484}" type="datetimeFigureOut">
               <a:rPr lang="ko-KR" altLang="en-US" smtClean="0"/>
-              <a:t>2021-03-17</a:t>
+              <a:t>2021-03-18</a:t>
             </a:fld>
             <a:endParaRPr lang="ko-KR" altLang="en-US"/>
           </a:p>
@@ -2981,7 +2981,7 @@
           <a:p>
             <a:fld id="{FB30EDBD-1C2D-4C1E-B459-B60219FAB484}" type="datetimeFigureOut">
               <a:rPr lang="ko-KR" altLang="en-US" smtClean="0"/>
-              <a:t>2021-03-17</a:t>
+              <a:t>2021-03-18</a:t>
             </a:fld>
             <a:endParaRPr lang="ko-KR" altLang="en-US"/>
           </a:p>
@@ -3187,7 +3187,7 @@
           <a:p>
             <a:fld id="{FB30EDBD-1C2D-4C1E-B459-B60219FAB484}" type="datetimeFigureOut">
               <a:rPr lang="ko-KR" altLang="en-US" smtClean="0"/>
-              <a:t>2021-03-17</a:t>
+              <a:t>2021-03-18</a:t>
             </a:fld>
             <a:endParaRPr lang="ko-KR" altLang="en-US"/>
           </a:p>
@@ -8965,7 +8965,7 @@
             <a:pPr algn="ctr"/>
             <a:r>
               <a:rPr lang="en-US" altLang="ko-KR" sz="1050"/>
-              <a:t>FINWAIT_1</a:t>
+              <a:t>FIN_WAIT_1</a:t>
             </a:r>
           </a:p>
         </p:txBody>
@@ -9018,7 +9018,7 @@
             <a:pPr algn="ctr"/>
             <a:r>
               <a:rPr lang="en-US" altLang="ko-KR" sz="1050"/>
-              <a:t>FINWAIT_2</a:t>
+              <a:t>FIN_WAIT_2</a:t>
             </a:r>
           </a:p>
         </p:txBody>
@@ -9037,7 +9037,7 @@
         </p:nvSpPr>
         <p:spPr>
           <a:xfrm>
-            <a:off x="2273222" y="3979683"/>
+            <a:off x="2273222" y="3757582"/>
             <a:ext cx="1212772" cy="239182"/>
           </a:xfrm>
           <a:prstGeom prst="roundRect">
@@ -9655,6 +9655,98 @@
             <a:r>
               <a:rPr lang="en-US" altLang="ko-KR" sz="900"/>
               <a:t>ACK</a:t>
+            </a:r>
+          </a:p>
+        </p:txBody>
+      </p:sp>
+      <p:cxnSp>
+        <p:nvCxnSpPr>
+          <p:cNvPr id="51" name="직선 연결선 50">
+            <a:extLst>
+              <a:ext uri="{FF2B5EF4-FFF2-40B4-BE49-F238E27FC236}">
+                <a16:creationId xmlns:a16="http://schemas.microsoft.com/office/drawing/2014/main" id="{E83594FD-7159-4BB0-8647-C788699B5783}"/>
+              </a:ext>
+            </a:extLst>
+          </p:cNvPr>
+          <p:cNvCxnSpPr>
+            <a:cxnSpLocks/>
+          </p:cNvCxnSpPr>
+          <p:nvPr/>
+        </p:nvCxnSpPr>
+        <p:spPr>
+          <a:xfrm flipH="1">
+            <a:off x="2411762" y="3992233"/>
+            <a:ext cx="935692" cy="0"/>
+          </a:xfrm>
+          <a:prstGeom prst="line">
+            <a:avLst/>
+          </a:prstGeom>
+          <a:ln w="19050"/>
+        </p:spPr>
+        <p:style>
+          <a:lnRef idx="1">
+            <a:schemeClr val="dk1"/>
+          </a:lnRef>
+          <a:fillRef idx="0">
+            <a:schemeClr val="dk1"/>
+          </a:fillRef>
+          <a:effectRef idx="0">
+            <a:schemeClr val="dk1"/>
+          </a:effectRef>
+          <a:fontRef idx="minor">
+            <a:schemeClr val="tx1"/>
+          </a:fontRef>
+        </p:style>
+      </p:cxnSp>
+      <p:sp>
+        <p:nvSpPr>
+          <p:cNvPr id="52" name="사각형: 둥근 모서리 51">
+            <a:extLst>
+              <a:ext uri="{FF2B5EF4-FFF2-40B4-BE49-F238E27FC236}">
+                <a16:creationId xmlns:a16="http://schemas.microsoft.com/office/drawing/2014/main" id="{4CC613A7-C431-4CE9-BF7E-E7E33806E67F}"/>
+              </a:ext>
+            </a:extLst>
+          </p:cNvPr>
+          <p:cNvSpPr/>
+          <p:nvPr/>
+        </p:nvSpPr>
+        <p:spPr>
+          <a:xfrm>
+            <a:off x="2273222" y="4048034"/>
+            <a:ext cx="1212772" cy="239182"/>
+          </a:xfrm>
+          <a:prstGeom prst="roundRect">
+            <a:avLst>
+              <a:gd name="adj" fmla="val 0"/>
+            </a:avLst>
+          </a:prstGeom>
+          <a:noFill/>
+          <a:ln>
+            <a:noFill/>
+          </a:ln>
+        </p:spPr>
+        <p:style>
+          <a:lnRef idx="2">
+            <a:schemeClr val="dk1"/>
+          </a:lnRef>
+          <a:fillRef idx="1">
+            <a:schemeClr val="lt1"/>
+          </a:fillRef>
+          <a:effectRef idx="0">
+            <a:schemeClr val="dk1"/>
+          </a:effectRef>
+          <a:fontRef idx="minor">
+            <a:schemeClr val="dk1"/>
+          </a:fontRef>
+        </p:style>
+        <p:txBody>
+          <a:bodyPr rtlCol="0" anchor="ctr"/>
+          <a:lstStyle/>
+          <a:p>
+            <a:pPr algn="ctr"/>
+            <a:r>
+              <a:rPr lang="en-US" altLang="ko-KR" sz="1050"/>
+              <a:t>CLOSED</a:t>
             </a:r>
           </a:p>
         </p:txBody>

--- a/images/theory_analysis/TCP_Connection_State/TCP_Connection_Status.pptx
+++ b/images/theory_analysis/TCP_Connection_State/TCP_Connection_Status.pptx
@@ -5,12 +5,13 @@
     <p:sldMasterId id="2147483648" r:id="rId1"/>
   </p:sldMasterIdLst>
   <p:notesMasterIdLst>
-    <p:notesMasterId r:id="rId5"/>
+    <p:notesMasterId r:id="rId6"/>
   </p:notesMasterIdLst>
   <p:sldIdLst>
     <p:sldId id="372" r:id="rId2"/>
-    <p:sldId id="373" r:id="rId3"/>
+    <p:sldId id="376" r:id="rId3"/>
     <p:sldId id="368" r:id="rId4"/>
+    <p:sldId id="373" r:id="rId5"/>
   </p:sldIdLst>
   <p:sldSz cx="9144000" cy="5143500" type="screen16x9"/>
   <p:notesSz cx="6858000" cy="9144000"/>
@@ -215,7 +216,7 @@
           <a:p>
             <a:fld id="{6CD5550B-26C4-49A9-A5BA-636EF7BE6CE9}" type="datetimeFigureOut">
               <a:rPr lang="ko-KR" altLang="en-US" smtClean="0"/>
-              <a:t>2021-03-18</a:t>
+              <a:t>2021-03-27</a:t>
             </a:fld>
             <a:endParaRPr lang="ko-KR" altLang="en-US"/>
           </a:p>
@@ -650,6 +651,90 @@
 </p:notes>
 </file>
 
+<file path=ppt/notesSlides/notesSlide3.xml><?xml version="1.0" encoding="utf-8"?>
+<p:notes xmlns:a="http://schemas.openxmlformats.org/drawingml/2006/main" xmlns:r="http://schemas.openxmlformats.org/officeDocument/2006/relationships" xmlns:p="http://schemas.openxmlformats.org/presentationml/2006/main">
+  <p:cSld>
+    <p:spTree>
+      <p:nvGrpSpPr>
+        <p:cNvPr id="1" name=""/>
+        <p:cNvGrpSpPr/>
+        <p:nvPr/>
+      </p:nvGrpSpPr>
+      <p:grpSpPr>
+        <a:xfrm>
+          <a:off x="0" y="0"/>
+          <a:ext cx="0" cy="0"/>
+          <a:chOff x="0" y="0"/>
+          <a:chExt cx="0" cy="0"/>
+        </a:xfrm>
+      </p:grpSpPr>
+      <p:sp>
+        <p:nvSpPr>
+          <p:cNvPr id="2" name="슬라이드 이미지 개체 틀 1"/>
+          <p:cNvSpPr>
+            <a:spLocks noGrp="1" noRot="1" noChangeAspect="1"/>
+          </p:cNvSpPr>
+          <p:nvPr>
+            <p:ph type="sldImg"/>
+          </p:nvPr>
+        </p:nvSpPr>
+        <p:spPr/>
+      </p:sp>
+      <p:sp>
+        <p:nvSpPr>
+          <p:cNvPr id="3" name="슬라이드 노트 개체 틀 2"/>
+          <p:cNvSpPr>
+            <a:spLocks noGrp="1"/>
+          </p:cNvSpPr>
+          <p:nvPr>
+            <p:ph type="body" idx="1"/>
+          </p:nvPr>
+        </p:nvSpPr>
+        <p:spPr/>
+        <p:txBody>
+          <a:bodyPr/>
+          <a:lstStyle/>
+          <a:p>
+            <a:endParaRPr lang="ko-KR" altLang="en-US"/>
+          </a:p>
+        </p:txBody>
+      </p:sp>
+      <p:sp>
+        <p:nvSpPr>
+          <p:cNvPr id="4" name="슬라이드 번호 개체 틀 3"/>
+          <p:cNvSpPr>
+            <a:spLocks noGrp="1"/>
+          </p:cNvSpPr>
+          <p:nvPr>
+            <p:ph type="sldNum" sz="quarter" idx="5"/>
+          </p:nvPr>
+        </p:nvSpPr>
+        <p:spPr/>
+        <p:txBody>
+          <a:bodyPr/>
+          <a:lstStyle/>
+          <a:p>
+            <a:fld id="{BA5DFA43-8D57-47FB-BC46-057616015C3B}" type="slidenum">
+              <a:rPr lang="ko-KR" altLang="en-US" smtClean="0"/>
+              <a:t>4</a:t>
+            </a:fld>
+            <a:endParaRPr lang="ko-KR" altLang="en-US"/>
+          </a:p>
+        </p:txBody>
+      </p:sp>
+    </p:spTree>
+    <p:extLst>
+      <p:ext uri="{BB962C8B-B14F-4D97-AF65-F5344CB8AC3E}">
+        <p14:creationId xmlns:p14="http://schemas.microsoft.com/office/powerpoint/2010/main" val="2847225207"/>
+      </p:ext>
+    </p:extLst>
+  </p:cSld>
+  <p:clrMapOvr>
+    <a:masterClrMapping/>
+  </p:clrMapOvr>
+</p:notes>
+</file>
+
 <file path=ppt/slideLayouts/slideLayout1.xml><?xml version="1.0" encoding="utf-8"?>
 <p:sldLayout xmlns:a="http://schemas.openxmlformats.org/drawingml/2006/main" xmlns:r="http://schemas.openxmlformats.org/officeDocument/2006/relationships" xmlns:p="http://schemas.openxmlformats.org/presentationml/2006/main" type="title" preserve="1">
   <p:cSld name="제목 슬라이드">
@@ -829,7 +914,7 @@
           <a:p>
             <a:fld id="{FB30EDBD-1C2D-4C1E-B459-B60219FAB484}" type="datetimeFigureOut">
               <a:rPr lang="ko-KR" altLang="en-US" smtClean="0"/>
-              <a:t>2021-03-18</a:t>
+              <a:t>2021-03-27</a:t>
             </a:fld>
             <a:endParaRPr lang="ko-KR" altLang="en-US"/>
           </a:p>
@@ -992,7 +1077,7 @@
           <a:p>
             <a:fld id="{FB30EDBD-1C2D-4C1E-B459-B60219FAB484}" type="datetimeFigureOut">
               <a:rPr lang="ko-KR" altLang="en-US" smtClean="0"/>
-              <a:t>2021-03-18</a:t>
+              <a:t>2021-03-27</a:t>
             </a:fld>
             <a:endParaRPr lang="ko-KR" altLang="en-US"/>
           </a:p>
@@ -1165,7 +1250,7 @@
           <a:p>
             <a:fld id="{FB30EDBD-1C2D-4C1E-B459-B60219FAB484}" type="datetimeFigureOut">
               <a:rPr lang="ko-KR" altLang="en-US" smtClean="0"/>
-              <a:t>2021-03-18</a:t>
+              <a:t>2021-03-27</a:t>
             </a:fld>
             <a:endParaRPr lang="ko-KR" altLang="en-US"/>
           </a:p>
@@ -1328,7 +1413,7 @@
           <a:p>
             <a:fld id="{FB30EDBD-1C2D-4C1E-B459-B60219FAB484}" type="datetimeFigureOut">
               <a:rPr lang="ko-KR" altLang="en-US" smtClean="0"/>
-              <a:t>2021-03-18</a:t>
+              <a:t>2021-03-27</a:t>
             </a:fld>
             <a:endParaRPr lang="ko-KR" altLang="en-US"/>
           </a:p>
@@ -1568,7 +1653,7 @@
           <a:p>
             <a:fld id="{FB30EDBD-1C2D-4C1E-B459-B60219FAB484}" type="datetimeFigureOut">
               <a:rPr lang="ko-KR" altLang="en-US" smtClean="0"/>
-              <a:t>2021-03-18</a:t>
+              <a:t>2021-03-27</a:t>
             </a:fld>
             <a:endParaRPr lang="ko-KR" altLang="en-US"/>
           </a:p>
@@ -1848,7 +1933,7 @@
           <a:p>
             <a:fld id="{FB30EDBD-1C2D-4C1E-B459-B60219FAB484}" type="datetimeFigureOut">
               <a:rPr lang="ko-KR" altLang="en-US" smtClean="0"/>
-              <a:t>2021-03-18</a:t>
+              <a:t>2021-03-27</a:t>
             </a:fld>
             <a:endParaRPr lang="ko-KR" altLang="en-US"/>
           </a:p>
@@ -2262,7 +2347,7 @@
           <a:p>
             <a:fld id="{FB30EDBD-1C2D-4C1E-B459-B60219FAB484}" type="datetimeFigureOut">
               <a:rPr lang="ko-KR" altLang="en-US" smtClean="0"/>
-              <a:t>2021-03-18</a:t>
+              <a:t>2021-03-27</a:t>
             </a:fld>
             <a:endParaRPr lang="ko-KR" altLang="en-US"/>
           </a:p>
@@ -2374,7 +2459,7 @@
           <a:p>
             <a:fld id="{FB30EDBD-1C2D-4C1E-B459-B60219FAB484}" type="datetimeFigureOut">
               <a:rPr lang="ko-KR" altLang="en-US" smtClean="0"/>
-              <a:t>2021-03-18</a:t>
+              <a:t>2021-03-27</a:t>
             </a:fld>
             <a:endParaRPr lang="ko-KR" altLang="en-US"/>
           </a:p>
@@ -2464,7 +2549,7 @@
           <a:p>
             <a:fld id="{FB30EDBD-1C2D-4C1E-B459-B60219FAB484}" type="datetimeFigureOut">
               <a:rPr lang="ko-KR" altLang="en-US" smtClean="0"/>
-              <a:t>2021-03-18</a:t>
+              <a:t>2021-03-27</a:t>
             </a:fld>
             <a:endParaRPr lang="ko-KR" altLang="en-US"/>
           </a:p>
@@ -2734,7 +2819,7 @@
           <a:p>
             <a:fld id="{FB30EDBD-1C2D-4C1E-B459-B60219FAB484}" type="datetimeFigureOut">
               <a:rPr lang="ko-KR" altLang="en-US" smtClean="0"/>
-              <a:t>2021-03-18</a:t>
+              <a:t>2021-03-27</a:t>
             </a:fld>
             <a:endParaRPr lang="ko-KR" altLang="en-US"/>
           </a:p>
@@ -2981,7 +3066,7 @@
           <a:p>
             <a:fld id="{FB30EDBD-1C2D-4C1E-B459-B60219FAB484}" type="datetimeFigureOut">
               <a:rPr lang="ko-KR" altLang="en-US" smtClean="0"/>
-              <a:t>2021-03-18</a:t>
+              <a:t>2021-03-27</a:t>
             </a:fld>
             <a:endParaRPr lang="ko-KR" altLang="en-US"/>
           </a:p>
@@ -3187,7 +3272,7 @@
           <a:p>
             <a:fld id="{FB30EDBD-1C2D-4C1E-B459-B60219FAB484}" type="datetimeFigureOut">
               <a:rPr lang="ko-KR" altLang="en-US" smtClean="0"/>
-              <a:t>2021-03-18</a:t>
+              <a:t>2021-03-27</a:t>
             </a:fld>
             <a:endParaRPr lang="ko-KR" altLang="en-US"/>
           </a:p>
@@ -7448,7 +7533,7 @@
         </p:nvSpPr>
         <p:spPr>
           <a:xfrm>
-            <a:off x="3130238" y="691848"/>
+            <a:off x="3130238" y="676352"/>
             <a:ext cx="583814" cy="276999"/>
           </a:xfrm>
           <a:prstGeom prst="rect">
@@ -7488,7 +7573,7 @@
         </p:nvCxnSpPr>
         <p:spPr>
           <a:xfrm>
-            <a:off x="3422145" y="968847"/>
+            <a:off x="3422145" y="953351"/>
             <a:ext cx="0" cy="3331095"/>
           </a:xfrm>
           <a:prstGeom prst="line">
@@ -7525,7 +7610,7 @@
         </p:nvSpPr>
         <p:spPr>
           <a:xfrm>
-            <a:off x="5341331" y="691848"/>
+            <a:off x="5341331" y="676352"/>
             <a:ext cx="621580" cy="276999"/>
           </a:xfrm>
           <a:prstGeom prst="rect">
@@ -7565,7 +7650,7 @@
         </p:nvCxnSpPr>
         <p:spPr>
           <a:xfrm>
-            <a:off x="5652121" y="968847"/>
+            <a:off x="5652121" y="953351"/>
             <a:ext cx="0" cy="3342803"/>
           </a:xfrm>
           <a:prstGeom prst="line">
@@ -7935,7 +8020,7 @@
         </p:nvSpPr>
         <p:spPr>
           <a:xfrm>
-            <a:off x="2411762" y="934146"/>
+            <a:off x="2411762" y="936508"/>
             <a:ext cx="947468" cy="239182"/>
           </a:xfrm>
           <a:prstGeom prst="roundRect">
@@ -8119,7 +8204,7 @@
         </p:nvSpPr>
         <p:spPr>
           <a:xfrm>
-            <a:off x="5724128" y="1061302"/>
+            <a:off x="5724128" y="1153206"/>
             <a:ext cx="947468" cy="239182"/>
           </a:xfrm>
           <a:prstGeom prst="roundRect">
@@ -8657,7 +8742,7 @@
         </p:nvCxnSpPr>
         <p:spPr>
           <a:xfrm flipH="1">
-            <a:off x="2411762" y="3115872"/>
+            <a:off x="2411762" y="3006801"/>
             <a:ext cx="935692" cy="0"/>
           </a:xfrm>
           <a:prstGeom prst="line">
@@ -8931,7 +9016,7 @@
         </p:nvSpPr>
         <p:spPr>
           <a:xfrm>
-            <a:off x="2273222" y="3210895"/>
+            <a:off x="2273222" y="3156552"/>
             <a:ext cx="1212772" cy="239182"/>
           </a:xfrm>
           <a:prstGeom prst="roundRect">
@@ -9751,10 +9836,802 @@
           </a:p>
         </p:txBody>
       </p:sp>
+      <p:sp>
+        <p:nvSpPr>
+          <p:cNvPr id="53" name="사각형: 둥근 모서리 52">
+            <a:extLst>
+              <a:ext uri="{FF2B5EF4-FFF2-40B4-BE49-F238E27FC236}">
+                <a16:creationId xmlns:a16="http://schemas.microsoft.com/office/drawing/2014/main" id="{8A0964A1-9418-473E-98EB-D8401A175AFC}"/>
+              </a:ext>
+            </a:extLst>
+          </p:cNvPr>
+          <p:cNvSpPr/>
+          <p:nvPr/>
+        </p:nvSpPr>
+        <p:spPr>
+          <a:xfrm>
+            <a:off x="1475656" y="1264278"/>
+            <a:ext cx="947468" cy="239182"/>
+          </a:xfrm>
+          <a:prstGeom prst="roundRect">
+            <a:avLst>
+              <a:gd name="adj" fmla="val 0"/>
+            </a:avLst>
+          </a:prstGeom>
+          <a:noFill/>
+          <a:ln>
+            <a:noFill/>
+          </a:ln>
+        </p:spPr>
+        <p:style>
+          <a:lnRef idx="2">
+            <a:schemeClr val="dk1"/>
+          </a:lnRef>
+          <a:fillRef idx="1">
+            <a:schemeClr val="lt1"/>
+          </a:fillRef>
+          <a:effectRef idx="0">
+            <a:schemeClr val="dk1"/>
+          </a:effectRef>
+          <a:fontRef idx="minor">
+            <a:schemeClr val="dk1"/>
+          </a:fontRef>
+        </p:style>
+        <p:txBody>
+          <a:bodyPr rtlCol="0" anchor="ctr"/>
+          <a:lstStyle/>
+          <a:p>
+            <a:pPr algn="ctr"/>
+            <a:r>
+              <a:rPr lang="en-US" altLang="ko-KR" sz="800"/>
+              <a:t>connect()</a:t>
+            </a:r>
+          </a:p>
+        </p:txBody>
+      </p:sp>
+      <p:sp>
+        <p:nvSpPr>
+          <p:cNvPr id="54" name="사각형: 둥근 모서리 53">
+            <a:extLst>
+              <a:ext uri="{FF2B5EF4-FFF2-40B4-BE49-F238E27FC236}">
+                <a16:creationId xmlns:a16="http://schemas.microsoft.com/office/drawing/2014/main" id="{5249A8B8-6360-4861-92F6-D8C94B6DB457}"/>
+              </a:ext>
+            </a:extLst>
+          </p:cNvPr>
+          <p:cNvSpPr/>
+          <p:nvPr/>
+        </p:nvSpPr>
+        <p:spPr>
+          <a:xfrm>
+            <a:off x="6625053" y="1469671"/>
+            <a:ext cx="947468" cy="239182"/>
+          </a:xfrm>
+          <a:prstGeom prst="roundRect">
+            <a:avLst>
+              <a:gd name="adj" fmla="val 0"/>
+            </a:avLst>
+          </a:prstGeom>
+          <a:noFill/>
+          <a:ln>
+            <a:noFill/>
+          </a:ln>
+        </p:spPr>
+        <p:style>
+          <a:lnRef idx="2">
+            <a:schemeClr val="dk1"/>
+          </a:lnRef>
+          <a:fillRef idx="1">
+            <a:schemeClr val="lt1"/>
+          </a:fillRef>
+          <a:effectRef idx="0">
+            <a:schemeClr val="dk1"/>
+          </a:effectRef>
+          <a:fontRef idx="minor">
+            <a:schemeClr val="dk1"/>
+          </a:fontRef>
+        </p:style>
+        <p:txBody>
+          <a:bodyPr rtlCol="0" anchor="ctr"/>
+          <a:lstStyle/>
+          <a:p>
+            <a:pPr algn="ctr"/>
+            <a:r>
+              <a:rPr lang="en-US" altLang="ko-KR" sz="800"/>
+              <a:t>accept()</a:t>
+            </a:r>
+          </a:p>
+        </p:txBody>
+      </p:sp>
+      <p:sp>
+        <p:nvSpPr>
+          <p:cNvPr id="55" name="사각형: 둥근 모서리 54">
+            <a:extLst>
+              <a:ext uri="{FF2B5EF4-FFF2-40B4-BE49-F238E27FC236}">
+                <a16:creationId xmlns:a16="http://schemas.microsoft.com/office/drawing/2014/main" id="{B01DC48F-EF89-42E9-8301-B3265838D5BD}"/>
+              </a:ext>
+            </a:extLst>
+          </p:cNvPr>
+          <p:cNvSpPr/>
+          <p:nvPr/>
+        </p:nvSpPr>
+        <p:spPr>
+          <a:xfrm>
+            <a:off x="6751563" y="987574"/>
+            <a:ext cx="947468" cy="239182"/>
+          </a:xfrm>
+          <a:prstGeom prst="roundRect">
+            <a:avLst>
+              <a:gd name="adj" fmla="val 0"/>
+            </a:avLst>
+          </a:prstGeom>
+          <a:noFill/>
+          <a:ln>
+            <a:noFill/>
+          </a:ln>
+        </p:spPr>
+        <p:style>
+          <a:lnRef idx="2">
+            <a:schemeClr val="dk1"/>
+          </a:lnRef>
+          <a:fillRef idx="1">
+            <a:schemeClr val="lt1"/>
+          </a:fillRef>
+          <a:effectRef idx="0">
+            <a:schemeClr val="dk1"/>
+          </a:effectRef>
+          <a:fontRef idx="minor">
+            <a:schemeClr val="dk1"/>
+          </a:fontRef>
+        </p:style>
+        <p:txBody>
+          <a:bodyPr rtlCol="0" anchor="ctr"/>
+          <a:lstStyle/>
+          <a:p>
+            <a:pPr algn="ctr"/>
+            <a:r>
+              <a:rPr lang="en-US" altLang="ko-KR" sz="800"/>
+              <a:t>bind(), listen()</a:t>
+            </a:r>
+          </a:p>
+        </p:txBody>
+      </p:sp>
+      <p:sp>
+        <p:nvSpPr>
+          <p:cNvPr id="56" name="사각형: 둥근 모서리 55">
+            <a:extLst>
+              <a:ext uri="{FF2B5EF4-FFF2-40B4-BE49-F238E27FC236}">
+                <a16:creationId xmlns:a16="http://schemas.microsoft.com/office/drawing/2014/main" id="{5A88BE86-7EBD-4220-B754-13D77084F600}"/>
+              </a:ext>
+            </a:extLst>
+          </p:cNvPr>
+          <p:cNvSpPr/>
+          <p:nvPr/>
+        </p:nvSpPr>
+        <p:spPr>
+          <a:xfrm>
+            <a:off x="1370947" y="2948890"/>
+            <a:ext cx="947468" cy="239182"/>
+          </a:xfrm>
+          <a:prstGeom prst="roundRect">
+            <a:avLst>
+              <a:gd name="adj" fmla="val 0"/>
+            </a:avLst>
+          </a:prstGeom>
+          <a:noFill/>
+          <a:ln>
+            <a:noFill/>
+          </a:ln>
+        </p:spPr>
+        <p:style>
+          <a:lnRef idx="2">
+            <a:schemeClr val="dk1"/>
+          </a:lnRef>
+          <a:fillRef idx="1">
+            <a:schemeClr val="lt1"/>
+          </a:fillRef>
+          <a:effectRef idx="0">
+            <a:schemeClr val="dk1"/>
+          </a:effectRef>
+          <a:fontRef idx="minor">
+            <a:schemeClr val="dk1"/>
+          </a:fontRef>
+        </p:style>
+        <p:txBody>
+          <a:bodyPr rtlCol="0" anchor="ctr"/>
+          <a:lstStyle/>
+          <a:p>
+            <a:pPr algn="ctr"/>
+            <a:r>
+              <a:rPr lang="en-US" altLang="ko-KR" sz="800"/>
+              <a:t>close() or</a:t>
+            </a:r>
+          </a:p>
+          <a:p>
+            <a:pPr algn="ctr"/>
+            <a:r>
+              <a:rPr lang="en-US" altLang="ko-KR" sz="800"/>
+              <a:t>process killed</a:t>
+            </a:r>
+          </a:p>
+        </p:txBody>
+      </p:sp>
+      <p:sp>
+        <p:nvSpPr>
+          <p:cNvPr id="59" name="사각형: 둥근 모서리 58">
+            <a:extLst>
+              <a:ext uri="{FF2B5EF4-FFF2-40B4-BE49-F238E27FC236}">
+                <a16:creationId xmlns:a16="http://schemas.microsoft.com/office/drawing/2014/main" id="{2DBEFF07-6930-4292-BC87-467F55A230D4}"/>
+              </a:ext>
+            </a:extLst>
+          </p:cNvPr>
+          <p:cNvSpPr/>
+          <p:nvPr/>
+        </p:nvSpPr>
+        <p:spPr>
+          <a:xfrm>
+            <a:off x="6748456" y="3372933"/>
+            <a:ext cx="947468" cy="239182"/>
+          </a:xfrm>
+          <a:prstGeom prst="roundRect">
+            <a:avLst>
+              <a:gd name="adj" fmla="val 0"/>
+            </a:avLst>
+          </a:prstGeom>
+          <a:noFill/>
+          <a:ln>
+            <a:noFill/>
+          </a:ln>
+        </p:spPr>
+        <p:style>
+          <a:lnRef idx="2">
+            <a:schemeClr val="dk1"/>
+          </a:lnRef>
+          <a:fillRef idx="1">
+            <a:schemeClr val="lt1"/>
+          </a:fillRef>
+          <a:effectRef idx="0">
+            <a:schemeClr val="dk1"/>
+          </a:effectRef>
+          <a:fontRef idx="minor">
+            <a:schemeClr val="dk1"/>
+          </a:fontRef>
+        </p:style>
+        <p:txBody>
+          <a:bodyPr rtlCol="0" anchor="ctr"/>
+          <a:lstStyle/>
+          <a:p>
+            <a:pPr algn="ctr"/>
+            <a:r>
+              <a:rPr lang="en-US" altLang="ko-KR" sz="800"/>
+              <a:t>close() or</a:t>
+            </a:r>
+          </a:p>
+          <a:p>
+            <a:pPr algn="ctr"/>
+            <a:r>
+              <a:rPr lang="en-US" altLang="ko-KR" sz="800"/>
+              <a:t>process killed</a:t>
+            </a:r>
+          </a:p>
+        </p:txBody>
+      </p:sp>
+      <p:sp>
+        <p:nvSpPr>
+          <p:cNvPr id="3" name="왼쪽 중괄호 2">
+            <a:extLst>
+              <a:ext uri="{FF2B5EF4-FFF2-40B4-BE49-F238E27FC236}">
+                <a16:creationId xmlns:a16="http://schemas.microsoft.com/office/drawing/2014/main" id="{A96D249E-56FC-4CC5-A0D4-7E0AAD2572D4}"/>
+              </a:ext>
+            </a:extLst>
+          </p:cNvPr>
+          <p:cNvSpPr/>
+          <p:nvPr/>
+        </p:nvSpPr>
+        <p:spPr>
+          <a:xfrm>
+            <a:off x="2195736" y="1173328"/>
+            <a:ext cx="141336" cy="435896"/>
+          </a:xfrm>
+          <a:prstGeom prst="leftBrace">
+            <a:avLst/>
+          </a:prstGeom>
+          <a:ln w="12700"/>
+        </p:spPr>
+        <p:style>
+          <a:lnRef idx="1">
+            <a:schemeClr val="dk1"/>
+          </a:lnRef>
+          <a:fillRef idx="0">
+            <a:schemeClr val="dk1"/>
+          </a:fillRef>
+          <a:effectRef idx="0">
+            <a:schemeClr val="dk1"/>
+          </a:effectRef>
+          <a:fontRef idx="minor">
+            <a:schemeClr val="tx1"/>
+          </a:fontRef>
+        </p:style>
+        <p:txBody>
+          <a:bodyPr rtlCol="0" anchor="ctr"/>
+          <a:lstStyle/>
+          <a:p>
+            <a:pPr algn="ctr"/>
+            <a:endParaRPr lang="ko-KR" altLang="en-US"/>
+          </a:p>
+        </p:txBody>
+      </p:sp>
+      <p:sp>
+        <p:nvSpPr>
+          <p:cNvPr id="61" name="왼쪽 중괄호 60">
+            <a:extLst>
+              <a:ext uri="{FF2B5EF4-FFF2-40B4-BE49-F238E27FC236}">
+                <a16:creationId xmlns:a16="http://schemas.microsoft.com/office/drawing/2014/main" id="{3E8046E0-901D-4C7A-8367-271A1B2278B1}"/>
+              </a:ext>
+            </a:extLst>
+          </p:cNvPr>
+          <p:cNvSpPr/>
+          <p:nvPr/>
+        </p:nvSpPr>
+        <p:spPr>
+          <a:xfrm rot="10800000">
+            <a:off x="6725638" y="1387906"/>
+            <a:ext cx="141336" cy="435896"/>
+          </a:xfrm>
+          <a:prstGeom prst="leftBrace">
+            <a:avLst/>
+          </a:prstGeom>
+          <a:ln w="12700"/>
+        </p:spPr>
+        <p:style>
+          <a:lnRef idx="1">
+            <a:schemeClr val="dk1"/>
+          </a:lnRef>
+          <a:fillRef idx="0">
+            <a:schemeClr val="dk1"/>
+          </a:fillRef>
+          <a:effectRef idx="0">
+            <a:schemeClr val="dk1"/>
+          </a:effectRef>
+          <a:fontRef idx="minor">
+            <a:schemeClr val="tx1"/>
+          </a:fontRef>
+        </p:style>
+        <p:txBody>
+          <a:bodyPr rtlCol="0" anchor="ctr"/>
+          <a:lstStyle/>
+          <a:p>
+            <a:pPr algn="ctr"/>
+            <a:endParaRPr lang="ko-KR" altLang="en-US"/>
+          </a:p>
+        </p:txBody>
+      </p:sp>
+      <p:sp>
+        <p:nvSpPr>
+          <p:cNvPr id="62" name="왼쪽 중괄호 61">
+            <a:extLst>
+              <a:ext uri="{FF2B5EF4-FFF2-40B4-BE49-F238E27FC236}">
+                <a16:creationId xmlns:a16="http://schemas.microsoft.com/office/drawing/2014/main" id="{E27B2FB7-35F0-4F08-B653-3371B22395ED}"/>
+              </a:ext>
+            </a:extLst>
+          </p:cNvPr>
+          <p:cNvSpPr/>
+          <p:nvPr/>
+        </p:nvSpPr>
+        <p:spPr>
+          <a:xfrm>
+            <a:off x="2195736" y="1611628"/>
+            <a:ext cx="141336" cy="1394820"/>
+          </a:xfrm>
+          <a:prstGeom prst="leftBrace">
+            <a:avLst/>
+          </a:prstGeom>
+          <a:ln w="12700"/>
+        </p:spPr>
+        <p:style>
+          <a:lnRef idx="1">
+            <a:schemeClr val="dk1"/>
+          </a:lnRef>
+          <a:fillRef idx="0">
+            <a:schemeClr val="dk1"/>
+          </a:fillRef>
+          <a:effectRef idx="0">
+            <a:schemeClr val="dk1"/>
+          </a:effectRef>
+          <a:fontRef idx="minor">
+            <a:schemeClr val="tx1"/>
+          </a:fontRef>
+        </p:style>
+        <p:txBody>
+          <a:bodyPr rtlCol="0" anchor="ctr"/>
+          <a:lstStyle/>
+          <a:p>
+            <a:pPr algn="ctr"/>
+            <a:endParaRPr lang="ko-KR" altLang="en-US"/>
+          </a:p>
+        </p:txBody>
+      </p:sp>
+      <p:sp>
+        <p:nvSpPr>
+          <p:cNvPr id="64" name="사각형: 둥근 모서리 63">
+            <a:extLst>
+              <a:ext uri="{FF2B5EF4-FFF2-40B4-BE49-F238E27FC236}">
+                <a16:creationId xmlns:a16="http://schemas.microsoft.com/office/drawing/2014/main" id="{A791D8DC-C33F-4FEA-8740-F56F552E832C}"/>
+              </a:ext>
+            </a:extLst>
+          </p:cNvPr>
+          <p:cNvSpPr/>
+          <p:nvPr/>
+        </p:nvSpPr>
+        <p:spPr>
+          <a:xfrm>
+            <a:off x="1391614" y="2187327"/>
+            <a:ext cx="947468" cy="239182"/>
+          </a:xfrm>
+          <a:prstGeom prst="roundRect">
+            <a:avLst>
+              <a:gd name="adj" fmla="val 0"/>
+            </a:avLst>
+          </a:prstGeom>
+          <a:noFill/>
+          <a:ln>
+            <a:noFill/>
+          </a:ln>
+        </p:spPr>
+        <p:style>
+          <a:lnRef idx="2">
+            <a:schemeClr val="dk1"/>
+          </a:lnRef>
+          <a:fillRef idx="1">
+            <a:schemeClr val="lt1"/>
+          </a:fillRef>
+          <a:effectRef idx="0">
+            <a:schemeClr val="dk1"/>
+          </a:effectRef>
+          <a:fontRef idx="minor">
+            <a:schemeClr val="dk1"/>
+          </a:fontRef>
+        </p:style>
+        <p:txBody>
+          <a:bodyPr rtlCol="0" anchor="ctr"/>
+          <a:lstStyle/>
+          <a:p>
+            <a:pPr algn="ctr"/>
+            <a:r>
+              <a:rPr lang="en-US" altLang="ko-KR" sz="800"/>
+              <a:t>send(), recv()</a:t>
+            </a:r>
+          </a:p>
+        </p:txBody>
+      </p:sp>
+      <p:sp>
+        <p:nvSpPr>
+          <p:cNvPr id="65" name="왼쪽 중괄호 64">
+            <a:extLst>
+              <a:ext uri="{FF2B5EF4-FFF2-40B4-BE49-F238E27FC236}">
+                <a16:creationId xmlns:a16="http://schemas.microsoft.com/office/drawing/2014/main" id="{BA032C7B-2D8F-4499-A406-99FD02D8591B}"/>
+              </a:ext>
+            </a:extLst>
+          </p:cNvPr>
+          <p:cNvSpPr/>
+          <p:nvPr/>
+        </p:nvSpPr>
+        <p:spPr>
+          <a:xfrm rot="10800000">
+            <a:off x="6725637" y="1049409"/>
+            <a:ext cx="147745" cy="115514"/>
+          </a:xfrm>
+          <a:prstGeom prst="leftBrace">
+            <a:avLst/>
+          </a:prstGeom>
+          <a:ln w="12700"/>
+        </p:spPr>
+        <p:style>
+          <a:lnRef idx="1">
+            <a:schemeClr val="dk1"/>
+          </a:lnRef>
+          <a:fillRef idx="0">
+            <a:schemeClr val="dk1"/>
+          </a:fillRef>
+          <a:effectRef idx="0">
+            <a:schemeClr val="dk1"/>
+          </a:effectRef>
+          <a:fontRef idx="minor">
+            <a:schemeClr val="tx1"/>
+          </a:fontRef>
+        </p:style>
+        <p:txBody>
+          <a:bodyPr rtlCol="0" anchor="ctr"/>
+          <a:lstStyle/>
+          <a:p>
+            <a:pPr algn="ctr"/>
+            <a:endParaRPr lang="ko-KR" altLang="en-US"/>
+          </a:p>
+        </p:txBody>
+      </p:sp>
+      <p:sp>
+        <p:nvSpPr>
+          <p:cNvPr id="66" name="왼쪽 중괄호 65">
+            <a:extLst>
+              <a:ext uri="{FF2B5EF4-FFF2-40B4-BE49-F238E27FC236}">
+                <a16:creationId xmlns:a16="http://schemas.microsoft.com/office/drawing/2014/main" id="{42F863D2-90C9-4867-9476-9EC802BC8092}"/>
+              </a:ext>
+            </a:extLst>
+          </p:cNvPr>
+          <p:cNvSpPr/>
+          <p:nvPr/>
+        </p:nvSpPr>
+        <p:spPr>
+          <a:xfrm rot="10800000">
+            <a:off x="6725638" y="1823324"/>
+            <a:ext cx="141336" cy="1511792"/>
+          </a:xfrm>
+          <a:prstGeom prst="leftBrace">
+            <a:avLst/>
+          </a:prstGeom>
+          <a:ln w="12700"/>
+        </p:spPr>
+        <p:style>
+          <a:lnRef idx="1">
+            <a:schemeClr val="dk1"/>
+          </a:lnRef>
+          <a:fillRef idx="0">
+            <a:schemeClr val="dk1"/>
+          </a:fillRef>
+          <a:effectRef idx="0">
+            <a:schemeClr val="dk1"/>
+          </a:effectRef>
+          <a:fontRef idx="minor">
+            <a:schemeClr val="tx1"/>
+          </a:fontRef>
+        </p:style>
+        <p:txBody>
+          <a:bodyPr rtlCol="0" anchor="ctr"/>
+          <a:lstStyle/>
+          <a:p>
+            <a:pPr algn="ctr"/>
+            <a:endParaRPr lang="ko-KR" altLang="en-US"/>
+          </a:p>
+        </p:txBody>
+      </p:sp>
+      <p:sp>
+        <p:nvSpPr>
+          <p:cNvPr id="67" name="사각형: 둥근 모서리 66">
+            <a:extLst>
+              <a:ext uri="{FF2B5EF4-FFF2-40B4-BE49-F238E27FC236}">
+                <a16:creationId xmlns:a16="http://schemas.microsoft.com/office/drawing/2014/main" id="{0A803950-2101-40C4-9557-8781A0BC29AB}"/>
+              </a:ext>
+            </a:extLst>
+          </p:cNvPr>
+          <p:cNvSpPr/>
+          <p:nvPr/>
+        </p:nvSpPr>
+        <p:spPr>
+          <a:xfrm>
+            <a:off x="6747934" y="2456828"/>
+            <a:ext cx="947468" cy="239182"/>
+          </a:xfrm>
+          <a:prstGeom prst="roundRect">
+            <a:avLst>
+              <a:gd name="adj" fmla="val 0"/>
+            </a:avLst>
+          </a:prstGeom>
+          <a:noFill/>
+          <a:ln>
+            <a:noFill/>
+          </a:ln>
+        </p:spPr>
+        <p:style>
+          <a:lnRef idx="2">
+            <a:schemeClr val="dk1"/>
+          </a:lnRef>
+          <a:fillRef idx="1">
+            <a:schemeClr val="lt1"/>
+          </a:fillRef>
+          <a:effectRef idx="0">
+            <a:schemeClr val="dk1"/>
+          </a:effectRef>
+          <a:fontRef idx="minor">
+            <a:schemeClr val="dk1"/>
+          </a:fontRef>
+        </p:style>
+        <p:txBody>
+          <a:bodyPr rtlCol="0" anchor="ctr"/>
+          <a:lstStyle/>
+          <a:p>
+            <a:pPr algn="ctr"/>
+            <a:r>
+              <a:rPr lang="en-US" altLang="ko-KR" sz="800"/>
+              <a:t>send(), recv()</a:t>
+            </a:r>
+          </a:p>
+        </p:txBody>
+      </p:sp>
+      <p:sp>
+        <p:nvSpPr>
+          <p:cNvPr id="69" name="왼쪽 중괄호 68">
+            <a:extLst>
+              <a:ext uri="{FF2B5EF4-FFF2-40B4-BE49-F238E27FC236}">
+                <a16:creationId xmlns:a16="http://schemas.microsoft.com/office/drawing/2014/main" id="{8377D69E-6887-4212-8FE7-6CF69FDE8FDC}"/>
+              </a:ext>
+            </a:extLst>
+          </p:cNvPr>
+          <p:cNvSpPr/>
+          <p:nvPr/>
+        </p:nvSpPr>
+        <p:spPr>
+          <a:xfrm rot="10800000">
+            <a:off x="6725637" y="3439557"/>
+            <a:ext cx="147745" cy="115514"/>
+          </a:xfrm>
+          <a:prstGeom prst="leftBrace">
+            <a:avLst/>
+          </a:prstGeom>
+          <a:ln w="12700"/>
+        </p:spPr>
+        <p:style>
+          <a:lnRef idx="1">
+            <a:schemeClr val="dk1"/>
+          </a:lnRef>
+          <a:fillRef idx="0">
+            <a:schemeClr val="dk1"/>
+          </a:fillRef>
+          <a:effectRef idx="0">
+            <a:schemeClr val="dk1"/>
+          </a:effectRef>
+          <a:fontRef idx="minor">
+            <a:schemeClr val="tx1"/>
+          </a:fontRef>
+        </p:style>
+        <p:txBody>
+          <a:bodyPr rtlCol="0" anchor="ctr"/>
+          <a:lstStyle/>
+          <a:p>
+            <a:pPr algn="ctr"/>
+            <a:endParaRPr lang="ko-KR" altLang="en-US"/>
+          </a:p>
+        </p:txBody>
+      </p:sp>
+      <p:sp>
+        <p:nvSpPr>
+          <p:cNvPr id="70" name="왼쪽 중괄호 69">
+            <a:extLst>
+              <a:ext uri="{FF2B5EF4-FFF2-40B4-BE49-F238E27FC236}">
+                <a16:creationId xmlns:a16="http://schemas.microsoft.com/office/drawing/2014/main" id="{40A770E0-721A-445B-BF6E-38F5DEC10F70}"/>
+              </a:ext>
+            </a:extLst>
+          </p:cNvPr>
+          <p:cNvSpPr/>
+          <p:nvPr/>
+        </p:nvSpPr>
+        <p:spPr>
+          <a:xfrm>
+            <a:off x="2192501" y="3006450"/>
+            <a:ext cx="147745" cy="115514"/>
+          </a:xfrm>
+          <a:prstGeom prst="leftBrace">
+            <a:avLst/>
+          </a:prstGeom>
+          <a:ln w="12700"/>
+        </p:spPr>
+        <p:style>
+          <a:lnRef idx="1">
+            <a:schemeClr val="dk1"/>
+          </a:lnRef>
+          <a:fillRef idx="0">
+            <a:schemeClr val="dk1"/>
+          </a:fillRef>
+          <a:effectRef idx="0">
+            <a:schemeClr val="dk1"/>
+          </a:effectRef>
+          <a:fontRef idx="minor">
+            <a:schemeClr val="tx1"/>
+          </a:fontRef>
+        </p:style>
+        <p:txBody>
+          <a:bodyPr rtlCol="0" anchor="ctr"/>
+          <a:lstStyle/>
+          <a:p>
+            <a:pPr algn="ctr"/>
+            <a:endParaRPr lang="ko-KR" altLang="en-US"/>
+          </a:p>
+        </p:txBody>
+      </p:sp>
+      <p:cxnSp>
+        <p:nvCxnSpPr>
+          <p:cNvPr id="71" name="직선 연결선 70">
+            <a:extLst>
+              <a:ext uri="{FF2B5EF4-FFF2-40B4-BE49-F238E27FC236}">
+                <a16:creationId xmlns:a16="http://schemas.microsoft.com/office/drawing/2014/main" id="{914FA369-06AE-4170-A379-3DCEC86B089A}"/>
+              </a:ext>
+            </a:extLst>
+          </p:cNvPr>
+          <p:cNvCxnSpPr>
+            <a:cxnSpLocks/>
+          </p:cNvCxnSpPr>
+          <p:nvPr/>
+        </p:nvCxnSpPr>
+        <p:spPr>
+          <a:xfrm flipH="1">
+            <a:off x="5724128" y="1173328"/>
+            <a:ext cx="935692" cy="0"/>
+          </a:xfrm>
+          <a:prstGeom prst="line">
+            <a:avLst/>
+          </a:prstGeom>
+          <a:ln w="19050"/>
+        </p:spPr>
+        <p:style>
+          <a:lnRef idx="1">
+            <a:schemeClr val="dk1"/>
+          </a:lnRef>
+          <a:fillRef idx="0">
+            <a:schemeClr val="dk1"/>
+          </a:fillRef>
+          <a:effectRef idx="0">
+            <a:schemeClr val="dk1"/>
+          </a:effectRef>
+          <a:fontRef idx="minor">
+            <a:schemeClr val="tx1"/>
+          </a:fontRef>
+        </p:style>
+      </p:cxnSp>
+      <p:sp>
+        <p:nvSpPr>
+          <p:cNvPr id="73" name="사각형: 둥근 모서리 72">
+            <a:extLst>
+              <a:ext uri="{FF2B5EF4-FFF2-40B4-BE49-F238E27FC236}">
+                <a16:creationId xmlns:a16="http://schemas.microsoft.com/office/drawing/2014/main" id="{4DD1FBAE-6D82-4E15-B50C-70838D89DE39}"/>
+              </a:ext>
+            </a:extLst>
+          </p:cNvPr>
+          <p:cNvSpPr/>
+          <p:nvPr/>
+        </p:nvSpPr>
+        <p:spPr>
+          <a:xfrm>
+            <a:off x="5722389" y="932568"/>
+            <a:ext cx="947468" cy="239182"/>
+          </a:xfrm>
+          <a:prstGeom prst="roundRect">
+            <a:avLst>
+              <a:gd name="adj" fmla="val 0"/>
+            </a:avLst>
+          </a:prstGeom>
+          <a:noFill/>
+          <a:ln>
+            <a:noFill/>
+          </a:ln>
+        </p:spPr>
+        <p:style>
+          <a:lnRef idx="2">
+            <a:schemeClr val="dk1"/>
+          </a:lnRef>
+          <a:fillRef idx="1">
+            <a:schemeClr val="lt1"/>
+          </a:fillRef>
+          <a:effectRef idx="0">
+            <a:schemeClr val="dk1"/>
+          </a:effectRef>
+          <a:fontRef idx="minor">
+            <a:schemeClr val="dk1"/>
+          </a:fontRef>
+        </p:style>
+        <p:txBody>
+          <a:bodyPr rtlCol="0" anchor="ctr"/>
+          <a:lstStyle/>
+          <a:p>
+            <a:pPr algn="ctr"/>
+            <a:r>
+              <a:rPr lang="en-US" altLang="ko-KR" sz="1050"/>
+              <a:t>CLOSED</a:t>
+            </a:r>
+          </a:p>
+        </p:txBody>
+      </p:sp>
     </p:spTree>
     <p:extLst>
       <p:ext uri="{BB962C8B-B14F-4D97-AF65-F5344CB8AC3E}">
-        <p14:creationId xmlns:p14="http://schemas.microsoft.com/office/powerpoint/2010/main" val="3749160910"/>
+        <p14:creationId xmlns:p14="http://schemas.microsoft.com/office/powerpoint/2010/main" val="394899565"/>
       </p:ext>
     </p:extLst>
   </p:cSld>
@@ -9785,6 +10662,2383 @@
     <p:extLst>
       <p:ext uri="{BB962C8B-B14F-4D97-AF65-F5344CB8AC3E}">
         <p14:creationId xmlns:p14="http://schemas.microsoft.com/office/powerpoint/2010/main" val="926714250"/>
+      </p:ext>
+    </p:extLst>
+  </p:cSld>
+  <p:clrMapOvr>
+    <a:masterClrMapping/>
+  </p:clrMapOvr>
+</p:sld>
+</file>
+
+<file path=ppt/slides/slide4.xml><?xml version="1.0" encoding="utf-8"?>
+<p:sld xmlns:a="http://schemas.openxmlformats.org/drawingml/2006/main" xmlns:r="http://schemas.openxmlformats.org/officeDocument/2006/relationships" xmlns:p="http://schemas.openxmlformats.org/presentationml/2006/main">
+  <p:cSld>
+    <p:spTree>
+      <p:nvGrpSpPr>
+        <p:cNvPr id="1" name=""/>
+        <p:cNvGrpSpPr/>
+        <p:nvPr/>
+      </p:nvGrpSpPr>
+      <p:grpSpPr>
+        <a:xfrm>
+          <a:off x="0" y="0"/>
+          <a:ext cx="0" cy="0"/>
+          <a:chOff x="0" y="0"/>
+          <a:chExt cx="0" cy="0"/>
+        </a:xfrm>
+      </p:grpSpPr>
+      <p:sp>
+        <p:nvSpPr>
+          <p:cNvPr id="2" name="제목 1"/>
+          <p:cNvSpPr>
+            <a:spLocks noGrp="1"/>
+          </p:cNvSpPr>
+          <p:nvPr>
+            <p:ph type="title"/>
+          </p:nvPr>
+        </p:nvSpPr>
+        <p:spPr>
+          <a:xfrm>
+            <a:off x="457200" y="-236562"/>
+            <a:ext cx="8229600" cy="720080"/>
+          </a:xfrm>
+        </p:spPr>
+        <p:txBody>
+          <a:bodyPr>
+            <a:normAutofit/>
+          </a:bodyPr>
+          <a:lstStyle/>
+          <a:p>
+            <a:r>
+              <a:rPr lang="en-US" altLang="ko-KR" sz="3600"/>
+              <a:t>TCP Handshake State</a:t>
+            </a:r>
+            <a:endParaRPr lang="ko-KR" altLang="en-US" sz="3600" dirty="0"/>
+          </a:p>
+        </p:txBody>
+      </p:sp>
+      <p:sp>
+        <p:nvSpPr>
+          <p:cNvPr id="94" name="TextBox 93">
+            <a:extLst>
+              <a:ext uri="{FF2B5EF4-FFF2-40B4-BE49-F238E27FC236}">
+                <a16:creationId xmlns:a16="http://schemas.microsoft.com/office/drawing/2014/main" id="{8C202BA3-1836-446B-9762-088033ED3707}"/>
+              </a:ext>
+            </a:extLst>
+          </p:cNvPr>
+          <p:cNvSpPr txBox="1"/>
+          <p:nvPr/>
+        </p:nvSpPr>
+        <p:spPr>
+          <a:xfrm>
+            <a:off x="3130238" y="691848"/>
+            <a:ext cx="583814" cy="276999"/>
+          </a:xfrm>
+          <a:prstGeom prst="rect">
+            <a:avLst/>
+          </a:prstGeom>
+          <a:noFill/>
+        </p:spPr>
+        <p:txBody>
+          <a:bodyPr wrap="none" rtlCol="0" anchor="ctr">
+            <a:spAutoFit/>
+          </a:bodyPr>
+          <a:lstStyle/>
+          <a:p>
+            <a:pPr algn="ctr"/>
+            <a:r>
+              <a:rPr lang="en-US" altLang="ko-KR" sz="1200"/>
+              <a:t>Client</a:t>
+            </a:r>
+            <a:endParaRPr lang="ko-KR" altLang="en-US" sz="1200"/>
+          </a:p>
+        </p:txBody>
+      </p:sp>
+      <p:cxnSp>
+        <p:nvCxnSpPr>
+          <p:cNvPr id="4" name="직선 연결선 3">
+            <a:extLst>
+              <a:ext uri="{FF2B5EF4-FFF2-40B4-BE49-F238E27FC236}">
+                <a16:creationId xmlns:a16="http://schemas.microsoft.com/office/drawing/2014/main" id="{BAB273D5-6145-499E-8390-48BBD4E91D59}"/>
+              </a:ext>
+            </a:extLst>
+          </p:cNvPr>
+          <p:cNvCxnSpPr>
+            <a:cxnSpLocks/>
+            <a:stCxn id="94" idx="2"/>
+          </p:cNvCxnSpPr>
+          <p:nvPr/>
+        </p:nvCxnSpPr>
+        <p:spPr>
+          <a:xfrm>
+            <a:off x="3422145" y="968847"/>
+            <a:ext cx="0" cy="3331095"/>
+          </a:xfrm>
+          <a:prstGeom prst="line">
+            <a:avLst/>
+          </a:prstGeom>
+          <a:ln w="19050"/>
+        </p:spPr>
+        <p:style>
+          <a:lnRef idx="1">
+            <a:schemeClr val="dk1"/>
+          </a:lnRef>
+          <a:fillRef idx="0">
+            <a:schemeClr val="dk1"/>
+          </a:fillRef>
+          <a:effectRef idx="0">
+            <a:schemeClr val="dk1"/>
+          </a:effectRef>
+          <a:fontRef idx="minor">
+            <a:schemeClr val="tx1"/>
+          </a:fontRef>
+        </p:style>
+      </p:cxnSp>
+      <p:sp>
+        <p:nvSpPr>
+          <p:cNvPr id="96" name="TextBox 95">
+            <a:extLst>
+              <a:ext uri="{FF2B5EF4-FFF2-40B4-BE49-F238E27FC236}">
+                <a16:creationId xmlns:a16="http://schemas.microsoft.com/office/drawing/2014/main" id="{AD3DA31F-90ED-4078-A5A4-F997308F0720}"/>
+              </a:ext>
+            </a:extLst>
+          </p:cNvPr>
+          <p:cNvSpPr txBox="1"/>
+          <p:nvPr/>
+        </p:nvSpPr>
+        <p:spPr>
+          <a:xfrm>
+            <a:off x="5341331" y="691848"/>
+            <a:ext cx="621580" cy="276999"/>
+          </a:xfrm>
+          <a:prstGeom prst="rect">
+            <a:avLst/>
+          </a:prstGeom>
+          <a:noFill/>
+        </p:spPr>
+        <p:txBody>
+          <a:bodyPr wrap="none" rtlCol="0" anchor="ctr">
+            <a:spAutoFit/>
+          </a:bodyPr>
+          <a:lstStyle/>
+          <a:p>
+            <a:pPr algn="ctr"/>
+            <a:r>
+              <a:rPr lang="en-US" altLang="ko-KR" sz="1200"/>
+              <a:t>Server</a:t>
+            </a:r>
+            <a:endParaRPr lang="ko-KR" altLang="en-US" sz="1200"/>
+          </a:p>
+        </p:txBody>
+      </p:sp>
+      <p:cxnSp>
+        <p:nvCxnSpPr>
+          <p:cNvPr id="97" name="직선 연결선 96">
+            <a:extLst>
+              <a:ext uri="{FF2B5EF4-FFF2-40B4-BE49-F238E27FC236}">
+                <a16:creationId xmlns:a16="http://schemas.microsoft.com/office/drawing/2014/main" id="{EA9E3194-9CAD-40ED-8CD3-7E8675DAB44F}"/>
+              </a:ext>
+            </a:extLst>
+          </p:cNvPr>
+          <p:cNvCxnSpPr>
+            <a:cxnSpLocks/>
+            <a:stCxn id="96" idx="2"/>
+          </p:cNvCxnSpPr>
+          <p:nvPr/>
+        </p:nvCxnSpPr>
+        <p:spPr>
+          <a:xfrm>
+            <a:off x="5652121" y="968847"/>
+            <a:ext cx="0" cy="3342803"/>
+          </a:xfrm>
+          <a:prstGeom prst="line">
+            <a:avLst/>
+          </a:prstGeom>
+          <a:ln w="19050"/>
+        </p:spPr>
+        <p:style>
+          <a:lnRef idx="1">
+            <a:schemeClr val="dk1"/>
+          </a:lnRef>
+          <a:fillRef idx="0">
+            <a:schemeClr val="dk1"/>
+          </a:fillRef>
+          <a:effectRef idx="0">
+            <a:schemeClr val="dk1"/>
+          </a:effectRef>
+          <a:fontRef idx="minor">
+            <a:schemeClr val="tx1"/>
+          </a:fontRef>
+        </p:style>
+      </p:cxnSp>
+      <p:cxnSp>
+        <p:nvCxnSpPr>
+          <p:cNvPr id="8" name="직선 화살표 연결선 7">
+            <a:extLst>
+              <a:ext uri="{FF2B5EF4-FFF2-40B4-BE49-F238E27FC236}">
+                <a16:creationId xmlns:a16="http://schemas.microsoft.com/office/drawing/2014/main" id="{57F3625E-5D23-4FF3-B138-6C04B2DA2CA1}"/>
+              </a:ext>
+            </a:extLst>
+          </p:cNvPr>
+          <p:cNvCxnSpPr>
+            <a:cxnSpLocks/>
+          </p:cNvCxnSpPr>
+          <p:nvPr/>
+        </p:nvCxnSpPr>
+        <p:spPr>
+          <a:xfrm>
+            <a:off x="3422145" y="1177176"/>
+            <a:ext cx="2229976" cy="216024"/>
+          </a:xfrm>
+          <a:prstGeom prst="straightConnector1">
+            <a:avLst/>
+          </a:prstGeom>
+          <a:ln w="12700">
+            <a:headEnd type="none" w="med" len="med"/>
+            <a:tailEnd type="arrow" w="med" len="med"/>
+          </a:ln>
+        </p:spPr>
+        <p:style>
+          <a:lnRef idx="1">
+            <a:schemeClr val="dk1"/>
+          </a:lnRef>
+          <a:fillRef idx="0">
+            <a:schemeClr val="dk1"/>
+          </a:fillRef>
+          <a:effectRef idx="0">
+            <a:schemeClr val="dk1"/>
+          </a:effectRef>
+          <a:fontRef idx="minor">
+            <a:schemeClr val="tx1"/>
+          </a:fontRef>
+        </p:style>
+      </p:cxnSp>
+      <p:cxnSp>
+        <p:nvCxnSpPr>
+          <p:cNvPr id="98" name="직선 화살표 연결선 97">
+            <a:extLst>
+              <a:ext uri="{FF2B5EF4-FFF2-40B4-BE49-F238E27FC236}">
+                <a16:creationId xmlns:a16="http://schemas.microsoft.com/office/drawing/2014/main" id="{3F6B4C69-BFE6-48DC-A491-823D778D9216}"/>
+              </a:ext>
+            </a:extLst>
+          </p:cNvPr>
+          <p:cNvCxnSpPr>
+            <a:cxnSpLocks/>
+          </p:cNvCxnSpPr>
+          <p:nvPr/>
+        </p:nvCxnSpPr>
+        <p:spPr>
+          <a:xfrm flipH="1">
+            <a:off x="3422145" y="1393200"/>
+            <a:ext cx="2229976" cy="216024"/>
+          </a:xfrm>
+          <a:prstGeom prst="straightConnector1">
+            <a:avLst/>
+          </a:prstGeom>
+          <a:ln w="12700">
+            <a:headEnd type="none" w="med" len="med"/>
+            <a:tailEnd type="arrow" w="med" len="med"/>
+          </a:ln>
+        </p:spPr>
+        <p:style>
+          <a:lnRef idx="1">
+            <a:schemeClr val="dk1"/>
+          </a:lnRef>
+          <a:fillRef idx="0">
+            <a:schemeClr val="dk1"/>
+          </a:fillRef>
+          <a:effectRef idx="0">
+            <a:schemeClr val="dk1"/>
+          </a:effectRef>
+          <a:fontRef idx="minor">
+            <a:schemeClr val="tx1"/>
+          </a:fontRef>
+        </p:style>
+      </p:cxnSp>
+      <p:cxnSp>
+        <p:nvCxnSpPr>
+          <p:cNvPr id="99" name="직선 화살표 연결선 98">
+            <a:extLst>
+              <a:ext uri="{FF2B5EF4-FFF2-40B4-BE49-F238E27FC236}">
+                <a16:creationId xmlns:a16="http://schemas.microsoft.com/office/drawing/2014/main" id="{5B269C83-70C2-4780-8AEE-3080872E9503}"/>
+              </a:ext>
+            </a:extLst>
+          </p:cNvPr>
+          <p:cNvCxnSpPr>
+            <a:cxnSpLocks/>
+          </p:cNvCxnSpPr>
+          <p:nvPr/>
+        </p:nvCxnSpPr>
+        <p:spPr>
+          <a:xfrm>
+            <a:off x="3422145" y="1609224"/>
+            <a:ext cx="2229976" cy="216024"/>
+          </a:xfrm>
+          <a:prstGeom prst="straightConnector1">
+            <a:avLst/>
+          </a:prstGeom>
+          <a:ln w="12700">
+            <a:headEnd type="none" w="med" len="med"/>
+            <a:tailEnd type="arrow" w="med" len="med"/>
+          </a:ln>
+        </p:spPr>
+        <p:style>
+          <a:lnRef idx="1">
+            <a:schemeClr val="dk1"/>
+          </a:lnRef>
+          <a:fillRef idx="0">
+            <a:schemeClr val="dk1"/>
+          </a:fillRef>
+          <a:effectRef idx="0">
+            <a:schemeClr val="dk1"/>
+          </a:effectRef>
+          <a:fontRef idx="minor">
+            <a:schemeClr val="tx1"/>
+          </a:fontRef>
+        </p:style>
+      </p:cxnSp>
+      <p:cxnSp>
+        <p:nvCxnSpPr>
+          <p:cNvPr id="102" name="직선 화살표 연결선 101">
+            <a:extLst>
+              <a:ext uri="{FF2B5EF4-FFF2-40B4-BE49-F238E27FC236}">
+                <a16:creationId xmlns:a16="http://schemas.microsoft.com/office/drawing/2014/main" id="{0945EC75-D48E-4301-8DB2-0A152A69CB52}"/>
+              </a:ext>
+            </a:extLst>
+          </p:cNvPr>
+          <p:cNvCxnSpPr>
+            <a:cxnSpLocks/>
+          </p:cNvCxnSpPr>
+          <p:nvPr/>
+        </p:nvCxnSpPr>
+        <p:spPr>
+          <a:xfrm>
+            <a:off x="3422145" y="2041272"/>
+            <a:ext cx="2229976" cy="216024"/>
+          </a:xfrm>
+          <a:prstGeom prst="straightConnector1">
+            <a:avLst/>
+          </a:prstGeom>
+          <a:ln w="12700">
+            <a:headEnd type="none" w="med" len="med"/>
+            <a:tailEnd type="arrow" w="med" len="med"/>
+          </a:ln>
+        </p:spPr>
+        <p:style>
+          <a:lnRef idx="1">
+            <a:schemeClr val="dk1"/>
+          </a:lnRef>
+          <a:fillRef idx="0">
+            <a:schemeClr val="dk1"/>
+          </a:fillRef>
+          <a:effectRef idx="0">
+            <a:schemeClr val="dk1"/>
+          </a:effectRef>
+          <a:fontRef idx="minor">
+            <a:schemeClr val="tx1"/>
+          </a:fontRef>
+        </p:style>
+      </p:cxnSp>
+      <p:cxnSp>
+        <p:nvCxnSpPr>
+          <p:cNvPr id="103" name="직선 화살표 연결선 102">
+            <a:extLst>
+              <a:ext uri="{FF2B5EF4-FFF2-40B4-BE49-F238E27FC236}">
+                <a16:creationId xmlns:a16="http://schemas.microsoft.com/office/drawing/2014/main" id="{01E7D105-6A69-4782-BC19-D69B878F1DE8}"/>
+              </a:ext>
+            </a:extLst>
+          </p:cNvPr>
+          <p:cNvCxnSpPr>
+            <a:cxnSpLocks/>
+          </p:cNvCxnSpPr>
+          <p:nvPr/>
+        </p:nvCxnSpPr>
+        <p:spPr>
+          <a:xfrm flipH="1">
+            <a:off x="3422145" y="2257296"/>
+            <a:ext cx="2229976" cy="216024"/>
+          </a:xfrm>
+          <a:prstGeom prst="straightConnector1">
+            <a:avLst/>
+          </a:prstGeom>
+          <a:ln w="12700">
+            <a:headEnd type="none" w="med" len="med"/>
+            <a:tailEnd type="arrow" w="med" len="med"/>
+          </a:ln>
+        </p:spPr>
+        <p:style>
+          <a:lnRef idx="1">
+            <a:schemeClr val="dk1"/>
+          </a:lnRef>
+          <a:fillRef idx="0">
+            <a:schemeClr val="dk1"/>
+          </a:fillRef>
+          <a:effectRef idx="0">
+            <a:schemeClr val="dk1"/>
+          </a:effectRef>
+          <a:fontRef idx="minor">
+            <a:schemeClr val="tx1"/>
+          </a:fontRef>
+        </p:style>
+      </p:cxnSp>
+      <p:cxnSp>
+        <p:nvCxnSpPr>
+          <p:cNvPr id="105" name="직선 화살표 연결선 104">
+            <a:extLst>
+              <a:ext uri="{FF2B5EF4-FFF2-40B4-BE49-F238E27FC236}">
+                <a16:creationId xmlns:a16="http://schemas.microsoft.com/office/drawing/2014/main" id="{9167572B-0FFD-4B13-8344-4310708FE506}"/>
+              </a:ext>
+            </a:extLst>
+          </p:cNvPr>
+          <p:cNvCxnSpPr>
+            <a:cxnSpLocks/>
+          </p:cNvCxnSpPr>
+          <p:nvPr/>
+        </p:nvCxnSpPr>
+        <p:spPr>
+          <a:xfrm>
+            <a:off x="3422145" y="2473320"/>
+            <a:ext cx="2229976" cy="216024"/>
+          </a:xfrm>
+          <a:prstGeom prst="straightConnector1">
+            <a:avLst/>
+          </a:prstGeom>
+          <a:ln w="12700">
+            <a:headEnd type="none" w="med" len="med"/>
+            <a:tailEnd type="arrow" w="med" len="med"/>
+          </a:ln>
+        </p:spPr>
+        <p:style>
+          <a:lnRef idx="1">
+            <a:schemeClr val="dk1"/>
+          </a:lnRef>
+          <a:fillRef idx="0">
+            <a:schemeClr val="dk1"/>
+          </a:fillRef>
+          <a:effectRef idx="0">
+            <a:schemeClr val="dk1"/>
+          </a:effectRef>
+          <a:fontRef idx="minor">
+            <a:schemeClr val="tx1"/>
+          </a:fontRef>
+        </p:style>
+      </p:cxnSp>
+      <p:cxnSp>
+        <p:nvCxnSpPr>
+          <p:cNvPr id="106" name="직선 화살표 연결선 105">
+            <a:extLst>
+              <a:ext uri="{FF2B5EF4-FFF2-40B4-BE49-F238E27FC236}">
+                <a16:creationId xmlns:a16="http://schemas.microsoft.com/office/drawing/2014/main" id="{C5C25690-C20D-46FB-AD78-15A8CDA0CDD7}"/>
+              </a:ext>
+            </a:extLst>
+          </p:cNvPr>
+          <p:cNvCxnSpPr>
+            <a:cxnSpLocks/>
+          </p:cNvCxnSpPr>
+          <p:nvPr/>
+        </p:nvCxnSpPr>
+        <p:spPr>
+          <a:xfrm flipH="1">
+            <a:off x="3422145" y="2689344"/>
+            <a:ext cx="2229976" cy="216024"/>
+          </a:xfrm>
+          <a:prstGeom prst="straightConnector1">
+            <a:avLst/>
+          </a:prstGeom>
+          <a:ln w="12700">
+            <a:headEnd type="none" w="med" len="med"/>
+            <a:tailEnd type="arrow" w="med" len="med"/>
+          </a:ln>
+        </p:spPr>
+        <p:style>
+          <a:lnRef idx="1">
+            <a:schemeClr val="dk1"/>
+          </a:lnRef>
+          <a:fillRef idx="0">
+            <a:schemeClr val="dk1"/>
+          </a:fillRef>
+          <a:effectRef idx="0">
+            <a:schemeClr val="dk1"/>
+          </a:effectRef>
+          <a:fontRef idx="minor">
+            <a:schemeClr val="tx1"/>
+          </a:fontRef>
+        </p:style>
+      </p:cxnSp>
+      <p:cxnSp>
+        <p:nvCxnSpPr>
+          <p:cNvPr id="115" name="직선 연결선 114">
+            <a:extLst>
+              <a:ext uri="{FF2B5EF4-FFF2-40B4-BE49-F238E27FC236}">
+                <a16:creationId xmlns:a16="http://schemas.microsoft.com/office/drawing/2014/main" id="{EF4E5B3B-A743-42FD-B1F9-EB8D8509CA15}"/>
+              </a:ext>
+            </a:extLst>
+          </p:cNvPr>
+          <p:cNvCxnSpPr>
+            <a:cxnSpLocks/>
+          </p:cNvCxnSpPr>
+          <p:nvPr/>
+        </p:nvCxnSpPr>
+        <p:spPr>
+          <a:xfrm flipH="1">
+            <a:off x="2411762" y="1177176"/>
+            <a:ext cx="935692" cy="0"/>
+          </a:xfrm>
+          <a:prstGeom prst="line">
+            <a:avLst/>
+          </a:prstGeom>
+          <a:ln w="19050"/>
+        </p:spPr>
+        <p:style>
+          <a:lnRef idx="1">
+            <a:schemeClr val="dk1"/>
+          </a:lnRef>
+          <a:fillRef idx="0">
+            <a:schemeClr val="dk1"/>
+          </a:fillRef>
+          <a:effectRef idx="0">
+            <a:schemeClr val="dk1"/>
+          </a:effectRef>
+          <a:fontRef idx="minor">
+            <a:schemeClr val="tx1"/>
+          </a:fontRef>
+        </p:style>
+      </p:cxnSp>
+      <p:sp>
+        <p:nvSpPr>
+          <p:cNvPr id="116" name="사각형: 둥근 모서리 115">
+            <a:extLst>
+              <a:ext uri="{FF2B5EF4-FFF2-40B4-BE49-F238E27FC236}">
+                <a16:creationId xmlns:a16="http://schemas.microsoft.com/office/drawing/2014/main" id="{4C50A0AF-DB4A-4537-939C-3AA7E9046239}"/>
+              </a:ext>
+            </a:extLst>
+          </p:cNvPr>
+          <p:cNvSpPr/>
+          <p:nvPr/>
+        </p:nvSpPr>
+        <p:spPr>
+          <a:xfrm>
+            <a:off x="2411762" y="934146"/>
+            <a:ext cx="947468" cy="239182"/>
+          </a:xfrm>
+          <a:prstGeom prst="roundRect">
+            <a:avLst>
+              <a:gd name="adj" fmla="val 0"/>
+            </a:avLst>
+          </a:prstGeom>
+          <a:noFill/>
+          <a:ln>
+            <a:noFill/>
+          </a:ln>
+        </p:spPr>
+        <p:style>
+          <a:lnRef idx="2">
+            <a:schemeClr val="dk1"/>
+          </a:lnRef>
+          <a:fillRef idx="1">
+            <a:schemeClr val="lt1"/>
+          </a:fillRef>
+          <a:effectRef idx="0">
+            <a:schemeClr val="dk1"/>
+          </a:effectRef>
+          <a:fontRef idx="minor">
+            <a:schemeClr val="dk1"/>
+          </a:fontRef>
+        </p:style>
+        <p:txBody>
+          <a:bodyPr rtlCol="0" anchor="ctr"/>
+          <a:lstStyle/>
+          <a:p>
+            <a:pPr algn="ctr"/>
+            <a:r>
+              <a:rPr lang="en-US" altLang="ko-KR" sz="1050"/>
+              <a:t>CLOSED</a:t>
+            </a:r>
+          </a:p>
+        </p:txBody>
+      </p:sp>
+      <p:cxnSp>
+        <p:nvCxnSpPr>
+          <p:cNvPr id="134" name="직선 연결선 133">
+            <a:extLst>
+              <a:ext uri="{FF2B5EF4-FFF2-40B4-BE49-F238E27FC236}">
+                <a16:creationId xmlns:a16="http://schemas.microsoft.com/office/drawing/2014/main" id="{70929D11-1433-4098-84D2-A58956C20824}"/>
+              </a:ext>
+            </a:extLst>
+          </p:cNvPr>
+          <p:cNvCxnSpPr>
+            <a:cxnSpLocks/>
+          </p:cNvCxnSpPr>
+          <p:nvPr/>
+        </p:nvCxnSpPr>
+        <p:spPr>
+          <a:xfrm flipH="1">
+            <a:off x="2411762" y="1609224"/>
+            <a:ext cx="935692" cy="0"/>
+          </a:xfrm>
+          <a:prstGeom prst="line">
+            <a:avLst/>
+          </a:prstGeom>
+          <a:ln w="19050"/>
+        </p:spPr>
+        <p:style>
+          <a:lnRef idx="1">
+            <a:schemeClr val="dk1"/>
+          </a:lnRef>
+          <a:fillRef idx="0">
+            <a:schemeClr val="dk1"/>
+          </a:fillRef>
+          <a:effectRef idx="0">
+            <a:schemeClr val="dk1"/>
+          </a:effectRef>
+          <a:fontRef idx="minor">
+            <a:schemeClr val="tx1"/>
+          </a:fontRef>
+        </p:style>
+      </p:cxnSp>
+      <p:sp>
+        <p:nvSpPr>
+          <p:cNvPr id="135" name="사각형: 둥근 모서리 134">
+            <a:extLst>
+              <a:ext uri="{FF2B5EF4-FFF2-40B4-BE49-F238E27FC236}">
+                <a16:creationId xmlns:a16="http://schemas.microsoft.com/office/drawing/2014/main" id="{5E7BBEC8-A8EF-4EF7-BBD1-28FC0DE0B0F2}"/>
+              </a:ext>
+            </a:extLst>
+          </p:cNvPr>
+          <p:cNvSpPr/>
+          <p:nvPr/>
+        </p:nvSpPr>
+        <p:spPr>
+          <a:xfrm>
+            <a:off x="2411762" y="1273348"/>
+            <a:ext cx="947468" cy="239182"/>
+          </a:xfrm>
+          <a:prstGeom prst="roundRect">
+            <a:avLst>
+              <a:gd name="adj" fmla="val 0"/>
+            </a:avLst>
+          </a:prstGeom>
+          <a:noFill/>
+          <a:ln>
+            <a:noFill/>
+          </a:ln>
+        </p:spPr>
+        <p:style>
+          <a:lnRef idx="2">
+            <a:schemeClr val="dk1"/>
+          </a:lnRef>
+          <a:fillRef idx="1">
+            <a:schemeClr val="lt1"/>
+          </a:fillRef>
+          <a:effectRef idx="0">
+            <a:schemeClr val="dk1"/>
+          </a:effectRef>
+          <a:fontRef idx="minor">
+            <a:schemeClr val="dk1"/>
+          </a:fontRef>
+        </p:style>
+        <p:txBody>
+          <a:bodyPr rtlCol="0" anchor="ctr"/>
+          <a:lstStyle/>
+          <a:p>
+            <a:pPr algn="ctr"/>
+            <a:r>
+              <a:rPr lang="en-US" altLang="ko-KR" sz="1050"/>
+              <a:t>SYN_SENT</a:t>
+            </a:r>
+          </a:p>
+        </p:txBody>
+      </p:sp>
+      <p:cxnSp>
+        <p:nvCxnSpPr>
+          <p:cNvPr id="136" name="직선 연결선 135">
+            <a:extLst>
+              <a:ext uri="{FF2B5EF4-FFF2-40B4-BE49-F238E27FC236}">
+                <a16:creationId xmlns:a16="http://schemas.microsoft.com/office/drawing/2014/main" id="{96D99F4D-F021-4D0B-938F-1999D2E08C05}"/>
+              </a:ext>
+            </a:extLst>
+          </p:cNvPr>
+          <p:cNvCxnSpPr>
+            <a:cxnSpLocks/>
+          </p:cNvCxnSpPr>
+          <p:nvPr/>
+        </p:nvCxnSpPr>
+        <p:spPr>
+          <a:xfrm flipH="1">
+            <a:off x="5724128" y="1392939"/>
+            <a:ext cx="935692" cy="0"/>
+          </a:xfrm>
+          <a:prstGeom prst="line">
+            <a:avLst/>
+          </a:prstGeom>
+          <a:ln w="19050"/>
+        </p:spPr>
+        <p:style>
+          <a:lnRef idx="1">
+            <a:schemeClr val="dk1"/>
+          </a:lnRef>
+          <a:fillRef idx="0">
+            <a:schemeClr val="dk1"/>
+          </a:fillRef>
+          <a:effectRef idx="0">
+            <a:schemeClr val="dk1"/>
+          </a:effectRef>
+          <a:fontRef idx="minor">
+            <a:schemeClr val="tx1"/>
+          </a:fontRef>
+        </p:style>
+      </p:cxnSp>
+      <p:sp>
+        <p:nvSpPr>
+          <p:cNvPr id="137" name="사각형: 둥근 모서리 136">
+            <a:extLst>
+              <a:ext uri="{FF2B5EF4-FFF2-40B4-BE49-F238E27FC236}">
+                <a16:creationId xmlns:a16="http://schemas.microsoft.com/office/drawing/2014/main" id="{AC27FB69-1C8E-4078-90F9-9A16DA31D126}"/>
+              </a:ext>
+            </a:extLst>
+          </p:cNvPr>
+          <p:cNvSpPr/>
+          <p:nvPr/>
+        </p:nvSpPr>
+        <p:spPr>
+          <a:xfrm>
+            <a:off x="5724128" y="1061302"/>
+            <a:ext cx="947468" cy="239182"/>
+          </a:xfrm>
+          <a:prstGeom prst="roundRect">
+            <a:avLst>
+              <a:gd name="adj" fmla="val 0"/>
+            </a:avLst>
+          </a:prstGeom>
+          <a:noFill/>
+          <a:ln>
+            <a:noFill/>
+          </a:ln>
+        </p:spPr>
+        <p:style>
+          <a:lnRef idx="2">
+            <a:schemeClr val="dk1"/>
+          </a:lnRef>
+          <a:fillRef idx="1">
+            <a:schemeClr val="lt1"/>
+          </a:fillRef>
+          <a:effectRef idx="0">
+            <a:schemeClr val="dk1"/>
+          </a:effectRef>
+          <a:fontRef idx="minor">
+            <a:schemeClr val="dk1"/>
+          </a:fontRef>
+        </p:style>
+        <p:txBody>
+          <a:bodyPr rtlCol="0" anchor="ctr"/>
+          <a:lstStyle/>
+          <a:p>
+            <a:pPr algn="ctr"/>
+            <a:r>
+              <a:rPr lang="en-US" altLang="ko-KR" sz="1050"/>
+              <a:t>LISTEN</a:t>
+            </a:r>
+          </a:p>
+        </p:txBody>
+      </p:sp>
+      <p:cxnSp>
+        <p:nvCxnSpPr>
+          <p:cNvPr id="138" name="직선 연결선 137">
+            <a:extLst>
+              <a:ext uri="{FF2B5EF4-FFF2-40B4-BE49-F238E27FC236}">
+                <a16:creationId xmlns:a16="http://schemas.microsoft.com/office/drawing/2014/main" id="{1CAD63F4-C1DF-4DB3-8DA4-9AD70440A737}"/>
+              </a:ext>
+            </a:extLst>
+          </p:cNvPr>
+          <p:cNvCxnSpPr>
+            <a:cxnSpLocks/>
+          </p:cNvCxnSpPr>
+          <p:nvPr/>
+        </p:nvCxnSpPr>
+        <p:spPr>
+          <a:xfrm flipH="1">
+            <a:off x="5724128" y="1829576"/>
+            <a:ext cx="935692" cy="0"/>
+          </a:xfrm>
+          <a:prstGeom prst="line">
+            <a:avLst/>
+          </a:prstGeom>
+          <a:ln w="19050"/>
+        </p:spPr>
+        <p:style>
+          <a:lnRef idx="1">
+            <a:schemeClr val="dk1"/>
+          </a:lnRef>
+          <a:fillRef idx="0">
+            <a:schemeClr val="dk1"/>
+          </a:fillRef>
+          <a:effectRef idx="0">
+            <a:schemeClr val="dk1"/>
+          </a:effectRef>
+          <a:fontRef idx="minor">
+            <a:schemeClr val="tx1"/>
+          </a:fontRef>
+        </p:style>
+      </p:cxnSp>
+      <p:sp>
+        <p:nvSpPr>
+          <p:cNvPr id="139" name="사각형: 둥근 모서리 138">
+            <a:extLst>
+              <a:ext uri="{FF2B5EF4-FFF2-40B4-BE49-F238E27FC236}">
+                <a16:creationId xmlns:a16="http://schemas.microsoft.com/office/drawing/2014/main" id="{FE2846AC-FFFC-441F-A072-BCB328C4D7A1}"/>
+              </a:ext>
+            </a:extLst>
+          </p:cNvPr>
+          <p:cNvSpPr/>
+          <p:nvPr/>
+        </p:nvSpPr>
+        <p:spPr>
+          <a:xfrm>
+            <a:off x="5591476" y="1493480"/>
+            <a:ext cx="1212772" cy="239182"/>
+          </a:xfrm>
+          <a:prstGeom prst="roundRect">
+            <a:avLst>
+              <a:gd name="adj" fmla="val 0"/>
+            </a:avLst>
+          </a:prstGeom>
+          <a:noFill/>
+          <a:ln>
+            <a:noFill/>
+          </a:ln>
+        </p:spPr>
+        <p:style>
+          <a:lnRef idx="2">
+            <a:schemeClr val="dk1"/>
+          </a:lnRef>
+          <a:fillRef idx="1">
+            <a:schemeClr val="lt1"/>
+          </a:fillRef>
+          <a:effectRef idx="0">
+            <a:schemeClr val="dk1"/>
+          </a:effectRef>
+          <a:fontRef idx="minor">
+            <a:schemeClr val="dk1"/>
+          </a:fontRef>
+        </p:style>
+        <p:txBody>
+          <a:bodyPr rtlCol="0" anchor="ctr"/>
+          <a:lstStyle/>
+          <a:p>
+            <a:pPr algn="ctr"/>
+            <a:r>
+              <a:rPr lang="en-US" altLang="ko-KR" sz="1050"/>
+              <a:t>SYN_RECEIVED</a:t>
+            </a:r>
+          </a:p>
+        </p:txBody>
+      </p:sp>
+      <p:cxnSp>
+        <p:nvCxnSpPr>
+          <p:cNvPr id="141" name="직선 화살표 연결선 140">
+            <a:extLst>
+              <a:ext uri="{FF2B5EF4-FFF2-40B4-BE49-F238E27FC236}">
+                <a16:creationId xmlns:a16="http://schemas.microsoft.com/office/drawing/2014/main" id="{015711F2-29B8-4228-80F8-AC02A3787D41}"/>
+              </a:ext>
+            </a:extLst>
+          </p:cNvPr>
+          <p:cNvCxnSpPr>
+            <a:cxnSpLocks/>
+          </p:cNvCxnSpPr>
+          <p:nvPr/>
+        </p:nvCxnSpPr>
+        <p:spPr>
+          <a:xfrm>
+            <a:off x="3422145" y="3119097"/>
+            <a:ext cx="2229976" cy="216024"/>
+          </a:xfrm>
+          <a:prstGeom prst="straightConnector1">
+            <a:avLst/>
+          </a:prstGeom>
+          <a:ln w="12700">
+            <a:headEnd type="none" w="med" len="med"/>
+            <a:tailEnd type="arrow" w="med" len="med"/>
+          </a:ln>
+        </p:spPr>
+        <p:style>
+          <a:lnRef idx="1">
+            <a:schemeClr val="dk1"/>
+          </a:lnRef>
+          <a:fillRef idx="0">
+            <a:schemeClr val="dk1"/>
+          </a:fillRef>
+          <a:effectRef idx="0">
+            <a:schemeClr val="dk1"/>
+          </a:effectRef>
+          <a:fontRef idx="minor">
+            <a:schemeClr val="tx1"/>
+          </a:fontRef>
+        </p:style>
+      </p:cxnSp>
+      <p:cxnSp>
+        <p:nvCxnSpPr>
+          <p:cNvPr id="143" name="직선 화살표 연결선 142">
+            <a:extLst>
+              <a:ext uri="{FF2B5EF4-FFF2-40B4-BE49-F238E27FC236}">
+                <a16:creationId xmlns:a16="http://schemas.microsoft.com/office/drawing/2014/main" id="{D7F48002-2D4E-4578-8125-FA2A25FEED9C}"/>
+              </a:ext>
+            </a:extLst>
+          </p:cNvPr>
+          <p:cNvCxnSpPr>
+            <a:cxnSpLocks/>
+          </p:cNvCxnSpPr>
+          <p:nvPr/>
+        </p:nvCxnSpPr>
+        <p:spPr>
+          <a:xfrm flipH="1">
+            <a:off x="3422145" y="3335121"/>
+            <a:ext cx="2229976" cy="216024"/>
+          </a:xfrm>
+          <a:prstGeom prst="straightConnector1">
+            <a:avLst/>
+          </a:prstGeom>
+          <a:ln w="12700">
+            <a:headEnd type="none" w="med" len="med"/>
+            <a:tailEnd type="arrow" w="med" len="med"/>
+          </a:ln>
+        </p:spPr>
+        <p:style>
+          <a:lnRef idx="1">
+            <a:schemeClr val="dk1"/>
+          </a:lnRef>
+          <a:fillRef idx="0">
+            <a:schemeClr val="dk1"/>
+          </a:fillRef>
+          <a:effectRef idx="0">
+            <a:schemeClr val="dk1"/>
+          </a:effectRef>
+          <a:fontRef idx="minor">
+            <a:schemeClr val="tx1"/>
+          </a:fontRef>
+        </p:style>
+      </p:cxnSp>
+      <p:cxnSp>
+        <p:nvCxnSpPr>
+          <p:cNvPr id="144" name="직선 연결선 143">
+            <a:extLst>
+              <a:ext uri="{FF2B5EF4-FFF2-40B4-BE49-F238E27FC236}">
+                <a16:creationId xmlns:a16="http://schemas.microsoft.com/office/drawing/2014/main" id="{5C65C310-3B30-4319-801A-5397A3844291}"/>
+              </a:ext>
+            </a:extLst>
+          </p:cNvPr>
+          <p:cNvCxnSpPr>
+            <a:cxnSpLocks/>
+          </p:cNvCxnSpPr>
+          <p:nvPr/>
+        </p:nvCxnSpPr>
+        <p:spPr>
+          <a:xfrm flipH="1">
+            <a:off x="5724128" y="3335121"/>
+            <a:ext cx="935692" cy="0"/>
+          </a:xfrm>
+          <a:prstGeom prst="line">
+            <a:avLst/>
+          </a:prstGeom>
+          <a:ln w="19050"/>
+        </p:spPr>
+        <p:style>
+          <a:lnRef idx="1">
+            <a:schemeClr val="dk1"/>
+          </a:lnRef>
+          <a:fillRef idx="0">
+            <a:schemeClr val="dk1"/>
+          </a:fillRef>
+          <a:effectRef idx="0">
+            <a:schemeClr val="dk1"/>
+          </a:effectRef>
+          <a:fontRef idx="minor">
+            <a:schemeClr val="tx1"/>
+          </a:fontRef>
+        </p:style>
+      </p:cxnSp>
+      <p:cxnSp>
+        <p:nvCxnSpPr>
+          <p:cNvPr id="145" name="직선 화살표 연결선 144">
+            <a:extLst>
+              <a:ext uri="{FF2B5EF4-FFF2-40B4-BE49-F238E27FC236}">
+                <a16:creationId xmlns:a16="http://schemas.microsoft.com/office/drawing/2014/main" id="{8B53D23A-3109-41AF-ADFA-3450765F2DB8}"/>
+              </a:ext>
+            </a:extLst>
+          </p:cNvPr>
+          <p:cNvCxnSpPr>
+            <a:cxnSpLocks/>
+          </p:cNvCxnSpPr>
+          <p:nvPr/>
+        </p:nvCxnSpPr>
+        <p:spPr>
+          <a:xfrm flipH="1">
+            <a:off x="3422145" y="3548850"/>
+            <a:ext cx="2229976" cy="216024"/>
+          </a:xfrm>
+          <a:prstGeom prst="straightConnector1">
+            <a:avLst/>
+          </a:prstGeom>
+          <a:ln w="12700">
+            <a:headEnd type="none" w="med" len="med"/>
+            <a:tailEnd type="arrow" w="med" len="med"/>
+          </a:ln>
+        </p:spPr>
+        <p:style>
+          <a:lnRef idx="1">
+            <a:schemeClr val="dk1"/>
+          </a:lnRef>
+          <a:fillRef idx="0">
+            <a:schemeClr val="dk1"/>
+          </a:fillRef>
+          <a:effectRef idx="0">
+            <a:schemeClr val="dk1"/>
+          </a:effectRef>
+          <a:fontRef idx="minor">
+            <a:schemeClr val="tx1"/>
+          </a:fontRef>
+        </p:style>
+      </p:cxnSp>
+      <p:cxnSp>
+        <p:nvCxnSpPr>
+          <p:cNvPr id="146" name="직선 화살표 연결선 145">
+            <a:extLst>
+              <a:ext uri="{FF2B5EF4-FFF2-40B4-BE49-F238E27FC236}">
+                <a16:creationId xmlns:a16="http://schemas.microsoft.com/office/drawing/2014/main" id="{07C594D9-C88F-41DE-A03B-3D9041F66F7B}"/>
+              </a:ext>
+            </a:extLst>
+          </p:cNvPr>
+          <p:cNvCxnSpPr>
+            <a:cxnSpLocks/>
+          </p:cNvCxnSpPr>
+          <p:nvPr/>
+        </p:nvCxnSpPr>
+        <p:spPr>
+          <a:xfrm>
+            <a:off x="3422145" y="3762579"/>
+            <a:ext cx="2229976" cy="216024"/>
+          </a:xfrm>
+          <a:prstGeom prst="straightConnector1">
+            <a:avLst/>
+          </a:prstGeom>
+          <a:ln w="12700">
+            <a:headEnd type="none" w="med" len="med"/>
+            <a:tailEnd type="arrow" w="med" len="med"/>
+          </a:ln>
+        </p:spPr>
+        <p:style>
+          <a:lnRef idx="1">
+            <a:schemeClr val="dk1"/>
+          </a:lnRef>
+          <a:fillRef idx="0">
+            <a:schemeClr val="dk1"/>
+          </a:fillRef>
+          <a:effectRef idx="0">
+            <a:schemeClr val="dk1"/>
+          </a:effectRef>
+          <a:fontRef idx="minor">
+            <a:schemeClr val="tx1"/>
+          </a:fontRef>
+        </p:style>
+      </p:cxnSp>
+      <p:cxnSp>
+        <p:nvCxnSpPr>
+          <p:cNvPr id="147" name="직선 연결선 146">
+            <a:extLst>
+              <a:ext uri="{FF2B5EF4-FFF2-40B4-BE49-F238E27FC236}">
+                <a16:creationId xmlns:a16="http://schemas.microsoft.com/office/drawing/2014/main" id="{AED95781-4350-46EF-A74F-496F07DDBAB1}"/>
+              </a:ext>
+            </a:extLst>
+          </p:cNvPr>
+          <p:cNvCxnSpPr>
+            <a:cxnSpLocks/>
+          </p:cNvCxnSpPr>
+          <p:nvPr/>
+        </p:nvCxnSpPr>
+        <p:spPr>
+          <a:xfrm flipH="1">
+            <a:off x="5724128" y="3553440"/>
+            <a:ext cx="935692" cy="0"/>
+          </a:xfrm>
+          <a:prstGeom prst="line">
+            <a:avLst/>
+          </a:prstGeom>
+          <a:ln w="19050"/>
+        </p:spPr>
+        <p:style>
+          <a:lnRef idx="1">
+            <a:schemeClr val="dk1"/>
+          </a:lnRef>
+          <a:fillRef idx="0">
+            <a:schemeClr val="dk1"/>
+          </a:fillRef>
+          <a:effectRef idx="0">
+            <a:schemeClr val="dk1"/>
+          </a:effectRef>
+          <a:fontRef idx="minor">
+            <a:schemeClr val="tx1"/>
+          </a:fontRef>
+        </p:style>
+      </p:cxnSp>
+      <p:cxnSp>
+        <p:nvCxnSpPr>
+          <p:cNvPr id="148" name="직선 연결선 147">
+            <a:extLst>
+              <a:ext uri="{FF2B5EF4-FFF2-40B4-BE49-F238E27FC236}">
+                <a16:creationId xmlns:a16="http://schemas.microsoft.com/office/drawing/2014/main" id="{1D2E764E-33A4-4EBD-8F7A-44511D891D04}"/>
+              </a:ext>
+            </a:extLst>
+          </p:cNvPr>
+          <p:cNvCxnSpPr>
+            <a:cxnSpLocks/>
+          </p:cNvCxnSpPr>
+          <p:nvPr/>
+        </p:nvCxnSpPr>
+        <p:spPr>
+          <a:xfrm flipH="1">
+            <a:off x="5724128" y="3978603"/>
+            <a:ext cx="935692" cy="0"/>
+          </a:xfrm>
+          <a:prstGeom prst="line">
+            <a:avLst/>
+          </a:prstGeom>
+          <a:ln w="19050"/>
+        </p:spPr>
+        <p:style>
+          <a:lnRef idx="1">
+            <a:schemeClr val="dk1"/>
+          </a:lnRef>
+          <a:fillRef idx="0">
+            <a:schemeClr val="dk1"/>
+          </a:fillRef>
+          <a:effectRef idx="0">
+            <a:schemeClr val="dk1"/>
+          </a:effectRef>
+          <a:fontRef idx="minor">
+            <a:schemeClr val="tx1"/>
+          </a:fontRef>
+        </p:style>
+      </p:cxnSp>
+      <p:sp>
+        <p:nvSpPr>
+          <p:cNvPr id="149" name="사각형: 둥근 모서리 148">
+            <a:extLst>
+              <a:ext uri="{FF2B5EF4-FFF2-40B4-BE49-F238E27FC236}">
+                <a16:creationId xmlns:a16="http://schemas.microsoft.com/office/drawing/2014/main" id="{5E127D42-8E83-4275-B713-31DB254CF9D6}"/>
+              </a:ext>
+            </a:extLst>
+          </p:cNvPr>
+          <p:cNvSpPr/>
+          <p:nvPr/>
+        </p:nvSpPr>
+        <p:spPr>
+          <a:xfrm>
+            <a:off x="5591476" y="2493012"/>
+            <a:ext cx="1212772" cy="239182"/>
+          </a:xfrm>
+          <a:prstGeom prst="roundRect">
+            <a:avLst>
+              <a:gd name="adj" fmla="val 0"/>
+            </a:avLst>
+          </a:prstGeom>
+          <a:noFill/>
+          <a:ln>
+            <a:noFill/>
+          </a:ln>
+        </p:spPr>
+        <p:style>
+          <a:lnRef idx="2">
+            <a:schemeClr val="dk1"/>
+          </a:lnRef>
+          <a:fillRef idx="1">
+            <a:schemeClr val="lt1"/>
+          </a:fillRef>
+          <a:effectRef idx="0">
+            <a:schemeClr val="dk1"/>
+          </a:effectRef>
+          <a:fontRef idx="minor">
+            <a:schemeClr val="dk1"/>
+          </a:fontRef>
+        </p:style>
+        <p:txBody>
+          <a:bodyPr rtlCol="0" anchor="ctr"/>
+          <a:lstStyle/>
+          <a:p>
+            <a:pPr algn="ctr"/>
+            <a:r>
+              <a:rPr lang="en-US" altLang="ko-KR" sz="1050"/>
+              <a:t>ESTABLISHED</a:t>
+            </a:r>
+          </a:p>
+        </p:txBody>
+      </p:sp>
+      <p:sp>
+        <p:nvSpPr>
+          <p:cNvPr id="150" name="사각형: 둥근 모서리 149">
+            <a:extLst>
+              <a:ext uri="{FF2B5EF4-FFF2-40B4-BE49-F238E27FC236}">
+                <a16:creationId xmlns:a16="http://schemas.microsoft.com/office/drawing/2014/main" id="{14A2DEAF-EED9-4D92-8C3A-46594D071AE2}"/>
+              </a:ext>
+            </a:extLst>
+          </p:cNvPr>
+          <p:cNvSpPr/>
+          <p:nvPr/>
+        </p:nvSpPr>
+        <p:spPr>
+          <a:xfrm>
+            <a:off x="2273222" y="2255080"/>
+            <a:ext cx="1212772" cy="239182"/>
+          </a:xfrm>
+          <a:prstGeom prst="roundRect">
+            <a:avLst>
+              <a:gd name="adj" fmla="val 0"/>
+            </a:avLst>
+          </a:prstGeom>
+          <a:noFill/>
+          <a:ln>
+            <a:noFill/>
+          </a:ln>
+        </p:spPr>
+        <p:style>
+          <a:lnRef idx="2">
+            <a:schemeClr val="dk1"/>
+          </a:lnRef>
+          <a:fillRef idx="1">
+            <a:schemeClr val="lt1"/>
+          </a:fillRef>
+          <a:effectRef idx="0">
+            <a:schemeClr val="dk1"/>
+          </a:effectRef>
+          <a:fontRef idx="minor">
+            <a:schemeClr val="dk1"/>
+          </a:fontRef>
+        </p:style>
+        <p:txBody>
+          <a:bodyPr rtlCol="0" anchor="ctr"/>
+          <a:lstStyle/>
+          <a:p>
+            <a:pPr algn="ctr"/>
+            <a:r>
+              <a:rPr lang="en-US" altLang="ko-KR" sz="1050"/>
+              <a:t>ESTABLISHED</a:t>
+            </a:r>
+          </a:p>
+        </p:txBody>
+      </p:sp>
+      <p:cxnSp>
+        <p:nvCxnSpPr>
+          <p:cNvPr id="152" name="직선 연결선 151">
+            <a:extLst>
+              <a:ext uri="{FF2B5EF4-FFF2-40B4-BE49-F238E27FC236}">
+                <a16:creationId xmlns:a16="http://schemas.microsoft.com/office/drawing/2014/main" id="{15785A24-FF48-4C1C-84CD-D25095E1FD99}"/>
+              </a:ext>
+            </a:extLst>
+          </p:cNvPr>
+          <p:cNvCxnSpPr>
+            <a:cxnSpLocks/>
+          </p:cNvCxnSpPr>
+          <p:nvPr/>
+        </p:nvCxnSpPr>
+        <p:spPr>
+          <a:xfrm flipH="1">
+            <a:off x="2411762" y="3115872"/>
+            <a:ext cx="935692" cy="0"/>
+          </a:xfrm>
+          <a:prstGeom prst="line">
+            <a:avLst/>
+          </a:prstGeom>
+          <a:ln w="19050"/>
+        </p:spPr>
+        <p:style>
+          <a:lnRef idx="1">
+            <a:schemeClr val="dk1"/>
+          </a:lnRef>
+          <a:fillRef idx="0">
+            <a:schemeClr val="dk1"/>
+          </a:fillRef>
+          <a:effectRef idx="0">
+            <a:schemeClr val="dk1"/>
+          </a:effectRef>
+          <a:fontRef idx="minor">
+            <a:schemeClr val="tx1"/>
+          </a:fontRef>
+        </p:style>
+      </p:cxnSp>
+      <p:cxnSp>
+        <p:nvCxnSpPr>
+          <p:cNvPr id="153" name="직선 연결선 152">
+            <a:extLst>
+              <a:ext uri="{FF2B5EF4-FFF2-40B4-BE49-F238E27FC236}">
+                <a16:creationId xmlns:a16="http://schemas.microsoft.com/office/drawing/2014/main" id="{308ABD7F-A774-4EEA-A54E-263657BD006C}"/>
+              </a:ext>
+            </a:extLst>
+          </p:cNvPr>
+          <p:cNvCxnSpPr>
+            <a:cxnSpLocks/>
+          </p:cNvCxnSpPr>
+          <p:nvPr/>
+        </p:nvCxnSpPr>
+        <p:spPr>
+          <a:xfrm flipH="1">
+            <a:off x="2411762" y="3552086"/>
+            <a:ext cx="935692" cy="0"/>
+          </a:xfrm>
+          <a:prstGeom prst="line">
+            <a:avLst/>
+          </a:prstGeom>
+          <a:ln w="19050"/>
+        </p:spPr>
+        <p:style>
+          <a:lnRef idx="1">
+            <a:schemeClr val="dk1"/>
+          </a:lnRef>
+          <a:fillRef idx="0">
+            <a:schemeClr val="dk1"/>
+          </a:fillRef>
+          <a:effectRef idx="0">
+            <a:schemeClr val="dk1"/>
+          </a:effectRef>
+          <a:fontRef idx="minor">
+            <a:schemeClr val="tx1"/>
+          </a:fontRef>
+        </p:style>
+      </p:cxnSp>
+      <p:cxnSp>
+        <p:nvCxnSpPr>
+          <p:cNvPr id="154" name="직선 연결선 153">
+            <a:extLst>
+              <a:ext uri="{FF2B5EF4-FFF2-40B4-BE49-F238E27FC236}">
+                <a16:creationId xmlns:a16="http://schemas.microsoft.com/office/drawing/2014/main" id="{BA36E243-3641-420B-8A08-19667C0A96A0}"/>
+              </a:ext>
+            </a:extLst>
+          </p:cNvPr>
+          <p:cNvCxnSpPr>
+            <a:cxnSpLocks/>
+          </p:cNvCxnSpPr>
+          <p:nvPr/>
+        </p:nvCxnSpPr>
+        <p:spPr>
+          <a:xfrm flipH="1">
+            <a:off x="2411762" y="3762579"/>
+            <a:ext cx="935692" cy="0"/>
+          </a:xfrm>
+          <a:prstGeom prst="line">
+            <a:avLst/>
+          </a:prstGeom>
+          <a:ln w="19050"/>
+        </p:spPr>
+        <p:style>
+          <a:lnRef idx="1">
+            <a:schemeClr val="dk1"/>
+          </a:lnRef>
+          <a:fillRef idx="0">
+            <a:schemeClr val="dk1"/>
+          </a:fillRef>
+          <a:effectRef idx="0">
+            <a:schemeClr val="dk1"/>
+          </a:effectRef>
+          <a:fontRef idx="minor">
+            <a:schemeClr val="tx1"/>
+          </a:fontRef>
+        </p:style>
+      </p:cxnSp>
+      <p:sp>
+        <p:nvSpPr>
+          <p:cNvPr id="155" name="사각형: 둥근 모서리 154">
+            <a:extLst>
+              <a:ext uri="{FF2B5EF4-FFF2-40B4-BE49-F238E27FC236}">
+                <a16:creationId xmlns:a16="http://schemas.microsoft.com/office/drawing/2014/main" id="{62006D33-3191-447D-9EF8-186BB5B30804}"/>
+              </a:ext>
+            </a:extLst>
+          </p:cNvPr>
+          <p:cNvSpPr/>
+          <p:nvPr/>
+        </p:nvSpPr>
+        <p:spPr>
+          <a:xfrm>
+            <a:off x="5591476" y="3323542"/>
+            <a:ext cx="1212772" cy="239182"/>
+          </a:xfrm>
+          <a:prstGeom prst="roundRect">
+            <a:avLst>
+              <a:gd name="adj" fmla="val 0"/>
+            </a:avLst>
+          </a:prstGeom>
+          <a:noFill/>
+          <a:ln>
+            <a:noFill/>
+          </a:ln>
+        </p:spPr>
+        <p:style>
+          <a:lnRef idx="2">
+            <a:schemeClr val="dk1"/>
+          </a:lnRef>
+          <a:fillRef idx="1">
+            <a:schemeClr val="lt1"/>
+          </a:fillRef>
+          <a:effectRef idx="0">
+            <a:schemeClr val="dk1"/>
+          </a:effectRef>
+          <a:fontRef idx="minor">
+            <a:schemeClr val="dk1"/>
+          </a:fontRef>
+        </p:style>
+        <p:txBody>
+          <a:bodyPr rtlCol="0" anchor="ctr"/>
+          <a:lstStyle/>
+          <a:p>
+            <a:pPr algn="ctr"/>
+            <a:r>
+              <a:rPr lang="en-US" altLang="ko-KR" sz="1050"/>
+              <a:t>CLOSE_WAIT</a:t>
+            </a:r>
+          </a:p>
+        </p:txBody>
+      </p:sp>
+      <p:sp>
+        <p:nvSpPr>
+          <p:cNvPr id="156" name="사각형: 둥근 모서리 155">
+            <a:extLst>
+              <a:ext uri="{FF2B5EF4-FFF2-40B4-BE49-F238E27FC236}">
+                <a16:creationId xmlns:a16="http://schemas.microsoft.com/office/drawing/2014/main" id="{04A23211-CE87-40E6-8BB2-C680745BC7F1}"/>
+              </a:ext>
+            </a:extLst>
+          </p:cNvPr>
+          <p:cNvSpPr/>
+          <p:nvPr/>
+        </p:nvSpPr>
+        <p:spPr>
+          <a:xfrm>
+            <a:off x="5591476" y="3647246"/>
+            <a:ext cx="1212772" cy="239182"/>
+          </a:xfrm>
+          <a:prstGeom prst="roundRect">
+            <a:avLst>
+              <a:gd name="adj" fmla="val 0"/>
+            </a:avLst>
+          </a:prstGeom>
+          <a:noFill/>
+          <a:ln>
+            <a:noFill/>
+          </a:ln>
+        </p:spPr>
+        <p:style>
+          <a:lnRef idx="2">
+            <a:schemeClr val="dk1"/>
+          </a:lnRef>
+          <a:fillRef idx="1">
+            <a:schemeClr val="lt1"/>
+          </a:fillRef>
+          <a:effectRef idx="0">
+            <a:schemeClr val="dk1"/>
+          </a:effectRef>
+          <a:fontRef idx="minor">
+            <a:schemeClr val="dk1"/>
+          </a:fontRef>
+        </p:style>
+        <p:txBody>
+          <a:bodyPr rtlCol="0" anchor="ctr"/>
+          <a:lstStyle/>
+          <a:p>
+            <a:pPr algn="ctr"/>
+            <a:r>
+              <a:rPr lang="en-US" altLang="ko-KR" sz="1050"/>
+              <a:t>LAST_ACK</a:t>
+            </a:r>
+          </a:p>
+        </p:txBody>
+      </p:sp>
+      <p:sp>
+        <p:nvSpPr>
+          <p:cNvPr id="157" name="사각형: 둥근 모서리 156">
+            <a:extLst>
+              <a:ext uri="{FF2B5EF4-FFF2-40B4-BE49-F238E27FC236}">
+                <a16:creationId xmlns:a16="http://schemas.microsoft.com/office/drawing/2014/main" id="{0C4D8CD4-9717-4F33-88A9-0C3A725C787C}"/>
+              </a:ext>
+            </a:extLst>
+          </p:cNvPr>
+          <p:cNvSpPr/>
+          <p:nvPr/>
+        </p:nvSpPr>
+        <p:spPr>
+          <a:xfrm>
+            <a:off x="5591476" y="4043836"/>
+            <a:ext cx="1212772" cy="239182"/>
+          </a:xfrm>
+          <a:prstGeom prst="roundRect">
+            <a:avLst>
+              <a:gd name="adj" fmla="val 0"/>
+            </a:avLst>
+          </a:prstGeom>
+          <a:noFill/>
+          <a:ln>
+            <a:noFill/>
+          </a:ln>
+        </p:spPr>
+        <p:style>
+          <a:lnRef idx="2">
+            <a:schemeClr val="dk1"/>
+          </a:lnRef>
+          <a:fillRef idx="1">
+            <a:schemeClr val="lt1"/>
+          </a:fillRef>
+          <a:effectRef idx="0">
+            <a:schemeClr val="dk1"/>
+          </a:effectRef>
+          <a:fontRef idx="minor">
+            <a:schemeClr val="dk1"/>
+          </a:fontRef>
+        </p:style>
+        <p:txBody>
+          <a:bodyPr rtlCol="0" anchor="ctr"/>
+          <a:lstStyle/>
+          <a:p>
+            <a:pPr algn="ctr"/>
+            <a:r>
+              <a:rPr lang="en-US" altLang="ko-KR" sz="1050"/>
+              <a:t>CLOSED</a:t>
+            </a:r>
+          </a:p>
+        </p:txBody>
+      </p:sp>
+      <p:sp>
+        <p:nvSpPr>
+          <p:cNvPr id="158" name="사각형: 둥근 모서리 157">
+            <a:extLst>
+              <a:ext uri="{FF2B5EF4-FFF2-40B4-BE49-F238E27FC236}">
+                <a16:creationId xmlns:a16="http://schemas.microsoft.com/office/drawing/2014/main" id="{D8EB6198-D5DC-4939-9877-6EF4CA3928C1}"/>
+              </a:ext>
+            </a:extLst>
+          </p:cNvPr>
+          <p:cNvSpPr/>
+          <p:nvPr/>
+        </p:nvSpPr>
+        <p:spPr>
+          <a:xfrm>
+            <a:off x="2273222" y="3210895"/>
+            <a:ext cx="1212772" cy="239182"/>
+          </a:xfrm>
+          <a:prstGeom prst="roundRect">
+            <a:avLst>
+              <a:gd name="adj" fmla="val 0"/>
+            </a:avLst>
+          </a:prstGeom>
+          <a:noFill/>
+          <a:ln>
+            <a:noFill/>
+          </a:ln>
+        </p:spPr>
+        <p:style>
+          <a:lnRef idx="2">
+            <a:schemeClr val="dk1"/>
+          </a:lnRef>
+          <a:fillRef idx="1">
+            <a:schemeClr val="lt1"/>
+          </a:fillRef>
+          <a:effectRef idx="0">
+            <a:schemeClr val="dk1"/>
+          </a:effectRef>
+          <a:fontRef idx="minor">
+            <a:schemeClr val="dk1"/>
+          </a:fontRef>
+        </p:style>
+        <p:txBody>
+          <a:bodyPr rtlCol="0" anchor="ctr"/>
+          <a:lstStyle/>
+          <a:p>
+            <a:pPr algn="ctr"/>
+            <a:r>
+              <a:rPr lang="en-US" altLang="ko-KR" sz="1050"/>
+              <a:t>FIN_WAIT_1</a:t>
+            </a:r>
+          </a:p>
+        </p:txBody>
+      </p:sp>
+      <p:sp>
+        <p:nvSpPr>
+          <p:cNvPr id="159" name="사각형: 둥근 모서리 158">
+            <a:extLst>
+              <a:ext uri="{FF2B5EF4-FFF2-40B4-BE49-F238E27FC236}">
+                <a16:creationId xmlns:a16="http://schemas.microsoft.com/office/drawing/2014/main" id="{9021A154-F2C8-45A9-B603-245FBC51B433}"/>
+              </a:ext>
+            </a:extLst>
+          </p:cNvPr>
+          <p:cNvSpPr/>
+          <p:nvPr/>
+        </p:nvSpPr>
+        <p:spPr>
+          <a:xfrm>
+            <a:off x="2273222" y="3534976"/>
+            <a:ext cx="1212772" cy="239182"/>
+          </a:xfrm>
+          <a:prstGeom prst="roundRect">
+            <a:avLst>
+              <a:gd name="adj" fmla="val 0"/>
+            </a:avLst>
+          </a:prstGeom>
+          <a:noFill/>
+          <a:ln>
+            <a:noFill/>
+          </a:ln>
+        </p:spPr>
+        <p:style>
+          <a:lnRef idx="2">
+            <a:schemeClr val="dk1"/>
+          </a:lnRef>
+          <a:fillRef idx="1">
+            <a:schemeClr val="lt1"/>
+          </a:fillRef>
+          <a:effectRef idx="0">
+            <a:schemeClr val="dk1"/>
+          </a:effectRef>
+          <a:fontRef idx="minor">
+            <a:schemeClr val="dk1"/>
+          </a:fontRef>
+        </p:style>
+        <p:txBody>
+          <a:bodyPr rtlCol="0" anchor="ctr"/>
+          <a:lstStyle/>
+          <a:p>
+            <a:pPr algn="ctr"/>
+            <a:r>
+              <a:rPr lang="en-US" altLang="ko-KR" sz="1050"/>
+              <a:t>FIN_WAIT_2</a:t>
+            </a:r>
+          </a:p>
+        </p:txBody>
+      </p:sp>
+      <p:sp>
+        <p:nvSpPr>
+          <p:cNvPr id="160" name="사각형: 둥근 모서리 159">
+            <a:extLst>
+              <a:ext uri="{FF2B5EF4-FFF2-40B4-BE49-F238E27FC236}">
+                <a16:creationId xmlns:a16="http://schemas.microsoft.com/office/drawing/2014/main" id="{1B505171-2AA9-4C44-A700-EC11975D2899}"/>
+              </a:ext>
+            </a:extLst>
+          </p:cNvPr>
+          <p:cNvSpPr/>
+          <p:nvPr/>
+        </p:nvSpPr>
+        <p:spPr>
+          <a:xfrm>
+            <a:off x="2273222" y="3757582"/>
+            <a:ext cx="1212772" cy="239182"/>
+          </a:xfrm>
+          <a:prstGeom prst="roundRect">
+            <a:avLst>
+              <a:gd name="adj" fmla="val 0"/>
+            </a:avLst>
+          </a:prstGeom>
+          <a:noFill/>
+          <a:ln>
+            <a:noFill/>
+          </a:ln>
+        </p:spPr>
+        <p:style>
+          <a:lnRef idx="2">
+            <a:schemeClr val="dk1"/>
+          </a:lnRef>
+          <a:fillRef idx="1">
+            <a:schemeClr val="lt1"/>
+          </a:fillRef>
+          <a:effectRef idx="0">
+            <a:schemeClr val="dk1"/>
+          </a:effectRef>
+          <a:fontRef idx="minor">
+            <a:schemeClr val="dk1"/>
+          </a:fontRef>
+        </p:style>
+        <p:txBody>
+          <a:bodyPr rtlCol="0" anchor="ctr"/>
+          <a:lstStyle/>
+          <a:p>
+            <a:pPr algn="ctr"/>
+            <a:r>
+              <a:rPr lang="en-US" altLang="ko-KR" sz="1050"/>
+              <a:t>TIME_WAIT</a:t>
+            </a:r>
+          </a:p>
+        </p:txBody>
+      </p:sp>
+      <p:sp>
+        <p:nvSpPr>
+          <p:cNvPr id="161" name="사각형: 둥근 모서리 160">
+            <a:extLst>
+              <a:ext uri="{FF2B5EF4-FFF2-40B4-BE49-F238E27FC236}">
+                <a16:creationId xmlns:a16="http://schemas.microsoft.com/office/drawing/2014/main" id="{A54BE9D7-13EE-440D-92EC-28924D945CF2}"/>
+              </a:ext>
+            </a:extLst>
+          </p:cNvPr>
+          <p:cNvSpPr/>
+          <p:nvPr/>
+        </p:nvSpPr>
+        <p:spPr>
+          <a:xfrm>
+            <a:off x="4499995" y="1093073"/>
+            <a:ext cx="947468" cy="239182"/>
+          </a:xfrm>
+          <a:prstGeom prst="roundRect">
+            <a:avLst>
+              <a:gd name="adj" fmla="val 0"/>
+            </a:avLst>
+          </a:prstGeom>
+          <a:noFill/>
+          <a:ln>
+            <a:noFill/>
+          </a:ln>
+        </p:spPr>
+        <p:style>
+          <a:lnRef idx="2">
+            <a:schemeClr val="dk1"/>
+          </a:lnRef>
+          <a:fillRef idx="1">
+            <a:schemeClr val="lt1"/>
+          </a:fillRef>
+          <a:effectRef idx="0">
+            <a:schemeClr val="dk1"/>
+          </a:effectRef>
+          <a:fontRef idx="minor">
+            <a:schemeClr val="dk1"/>
+          </a:fontRef>
+        </p:style>
+        <p:txBody>
+          <a:bodyPr rtlCol="0" anchor="ctr"/>
+          <a:lstStyle/>
+          <a:p>
+            <a:pPr algn="ctr"/>
+            <a:r>
+              <a:rPr lang="en-US" altLang="ko-KR" sz="900"/>
+              <a:t>SYN</a:t>
+            </a:r>
+          </a:p>
+        </p:txBody>
+      </p:sp>
+      <p:sp>
+        <p:nvSpPr>
+          <p:cNvPr id="162" name="사각형: 둥근 모서리 161">
+            <a:extLst>
+              <a:ext uri="{FF2B5EF4-FFF2-40B4-BE49-F238E27FC236}">
+                <a16:creationId xmlns:a16="http://schemas.microsoft.com/office/drawing/2014/main" id="{58945612-6A91-41A1-B188-D07F05CB0CEA}"/>
+              </a:ext>
+            </a:extLst>
+          </p:cNvPr>
+          <p:cNvSpPr/>
+          <p:nvPr/>
+        </p:nvSpPr>
+        <p:spPr>
+          <a:xfrm>
+            <a:off x="3570491" y="1332981"/>
+            <a:ext cx="947468" cy="239182"/>
+          </a:xfrm>
+          <a:prstGeom prst="roundRect">
+            <a:avLst>
+              <a:gd name="adj" fmla="val 0"/>
+            </a:avLst>
+          </a:prstGeom>
+          <a:noFill/>
+          <a:ln>
+            <a:noFill/>
+          </a:ln>
+        </p:spPr>
+        <p:style>
+          <a:lnRef idx="2">
+            <a:schemeClr val="dk1"/>
+          </a:lnRef>
+          <a:fillRef idx="1">
+            <a:schemeClr val="lt1"/>
+          </a:fillRef>
+          <a:effectRef idx="0">
+            <a:schemeClr val="dk1"/>
+          </a:effectRef>
+          <a:fontRef idx="minor">
+            <a:schemeClr val="dk1"/>
+          </a:fontRef>
+        </p:style>
+        <p:txBody>
+          <a:bodyPr rtlCol="0" anchor="ctr"/>
+          <a:lstStyle/>
+          <a:p>
+            <a:pPr algn="ctr"/>
+            <a:r>
+              <a:rPr lang="en-US" altLang="ko-KR" sz="900"/>
+              <a:t>SYN+ACK</a:t>
+            </a:r>
+          </a:p>
+        </p:txBody>
+      </p:sp>
+      <p:sp>
+        <p:nvSpPr>
+          <p:cNvPr id="163" name="사각형: 둥근 모서리 162">
+            <a:extLst>
+              <a:ext uri="{FF2B5EF4-FFF2-40B4-BE49-F238E27FC236}">
+                <a16:creationId xmlns:a16="http://schemas.microsoft.com/office/drawing/2014/main" id="{338C59AE-BC3C-4794-B95E-7A2833419B94}"/>
+              </a:ext>
+            </a:extLst>
+          </p:cNvPr>
+          <p:cNvSpPr/>
+          <p:nvPr/>
+        </p:nvSpPr>
+        <p:spPr>
+          <a:xfrm>
+            <a:off x="4498993" y="1532836"/>
+            <a:ext cx="947468" cy="239182"/>
+          </a:xfrm>
+          <a:prstGeom prst="roundRect">
+            <a:avLst>
+              <a:gd name="adj" fmla="val 0"/>
+            </a:avLst>
+          </a:prstGeom>
+          <a:noFill/>
+          <a:ln>
+            <a:noFill/>
+          </a:ln>
+        </p:spPr>
+        <p:style>
+          <a:lnRef idx="2">
+            <a:schemeClr val="dk1"/>
+          </a:lnRef>
+          <a:fillRef idx="1">
+            <a:schemeClr val="lt1"/>
+          </a:fillRef>
+          <a:effectRef idx="0">
+            <a:schemeClr val="dk1"/>
+          </a:effectRef>
+          <a:fontRef idx="minor">
+            <a:schemeClr val="dk1"/>
+          </a:fontRef>
+        </p:style>
+        <p:txBody>
+          <a:bodyPr rtlCol="0" anchor="ctr"/>
+          <a:lstStyle/>
+          <a:p>
+            <a:pPr algn="ctr"/>
+            <a:r>
+              <a:rPr lang="en-US" altLang="ko-KR" sz="900"/>
+              <a:t>ACK</a:t>
+            </a:r>
+          </a:p>
+        </p:txBody>
+      </p:sp>
+      <p:sp>
+        <p:nvSpPr>
+          <p:cNvPr id="167" name="사각형: 둥근 모서리 166">
+            <a:extLst>
+              <a:ext uri="{FF2B5EF4-FFF2-40B4-BE49-F238E27FC236}">
+                <a16:creationId xmlns:a16="http://schemas.microsoft.com/office/drawing/2014/main" id="{56086C5F-64FF-47D8-8BA9-AEBD81725AA2}"/>
+              </a:ext>
+            </a:extLst>
+          </p:cNvPr>
+          <p:cNvSpPr/>
+          <p:nvPr/>
+        </p:nvSpPr>
+        <p:spPr>
+          <a:xfrm>
+            <a:off x="4498993" y="1949474"/>
+            <a:ext cx="947468" cy="239182"/>
+          </a:xfrm>
+          <a:prstGeom prst="roundRect">
+            <a:avLst>
+              <a:gd name="adj" fmla="val 0"/>
+            </a:avLst>
+          </a:prstGeom>
+          <a:noFill/>
+          <a:ln>
+            <a:noFill/>
+          </a:ln>
+        </p:spPr>
+        <p:style>
+          <a:lnRef idx="2">
+            <a:schemeClr val="dk1"/>
+          </a:lnRef>
+          <a:fillRef idx="1">
+            <a:schemeClr val="lt1"/>
+          </a:fillRef>
+          <a:effectRef idx="0">
+            <a:schemeClr val="dk1"/>
+          </a:effectRef>
+          <a:fontRef idx="minor">
+            <a:schemeClr val="dk1"/>
+          </a:fontRef>
+        </p:style>
+        <p:txBody>
+          <a:bodyPr rtlCol="0" anchor="ctr"/>
+          <a:lstStyle/>
+          <a:p>
+            <a:pPr algn="ctr"/>
+            <a:r>
+              <a:rPr lang="en-US" altLang="ko-KR" sz="900"/>
+              <a:t>DATA</a:t>
+            </a:r>
+          </a:p>
+        </p:txBody>
+      </p:sp>
+      <p:sp>
+        <p:nvSpPr>
+          <p:cNvPr id="168" name="사각형: 둥근 모서리 167">
+            <a:extLst>
+              <a:ext uri="{FF2B5EF4-FFF2-40B4-BE49-F238E27FC236}">
+                <a16:creationId xmlns:a16="http://schemas.microsoft.com/office/drawing/2014/main" id="{A9FF13AE-7D81-4C26-88AC-11C49793188B}"/>
+              </a:ext>
+            </a:extLst>
+          </p:cNvPr>
+          <p:cNvSpPr/>
+          <p:nvPr/>
+        </p:nvSpPr>
+        <p:spPr>
+          <a:xfrm>
+            <a:off x="3570491" y="2176472"/>
+            <a:ext cx="947468" cy="239182"/>
+          </a:xfrm>
+          <a:prstGeom prst="roundRect">
+            <a:avLst>
+              <a:gd name="adj" fmla="val 0"/>
+            </a:avLst>
+          </a:prstGeom>
+          <a:noFill/>
+          <a:ln>
+            <a:noFill/>
+          </a:ln>
+        </p:spPr>
+        <p:style>
+          <a:lnRef idx="2">
+            <a:schemeClr val="dk1"/>
+          </a:lnRef>
+          <a:fillRef idx="1">
+            <a:schemeClr val="lt1"/>
+          </a:fillRef>
+          <a:effectRef idx="0">
+            <a:schemeClr val="dk1"/>
+          </a:effectRef>
+          <a:fontRef idx="minor">
+            <a:schemeClr val="dk1"/>
+          </a:fontRef>
+        </p:style>
+        <p:txBody>
+          <a:bodyPr rtlCol="0" anchor="ctr"/>
+          <a:lstStyle/>
+          <a:p>
+            <a:pPr algn="ctr"/>
+            <a:r>
+              <a:rPr lang="en-US" altLang="ko-KR" sz="900"/>
+              <a:t>DATA+ACK</a:t>
+            </a:r>
+          </a:p>
+        </p:txBody>
+      </p:sp>
+      <p:sp>
+        <p:nvSpPr>
+          <p:cNvPr id="169" name="사각형: 둥근 모서리 168">
+            <a:extLst>
+              <a:ext uri="{FF2B5EF4-FFF2-40B4-BE49-F238E27FC236}">
+                <a16:creationId xmlns:a16="http://schemas.microsoft.com/office/drawing/2014/main" id="{995008AA-C4B6-4584-A119-4B75A6DFA6E6}"/>
+              </a:ext>
+            </a:extLst>
+          </p:cNvPr>
+          <p:cNvSpPr/>
+          <p:nvPr/>
+        </p:nvSpPr>
+        <p:spPr>
+          <a:xfrm>
+            <a:off x="4498993" y="2402385"/>
+            <a:ext cx="947468" cy="239182"/>
+          </a:xfrm>
+          <a:prstGeom prst="roundRect">
+            <a:avLst>
+              <a:gd name="adj" fmla="val 0"/>
+            </a:avLst>
+          </a:prstGeom>
+          <a:noFill/>
+          <a:ln>
+            <a:noFill/>
+          </a:ln>
+        </p:spPr>
+        <p:style>
+          <a:lnRef idx="2">
+            <a:schemeClr val="dk1"/>
+          </a:lnRef>
+          <a:fillRef idx="1">
+            <a:schemeClr val="lt1"/>
+          </a:fillRef>
+          <a:effectRef idx="0">
+            <a:schemeClr val="dk1"/>
+          </a:effectRef>
+          <a:fontRef idx="minor">
+            <a:schemeClr val="dk1"/>
+          </a:fontRef>
+        </p:style>
+        <p:txBody>
+          <a:bodyPr rtlCol="0" anchor="ctr"/>
+          <a:lstStyle/>
+          <a:p>
+            <a:pPr algn="ctr"/>
+            <a:r>
+              <a:rPr lang="en-US" altLang="ko-KR" sz="900"/>
+              <a:t>DATA+ACK</a:t>
+            </a:r>
+          </a:p>
+        </p:txBody>
+      </p:sp>
+      <p:sp>
+        <p:nvSpPr>
+          <p:cNvPr id="170" name="사각형: 둥근 모서리 169">
+            <a:extLst>
+              <a:ext uri="{FF2B5EF4-FFF2-40B4-BE49-F238E27FC236}">
+                <a16:creationId xmlns:a16="http://schemas.microsoft.com/office/drawing/2014/main" id="{F2D366B7-69A8-4727-A218-267E85133122}"/>
+              </a:ext>
+            </a:extLst>
+          </p:cNvPr>
+          <p:cNvSpPr/>
+          <p:nvPr/>
+        </p:nvSpPr>
+        <p:spPr>
+          <a:xfrm>
+            <a:off x="3570491" y="2627419"/>
+            <a:ext cx="947468" cy="239182"/>
+          </a:xfrm>
+          <a:prstGeom prst="roundRect">
+            <a:avLst>
+              <a:gd name="adj" fmla="val 0"/>
+            </a:avLst>
+          </a:prstGeom>
+          <a:noFill/>
+          <a:ln>
+            <a:noFill/>
+          </a:ln>
+        </p:spPr>
+        <p:style>
+          <a:lnRef idx="2">
+            <a:schemeClr val="dk1"/>
+          </a:lnRef>
+          <a:fillRef idx="1">
+            <a:schemeClr val="lt1"/>
+          </a:fillRef>
+          <a:effectRef idx="0">
+            <a:schemeClr val="dk1"/>
+          </a:effectRef>
+          <a:fontRef idx="minor">
+            <a:schemeClr val="dk1"/>
+          </a:fontRef>
+        </p:style>
+        <p:txBody>
+          <a:bodyPr rtlCol="0" anchor="ctr"/>
+          <a:lstStyle/>
+          <a:p>
+            <a:pPr algn="ctr"/>
+            <a:r>
+              <a:rPr lang="en-US" altLang="ko-KR" sz="900"/>
+              <a:t>ACK</a:t>
+            </a:r>
+          </a:p>
+        </p:txBody>
+      </p:sp>
+      <p:sp>
+        <p:nvSpPr>
+          <p:cNvPr id="172" name="사각형: 둥근 모서리 171">
+            <a:extLst>
+              <a:ext uri="{FF2B5EF4-FFF2-40B4-BE49-F238E27FC236}">
+                <a16:creationId xmlns:a16="http://schemas.microsoft.com/office/drawing/2014/main" id="{C01950DA-92E0-41C8-A3EC-25563FE4EE5C}"/>
+              </a:ext>
+            </a:extLst>
+          </p:cNvPr>
+          <p:cNvSpPr/>
+          <p:nvPr/>
+        </p:nvSpPr>
+        <p:spPr>
+          <a:xfrm>
+            <a:off x="4498993" y="3052648"/>
+            <a:ext cx="947468" cy="239182"/>
+          </a:xfrm>
+          <a:prstGeom prst="roundRect">
+            <a:avLst>
+              <a:gd name="adj" fmla="val 0"/>
+            </a:avLst>
+          </a:prstGeom>
+          <a:noFill/>
+          <a:ln>
+            <a:noFill/>
+          </a:ln>
+        </p:spPr>
+        <p:style>
+          <a:lnRef idx="2">
+            <a:schemeClr val="dk1"/>
+          </a:lnRef>
+          <a:fillRef idx="1">
+            <a:schemeClr val="lt1"/>
+          </a:fillRef>
+          <a:effectRef idx="0">
+            <a:schemeClr val="dk1"/>
+          </a:effectRef>
+          <a:fontRef idx="minor">
+            <a:schemeClr val="dk1"/>
+          </a:fontRef>
+        </p:style>
+        <p:txBody>
+          <a:bodyPr rtlCol="0" anchor="ctr"/>
+          <a:lstStyle/>
+          <a:p>
+            <a:pPr algn="ctr"/>
+            <a:r>
+              <a:rPr lang="en-US" altLang="ko-KR" sz="900"/>
+              <a:t>FIN</a:t>
+            </a:r>
+          </a:p>
+        </p:txBody>
+      </p:sp>
+      <p:sp>
+        <p:nvSpPr>
+          <p:cNvPr id="174" name="사각형: 둥근 모서리 173">
+            <a:extLst>
+              <a:ext uri="{FF2B5EF4-FFF2-40B4-BE49-F238E27FC236}">
+                <a16:creationId xmlns:a16="http://schemas.microsoft.com/office/drawing/2014/main" id="{88403916-F5E5-413E-99C4-DD880E2CCDEF}"/>
+              </a:ext>
+            </a:extLst>
+          </p:cNvPr>
+          <p:cNvSpPr/>
+          <p:nvPr/>
+        </p:nvSpPr>
+        <p:spPr>
+          <a:xfrm>
+            <a:off x="3570491" y="3263581"/>
+            <a:ext cx="947468" cy="239182"/>
+          </a:xfrm>
+          <a:prstGeom prst="roundRect">
+            <a:avLst>
+              <a:gd name="adj" fmla="val 0"/>
+            </a:avLst>
+          </a:prstGeom>
+          <a:noFill/>
+          <a:ln>
+            <a:noFill/>
+          </a:ln>
+        </p:spPr>
+        <p:style>
+          <a:lnRef idx="2">
+            <a:schemeClr val="dk1"/>
+          </a:lnRef>
+          <a:fillRef idx="1">
+            <a:schemeClr val="lt1"/>
+          </a:fillRef>
+          <a:effectRef idx="0">
+            <a:schemeClr val="dk1"/>
+          </a:effectRef>
+          <a:fontRef idx="minor">
+            <a:schemeClr val="dk1"/>
+          </a:fontRef>
+        </p:style>
+        <p:txBody>
+          <a:bodyPr rtlCol="0" anchor="ctr"/>
+          <a:lstStyle/>
+          <a:p>
+            <a:pPr algn="ctr"/>
+            <a:r>
+              <a:rPr lang="en-US" altLang="ko-KR" sz="900"/>
+              <a:t>ACK</a:t>
+            </a:r>
+          </a:p>
+        </p:txBody>
+      </p:sp>
+      <p:sp>
+        <p:nvSpPr>
+          <p:cNvPr id="176" name="사각형: 둥근 모서리 175">
+            <a:extLst>
+              <a:ext uri="{FF2B5EF4-FFF2-40B4-BE49-F238E27FC236}">
+                <a16:creationId xmlns:a16="http://schemas.microsoft.com/office/drawing/2014/main" id="{B5CF72F5-B63B-43EC-81BD-61EAED7CA2EA}"/>
+              </a:ext>
+            </a:extLst>
+          </p:cNvPr>
+          <p:cNvSpPr/>
+          <p:nvPr/>
+        </p:nvSpPr>
+        <p:spPr>
+          <a:xfrm>
+            <a:off x="3570491" y="3504939"/>
+            <a:ext cx="947468" cy="239182"/>
+          </a:xfrm>
+          <a:prstGeom prst="roundRect">
+            <a:avLst>
+              <a:gd name="adj" fmla="val 0"/>
+            </a:avLst>
+          </a:prstGeom>
+          <a:noFill/>
+          <a:ln>
+            <a:noFill/>
+          </a:ln>
+        </p:spPr>
+        <p:style>
+          <a:lnRef idx="2">
+            <a:schemeClr val="dk1"/>
+          </a:lnRef>
+          <a:fillRef idx="1">
+            <a:schemeClr val="lt1"/>
+          </a:fillRef>
+          <a:effectRef idx="0">
+            <a:schemeClr val="dk1"/>
+          </a:effectRef>
+          <a:fontRef idx="minor">
+            <a:schemeClr val="dk1"/>
+          </a:fontRef>
+        </p:style>
+        <p:txBody>
+          <a:bodyPr rtlCol="0" anchor="ctr"/>
+          <a:lstStyle/>
+          <a:p>
+            <a:pPr algn="ctr"/>
+            <a:r>
+              <a:rPr lang="en-US" altLang="ko-KR" sz="900"/>
+              <a:t>FIN</a:t>
+            </a:r>
+          </a:p>
+        </p:txBody>
+      </p:sp>
+      <p:sp>
+        <p:nvSpPr>
+          <p:cNvPr id="177" name="사각형: 둥근 모서리 176">
+            <a:extLst>
+              <a:ext uri="{FF2B5EF4-FFF2-40B4-BE49-F238E27FC236}">
+                <a16:creationId xmlns:a16="http://schemas.microsoft.com/office/drawing/2014/main" id="{A5F7C65D-9B99-4438-9376-DA3911FA7499}"/>
+              </a:ext>
+            </a:extLst>
+          </p:cNvPr>
+          <p:cNvSpPr/>
+          <p:nvPr/>
+        </p:nvSpPr>
+        <p:spPr>
+          <a:xfrm>
+            <a:off x="4498993" y="3717356"/>
+            <a:ext cx="947468" cy="239182"/>
+          </a:xfrm>
+          <a:prstGeom prst="roundRect">
+            <a:avLst>
+              <a:gd name="adj" fmla="val 0"/>
+            </a:avLst>
+          </a:prstGeom>
+          <a:noFill/>
+          <a:ln>
+            <a:noFill/>
+          </a:ln>
+        </p:spPr>
+        <p:style>
+          <a:lnRef idx="2">
+            <a:schemeClr val="dk1"/>
+          </a:lnRef>
+          <a:fillRef idx="1">
+            <a:schemeClr val="lt1"/>
+          </a:fillRef>
+          <a:effectRef idx="0">
+            <a:schemeClr val="dk1"/>
+          </a:effectRef>
+          <a:fontRef idx="minor">
+            <a:schemeClr val="dk1"/>
+          </a:fontRef>
+        </p:style>
+        <p:txBody>
+          <a:bodyPr rtlCol="0" anchor="ctr"/>
+          <a:lstStyle/>
+          <a:p>
+            <a:pPr algn="ctr"/>
+            <a:r>
+              <a:rPr lang="en-US" altLang="ko-KR" sz="900"/>
+              <a:t>ACK</a:t>
+            </a:r>
+          </a:p>
+        </p:txBody>
+      </p:sp>
+      <p:cxnSp>
+        <p:nvCxnSpPr>
+          <p:cNvPr id="51" name="직선 연결선 50">
+            <a:extLst>
+              <a:ext uri="{FF2B5EF4-FFF2-40B4-BE49-F238E27FC236}">
+                <a16:creationId xmlns:a16="http://schemas.microsoft.com/office/drawing/2014/main" id="{E83594FD-7159-4BB0-8647-C788699B5783}"/>
+              </a:ext>
+            </a:extLst>
+          </p:cNvPr>
+          <p:cNvCxnSpPr>
+            <a:cxnSpLocks/>
+          </p:cNvCxnSpPr>
+          <p:nvPr/>
+        </p:nvCxnSpPr>
+        <p:spPr>
+          <a:xfrm flipH="1">
+            <a:off x="2411762" y="3992233"/>
+            <a:ext cx="935692" cy="0"/>
+          </a:xfrm>
+          <a:prstGeom prst="line">
+            <a:avLst/>
+          </a:prstGeom>
+          <a:ln w="19050"/>
+        </p:spPr>
+        <p:style>
+          <a:lnRef idx="1">
+            <a:schemeClr val="dk1"/>
+          </a:lnRef>
+          <a:fillRef idx="0">
+            <a:schemeClr val="dk1"/>
+          </a:fillRef>
+          <a:effectRef idx="0">
+            <a:schemeClr val="dk1"/>
+          </a:effectRef>
+          <a:fontRef idx="minor">
+            <a:schemeClr val="tx1"/>
+          </a:fontRef>
+        </p:style>
+      </p:cxnSp>
+      <p:sp>
+        <p:nvSpPr>
+          <p:cNvPr id="52" name="사각형: 둥근 모서리 51">
+            <a:extLst>
+              <a:ext uri="{FF2B5EF4-FFF2-40B4-BE49-F238E27FC236}">
+                <a16:creationId xmlns:a16="http://schemas.microsoft.com/office/drawing/2014/main" id="{4CC613A7-C431-4CE9-BF7E-E7E33806E67F}"/>
+              </a:ext>
+            </a:extLst>
+          </p:cNvPr>
+          <p:cNvSpPr/>
+          <p:nvPr/>
+        </p:nvSpPr>
+        <p:spPr>
+          <a:xfrm>
+            <a:off x="2273222" y="4048034"/>
+            <a:ext cx="1212772" cy="239182"/>
+          </a:xfrm>
+          <a:prstGeom prst="roundRect">
+            <a:avLst>
+              <a:gd name="adj" fmla="val 0"/>
+            </a:avLst>
+          </a:prstGeom>
+          <a:noFill/>
+          <a:ln>
+            <a:noFill/>
+          </a:ln>
+        </p:spPr>
+        <p:style>
+          <a:lnRef idx="2">
+            <a:schemeClr val="dk1"/>
+          </a:lnRef>
+          <a:fillRef idx="1">
+            <a:schemeClr val="lt1"/>
+          </a:fillRef>
+          <a:effectRef idx="0">
+            <a:schemeClr val="dk1"/>
+          </a:effectRef>
+          <a:fontRef idx="minor">
+            <a:schemeClr val="dk1"/>
+          </a:fontRef>
+        </p:style>
+        <p:txBody>
+          <a:bodyPr rtlCol="0" anchor="ctr"/>
+          <a:lstStyle/>
+          <a:p>
+            <a:pPr algn="ctr"/>
+            <a:r>
+              <a:rPr lang="en-US" altLang="ko-KR" sz="1050"/>
+              <a:t>CLOSED</a:t>
+            </a:r>
+          </a:p>
+        </p:txBody>
+      </p:sp>
+    </p:spTree>
+    <p:extLst>
+      <p:ext uri="{BB962C8B-B14F-4D97-AF65-F5344CB8AC3E}">
+        <p14:creationId xmlns:p14="http://schemas.microsoft.com/office/powerpoint/2010/main" val="3749160910"/>
       </p:ext>
     </p:extLst>
   </p:cSld>

--- a/images/theory_analysis/TCP_Connection_State/TCP_Connection_Status.pptx
+++ b/images/theory_analysis/TCP_Connection_State/TCP_Connection_Status.pptx
@@ -5,13 +5,14 @@
     <p:sldMasterId id="2147483648" r:id="rId1"/>
   </p:sldMasterIdLst>
   <p:notesMasterIdLst>
-    <p:notesMasterId r:id="rId6"/>
+    <p:notesMasterId r:id="rId7"/>
   </p:notesMasterIdLst>
   <p:sldIdLst>
     <p:sldId id="372" r:id="rId2"/>
     <p:sldId id="376" r:id="rId3"/>
     <p:sldId id="368" r:id="rId4"/>
-    <p:sldId id="373" r:id="rId5"/>
+    <p:sldId id="377" r:id="rId5"/>
+    <p:sldId id="373" r:id="rId6"/>
   </p:sldIdLst>
   <p:sldSz cx="9144000" cy="5143500" type="screen16x9"/>
   <p:notesSz cx="6858000" cy="9144000"/>
@@ -717,6 +718,90 @@
             <a:fld id="{BA5DFA43-8D57-47FB-BC46-057616015C3B}" type="slidenum">
               <a:rPr lang="ko-KR" altLang="en-US" smtClean="0"/>
               <a:t>4</a:t>
+            </a:fld>
+            <a:endParaRPr lang="ko-KR" altLang="en-US"/>
+          </a:p>
+        </p:txBody>
+      </p:sp>
+    </p:spTree>
+    <p:extLst>
+      <p:ext uri="{BB962C8B-B14F-4D97-AF65-F5344CB8AC3E}">
+        <p14:creationId xmlns:p14="http://schemas.microsoft.com/office/powerpoint/2010/main" val="583373824"/>
+      </p:ext>
+    </p:extLst>
+  </p:cSld>
+  <p:clrMapOvr>
+    <a:masterClrMapping/>
+  </p:clrMapOvr>
+</p:notes>
+</file>
+
+<file path=ppt/notesSlides/notesSlide4.xml><?xml version="1.0" encoding="utf-8"?>
+<p:notes xmlns:a="http://schemas.openxmlformats.org/drawingml/2006/main" xmlns:r="http://schemas.openxmlformats.org/officeDocument/2006/relationships" xmlns:p="http://schemas.openxmlformats.org/presentationml/2006/main">
+  <p:cSld>
+    <p:spTree>
+      <p:nvGrpSpPr>
+        <p:cNvPr id="1" name=""/>
+        <p:cNvGrpSpPr/>
+        <p:nvPr/>
+      </p:nvGrpSpPr>
+      <p:grpSpPr>
+        <a:xfrm>
+          <a:off x="0" y="0"/>
+          <a:ext cx="0" cy="0"/>
+          <a:chOff x="0" y="0"/>
+          <a:chExt cx="0" cy="0"/>
+        </a:xfrm>
+      </p:grpSpPr>
+      <p:sp>
+        <p:nvSpPr>
+          <p:cNvPr id="2" name="슬라이드 이미지 개체 틀 1"/>
+          <p:cNvSpPr>
+            <a:spLocks noGrp="1" noRot="1" noChangeAspect="1"/>
+          </p:cNvSpPr>
+          <p:nvPr>
+            <p:ph type="sldImg"/>
+          </p:nvPr>
+        </p:nvSpPr>
+        <p:spPr/>
+      </p:sp>
+      <p:sp>
+        <p:nvSpPr>
+          <p:cNvPr id="3" name="슬라이드 노트 개체 틀 2"/>
+          <p:cNvSpPr>
+            <a:spLocks noGrp="1"/>
+          </p:cNvSpPr>
+          <p:nvPr>
+            <p:ph type="body" idx="1"/>
+          </p:nvPr>
+        </p:nvSpPr>
+        <p:spPr/>
+        <p:txBody>
+          <a:bodyPr/>
+          <a:lstStyle/>
+          <a:p>
+            <a:endParaRPr lang="ko-KR" altLang="en-US"/>
+          </a:p>
+        </p:txBody>
+      </p:sp>
+      <p:sp>
+        <p:nvSpPr>
+          <p:cNvPr id="4" name="슬라이드 번호 개체 틀 3"/>
+          <p:cNvSpPr>
+            <a:spLocks noGrp="1"/>
+          </p:cNvSpPr>
+          <p:nvPr>
+            <p:ph type="sldNum" sz="quarter" idx="5"/>
+          </p:nvPr>
+        </p:nvSpPr>
+        <p:spPr/>
+        <p:txBody>
+          <a:bodyPr/>
+          <a:lstStyle/>
+          <a:p>
+            <a:fld id="{BA5DFA43-8D57-47FB-BC46-057616015C3B}" type="slidenum">
+              <a:rPr lang="ko-KR" altLang="en-US" smtClean="0"/>
+              <a:t>5</a:t>
             </a:fld>
             <a:endParaRPr lang="ko-KR" altLang="en-US"/>
           </a:p>
@@ -5138,8 +5223,8 @@
         </p:nvCxnSpPr>
         <p:spPr>
           <a:xfrm flipV="1">
-            <a:off x="3563888" y="1441044"/>
-            <a:ext cx="0" cy="1197506"/>
+            <a:off x="3563888" y="722700"/>
+            <a:ext cx="0" cy="1915850"/>
           </a:xfrm>
           <a:prstGeom prst="straightConnector1">
             <a:avLst/>
@@ -10672,6 +10757,3853 @@
 </file>
 
 <file path=ppt/slides/slide4.xml><?xml version="1.0" encoding="utf-8"?>
+<p:sld xmlns:a="http://schemas.openxmlformats.org/drawingml/2006/main" xmlns:r="http://schemas.openxmlformats.org/officeDocument/2006/relationships" xmlns:p="http://schemas.openxmlformats.org/presentationml/2006/main">
+  <p:cSld>
+    <p:spTree>
+      <p:nvGrpSpPr>
+        <p:cNvPr id="1" name=""/>
+        <p:cNvGrpSpPr/>
+        <p:nvPr/>
+      </p:nvGrpSpPr>
+      <p:grpSpPr>
+        <a:xfrm>
+          <a:off x="0" y="0"/>
+          <a:ext cx="0" cy="0"/>
+          <a:chOff x="0" y="0"/>
+          <a:chExt cx="0" cy="0"/>
+        </a:xfrm>
+      </p:grpSpPr>
+      <p:sp>
+        <p:nvSpPr>
+          <p:cNvPr id="88" name="사각형: 둥근 모서리 87">
+            <a:extLst>
+              <a:ext uri="{FF2B5EF4-FFF2-40B4-BE49-F238E27FC236}">
+                <a16:creationId xmlns:a16="http://schemas.microsoft.com/office/drawing/2014/main" id="{6E78FADD-E280-429B-9401-923FEF0B6E50}"/>
+              </a:ext>
+            </a:extLst>
+          </p:cNvPr>
+          <p:cNvSpPr/>
+          <p:nvPr/>
+        </p:nvSpPr>
+        <p:spPr>
+          <a:xfrm>
+            <a:off x="4716016" y="4255724"/>
+            <a:ext cx="3528390" cy="624593"/>
+          </a:xfrm>
+          <a:prstGeom prst="roundRect">
+            <a:avLst>
+              <a:gd name="adj" fmla="val 0"/>
+            </a:avLst>
+          </a:prstGeom>
+        </p:spPr>
+        <p:style>
+          <a:lnRef idx="2">
+            <a:schemeClr val="dk1"/>
+          </a:lnRef>
+          <a:fillRef idx="1">
+            <a:schemeClr val="lt1"/>
+          </a:fillRef>
+          <a:effectRef idx="0">
+            <a:schemeClr val="dk1"/>
+          </a:effectRef>
+          <a:fontRef idx="minor">
+            <a:schemeClr val="dk1"/>
+          </a:fontRef>
+        </p:style>
+        <p:txBody>
+          <a:bodyPr rtlCol="0" anchor="ctr"/>
+          <a:lstStyle/>
+          <a:p>
+            <a:pPr algn="ctr"/>
+            <a:endParaRPr lang="en-US" altLang="ko-KR" sz="1200"/>
+          </a:p>
+        </p:txBody>
+      </p:sp>
+      <p:sp>
+        <p:nvSpPr>
+          <p:cNvPr id="109" name="사각형: 둥근 모서리 108">
+            <a:extLst>
+              <a:ext uri="{FF2B5EF4-FFF2-40B4-BE49-F238E27FC236}">
+                <a16:creationId xmlns:a16="http://schemas.microsoft.com/office/drawing/2014/main" id="{7AEDDF4A-FC4E-4F4A-ADD7-B180B3B2A2AB}"/>
+              </a:ext>
+            </a:extLst>
+          </p:cNvPr>
+          <p:cNvSpPr/>
+          <p:nvPr/>
+        </p:nvSpPr>
+        <p:spPr>
+          <a:xfrm>
+            <a:off x="5514974" y="2512027"/>
+            <a:ext cx="1708709" cy="1199239"/>
+          </a:xfrm>
+          <a:prstGeom prst="roundRect">
+            <a:avLst>
+              <a:gd name="adj" fmla="val 7424"/>
+            </a:avLst>
+          </a:prstGeom>
+          <a:ln>
+            <a:prstDash val="dash"/>
+          </a:ln>
+        </p:spPr>
+        <p:style>
+          <a:lnRef idx="2">
+            <a:schemeClr val="dk1"/>
+          </a:lnRef>
+          <a:fillRef idx="1">
+            <a:schemeClr val="lt1"/>
+          </a:fillRef>
+          <a:effectRef idx="0">
+            <a:schemeClr val="dk1"/>
+          </a:effectRef>
+          <a:fontRef idx="minor">
+            <a:schemeClr val="dk1"/>
+          </a:fontRef>
+        </p:style>
+        <p:txBody>
+          <a:bodyPr rtlCol="0" anchor="ctr"/>
+          <a:lstStyle/>
+          <a:p>
+            <a:pPr algn="ctr"/>
+            <a:endParaRPr lang="ko-KR" altLang="en-US"/>
+          </a:p>
+        </p:txBody>
+      </p:sp>
+      <p:sp>
+        <p:nvSpPr>
+          <p:cNvPr id="108" name="사각형: 둥근 모서리 107">
+            <a:extLst>
+              <a:ext uri="{FF2B5EF4-FFF2-40B4-BE49-F238E27FC236}">
+                <a16:creationId xmlns:a16="http://schemas.microsoft.com/office/drawing/2014/main" id="{A5F79A5B-3FE3-4243-BF06-C4A76EB321D6}"/>
+              </a:ext>
+            </a:extLst>
+          </p:cNvPr>
+          <p:cNvSpPr/>
+          <p:nvPr/>
+        </p:nvSpPr>
+        <p:spPr>
+          <a:xfrm>
+            <a:off x="323540" y="3208661"/>
+            <a:ext cx="4320438" cy="1315738"/>
+          </a:xfrm>
+          <a:prstGeom prst="roundRect">
+            <a:avLst>
+              <a:gd name="adj" fmla="val 7424"/>
+            </a:avLst>
+          </a:prstGeom>
+          <a:ln>
+            <a:prstDash val="dash"/>
+          </a:ln>
+        </p:spPr>
+        <p:style>
+          <a:lnRef idx="2">
+            <a:schemeClr val="dk1"/>
+          </a:lnRef>
+          <a:fillRef idx="1">
+            <a:schemeClr val="lt1"/>
+          </a:fillRef>
+          <a:effectRef idx="0">
+            <a:schemeClr val="dk1"/>
+          </a:effectRef>
+          <a:fontRef idx="minor">
+            <a:schemeClr val="dk1"/>
+          </a:fontRef>
+        </p:style>
+        <p:txBody>
+          <a:bodyPr rtlCol="0" anchor="ctr"/>
+          <a:lstStyle/>
+          <a:p>
+            <a:pPr algn="ctr"/>
+            <a:endParaRPr lang="ko-KR" altLang="en-US"/>
+          </a:p>
+        </p:txBody>
+      </p:sp>
+      <p:sp>
+        <p:nvSpPr>
+          <p:cNvPr id="2" name="제목 1"/>
+          <p:cNvSpPr>
+            <a:spLocks noGrp="1"/>
+          </p:cNvSpPr>
+          <p:nvPr>
+            <p:ph type="title"/>
+          </p:nvPr>
+        </p:nvSpPr>
+        <p:spPr>
+          <a:xfrm>
+            <a:off x="457200" y="-236562"/>
+            <a:ext cx="8229600" cy="720080"/>
+          </a:xfrm>
+        </p:spPr>
+        <p:txBody>
+          <a:bodyPr>
+            <a:normAutofit/>
+          </a:bodyPr>
+          <a:lstStyle/>
+          <a:p>
+            <a:r>
+              <a:rPr lang="en-US" altLang="ko-KR" sz="3600"/>
+              <a:t>TCP State Diagram</a:t>
+            </a:r>
+            <a:endParaRPr lang="ko-KR" altLang="en-US" sz="3600" dirty="0"/>
+          </a:p>
+        </p:txBody>
+      </p:sp>
+      <p:sp>
+        <p:nvSpPr>
+          <p:cNvPr id="27" name="사각형: 둥근 모서리 26">
+            <a:extLst>
+              <a:ext uri="{FF2B5EF4-FFF2-40B4-BE49-F238E27FC236}">
+                <a16:creationId xmlns:a16="http://schemas.microsoft.com/office/drawing/2014/main" id="{28DA9DA1-F5FB-4D12-89F0-62E6C884CBB5}"/>
+              </a:ext>
+            </a:extLst>
+          </p:cNvPr>
+          <p:cNvSpPr/>
+          <p:nvPr/>
+        </p:nvSpPr>
+        <p:spPr>
+          <a:xfrm>
+            <a:off x="3059832" y="483518"/>
+            <a:ext cx="1440160" cy="239182"/>
+          </a:xfrm>
+          <a:prstGeom prst="roundRect">
+            <a:avLst>
+              <a:gd name="adj" fmla="val 0"/>
+            </a:avLst>
+          </a:prstGeom>
+        </p:spPr>
+        <p:style>
+          <a:lnRef idx="2">
+            <a:schemeClr val="dk1"/>
+          </a:lnRef>
+          <a:fillRef idx="1">
+            <a:schemeClr val="lt1"/>
+          </a:fillRef>
+          <a:effectRef idx="0">
+            <a:schemeClr val="dk1"/>
+          </a:effectRef>
+          <a:fontRef idx="minor">
+            <a:schemeClr val="dk1"/>
+          </a:fontRef>
+        </p:style>
+        <p:txBody>
+          <a:bodyPr rtlCol="0" anchor="ctr"/>
+          <a:lstStyle/>
+          <a:p>
+            <a:pPr algn="ctr"/>
+            <a:r>
+              <a:rPr lang="en-US" altLang="ko-KR" sz="1200"/>
+              <a:t>CLOSED</a:t>
+            </a:r>
+          </a:p>
+        </p:txBody>
+      </p:sp>
+      <p:sp>
+        <p:nvSpPr>
+          <p:cNvPr id="28" name="사각형: 둥근 모서리 27">
+            <a:extLst>
+              <a:ext uri="{FF2B5EF4-FFF2-40B4-BE49-F238E27FC236}">
+                <a16:creationId xmlns:a16="http://schemas.microsoft.com/office/drawing/2014/main" id="{1902A314-01D5-4E18-8705-318BCD63BE99}"/>
+              </a:ext>
+            </a:extLst>
+          </p:cNvPr>
+          <p:cNvSpPr/>
+          <p:nvPr/>
+        </p:nvSpPr>
+        <p:spPr>
+          <a:xfrm>
+            <a:off x="3059832" y="1201862"/>
+            <a:ext cx="1440160" cy="239182"/>
+          </a:xfrm>
+          <a:prstGeom prst="roundRect">
+            <a:avLst>
+              <a:gd name="adj" fmla="val 0"/>
+            </a:avLst>
+          </a:prstGeom>
+        </p:spPr>
+        <p:style>
+          <a:lnRef idx="2">
+            <a:schemeClr val="dk1"/>
+          </a:lnRef>
+          <a:fillRef idx="1">
+            <a:schemeClr val="lt1"/>
+          </a:fillRef>
+          <a:effectRef idx="0">
+            <a:schemeClr val="dk1"/>
+          </a:effectRef>
+          <a:fontRef idx="minor">
+            <a:schemeClr val="dk1"/>
+          </a:fontRef>
+        </p:style>
+        <p:txBody>
+          <a:bodyPr rtlCol="0" anchor="ctr"/>
+          <a:lstStyle/>
+          <a:p>
+            <a:pPr algn="ctr"/>
+            <a:r>
+              <a:rPr lang="en-US" altLang="ko-KR" sz="1200"/>
+              <a:t>LISTEN</a:t>
+            </a:r>
+          </a:p>
+        </p:txBody>
+      </p:sp>
+      <p:sp>
+        <p:nvSpPr>
+          <p:cNvPr id="30" name="사각형: 둥근 모서리 29">
+            <a:extLst>
+              <a:ext uri="{FF2B5EF4-FFF2-40B4-BE49-F238E27FC236}">
+                <a16:creationId xmlns:a16="http://schemas.microsoft.com/office/drawing/2014/main" id="{8AD77AEB-D613-4735-B78A-FDD1C139FC2F}"/>
+              </a:ext>
+            </a:extLst>
+          </p:cNvPr>
+          <p:cNvSpPr/>
+          <p:nvPr/>
+        </p:nvSpPr>
+        <p:spPr>
+          <a:xfrm>
+            <a:off x="467544" y="1920206"/>
+            <a:ext cx="1440160" cy="239182"/>
+          </a:xfrm>
+          <a:prstGeom prst="roundRect">
+            <a:avLst>
+              <a:gd name="adj" fmla="val 0"/>
+            </a:avLst>
+          </a:prstGeom>
+        </p:spPr>
+        <p:style>
+          <a:lnRef idx="2">
+            <a:schemeClr val="dk1"/>
+          </a:lnRef>
+          <a:fillRef idx="1">
+            <a:schemeClr val="lt1"/>
+          </a:fillRef>
+          <a:effectRef idx="0">
+            <a:schemeClr val="dk1"/>
+          </a:effectRef>
+          <a:fontRef idx="minor">
+            <a:schemeClr val="dk1"/>
+          </a:fontRef>
+        </p:style>
+        <p:txBody>
+          <a:bodyPr rtlCol="0" anchor="ctr"/>
+          <a:lstStyle/>
+          <a:p>
+            <a:pPr algn="ctr"/>
+            <a:r>
+              <a:rPr lang="en-US" altLang="ko-KR" sz="1200"/>
+              <a:t>SYN_RECEIVED</a:t>
+            </a:r>
+          </a:p>
+        </p:txBody>
+      </p:sp>
+      <p:sp>
+        <p:nvSpPr>
+          <p:cNvPr id="31" name="사각형: 둥근 모서리 30">
+            <a:extLst>
+              <a:ext uri="{FF2B5EF4-FFF2-40B4-BE49-F238E27FC236}">
+                <a16:creationId xmlns:a16="http://schemas.microsoft.com/office/drawing/2014/main" id="{77177B3C-4AD1-45F0-BE03-438D43EAA261}"/>
+              </a:ext>
+            </a:extLst>
+          </p:cNvPr>
+          <p:cNvSpPr/>
+          <p:nvPr/>
+        </p:nvSpPr>
+        <p:spPr>
+          <a:xfrm>
+            <a:off x="3059832" y="2638550"/>
+            <a:ext cx="1440160" cy="239182"/>
+          </a:xfrm>
+          <a:prstGeom prst="roundRect">
+            <a:avLst>
+              <a:gd name="adj" fmla="val 0"/>
+            </a:avLst>
+          </a:prstGeom>
+        </p:spPr>
+        <p:style>
+          <a:lnRef idx="2">
+            <a:schemeClr val="dk1"/>
+          </a:lnRef>
+          <a:fillRef idx="1">
+            <a:schemeClr val="lt1"/>
+          </a:fillRef>
+          <a:effectRef idx="0">
+            <a:schemeClr val="dk1"/>
+          </a:effectRef>
+          <a:fontRef idx="minor">
+            <a:schemeClr val="dk1"/>
+          </a:fontRef>
+        </p:style>
+        <p:txBody>
+          <a:bodyPr rtlCol="0" anchor="ctr"/>
+          <a:lstStyle/>
+          <a:p>
+            <a:pPr algn="ctr"/>
+            <a:r>
+              <a:rPr lang="en-US" altLang="ko-KR" sz="1200"/>
+              <a:t>ESTABLISHED</a:t>
+            </a:r>
+          </a:p>
+        </p:txBody>
+      </p:sp>
+      <p:sp>
+        <p:nvSpPr>
+          <p:cNvPr id="33" name="사각형: 둥근 모서리 32">
+            <a:extLst>
+              <a:ext uri="{FF2B5EF4-FFF2-40B4-BE49-F238E27FC236}">
+                <a16:creationId xmlns:a16="http://schemas.microsoft.com/office/drawing/2014/main" id="{BD861A55-4B94-4AE1-895E-F709B3227CC8}"/>
+              </a:ext>
+            </a:extLst>
+          </p:cNvPr>
+          <p:cNvSpPr/>
+          <p:nvPr/>
+        </p:nvSpPr>
+        <p:spPr>
+          <a:xfrm>
+            <a:off x="3059832" y="3358630"/>
+            <a:ext cx="1440160" cy="239182"/>
+          </a:xfrm>
+          <a:prstGeom prst="roundRect">
+            <a:avLst>
+              <a:gd name="adj" fmla="val 0"/>
+            </a:avLst>
+          </a:prstGeom>
+        </p:spPr>
+        <p:style>
+          <a:lnRef idx="2">
+            <a:schemeClr val="dk1"/>
+          </a:lnRef>
+          <a:fillRef idx="1">
+            <a:schemeClr val="lt1"/>
+          </a:fillRef>
+          <a:effectRef idx="0">
+            <a:schemeClr val="dk1"/>
+          </a:effectRef>
+          <a:fontRef idx="minor">
+            <a:schemeClr val="dk1"/>
+          </a:fontRef>
+        </p:style>
+        <p:txBody>
+          <a:bodyPr rtlCol="0" anchor="ctr"/>
+          <a:lstStyle/>
+          <a:p>
+            <a:pPr algn="ctr"/>
+            <a:r>
+              <a:rPr lang="en-US" altLang="ko-KR" sz="1200"/>
+              <a:t>CLOSING</a:t>
+            </a:r>
+          </a:p>
+        </p:txBody>
+      </p:sp>
+      <p:sp>
+        <p:nvSpPr>
+          <p:cNvPr id="34" name="사각형: 둥근 모서리 33">
+            <a:extLst>
+              <a:ext uri="{FF2B5EF4-FFF2-40B4-BE49-F238E27FC236}">
+                <a16:creationId xmlns:a16="http://schemas.microsoft.com/office/drawing/2014/main" id="{181C613B-D4FA-408A-9EBA-69D88236E67A}"/>
+              </a:ext>
+            </a:extLst>
+          </p:cNvPr>
+          <p:cNvSpPr/>
+          <p:nvPr/>
+        </p:nvSpPr>
+        <p:spPr>
+          <a:xfrm>
+            <a:off x="3059832" y="4075238"/>
+            <a:ext cx="1440160" cy="239182"/>
+          </a:xfrm>
+          <a:prstGeom prst="roundRect">
+            <a:avLst>
+              <a:gd name="adj" fmla="val 0"/>
+            </a:avLst>
+          </a:prstGeom>
+        </p:spPr>
+        <p:style>
+          <a:lnRef idx="2">
+            <a:schemeClr val="dk1"/>
+          </a:lnRef>
+          <a:fillRef idx="1">
+            <a:schemeClr val="lt1"/>
+          </a:fillRef>
+          <a:effectRef idx="0">
+            <a:schemeClr val="dk1"/>
+          </a:effectRef>
+          <a:fontRef idx="minor">
+            <a:schemeClr val="dk1"/>
+          </a:fontRef>
+        </p:style>
+        <p:txBody>
+          <a:bodyPr rtlCol="0" anchor="ctr"/>
+          <a:lstStyle/>
+          <a:p>
+            <a:pPr algn="ctr"/>
+            <a:r>
+              <a:rPr lang="en-US" altLang="ko-KR" sz="1200"/>
+              <a:t>TIME_WAIT</a:t>
+            </a:r>
+          </a:p>
+        </p:txBody>
+      </p:sp>
+      <p:sp>
+        <p:nvSpPr>
+          <p:cNvPr id="35" name="사각형: 둥근 모서리 34">
+            <a:extLst>
+              <a:ext uri="{FF2B5EF4-FFF2-40B4-BE49-F238E27FC236}">
+                <a16:creationId xmlns:a16="http://schemas.microsoft.com/office/drawing/2014/main" id="{DB3ECFC2-664C-4E1F-92C1-32BF63BACD9C}"/>
+              </a:ext>
+            </a:extLst>
+          </p:cNvPr>
+          <p:cNvSpPr/>
+          <p:nvPr/>
+        </p:nvSpPr>
+        <p:spPr>
+          <a:xfrm>
+            <a:off x="467544" y="4075238"/>
+            <a:ext cx="1440160" cy="239182"/>
+          </a:xfrm>
+          <a:prstGeom prst="roundRect">
+            <a:avLst>
+              <a:gd name="adj" fmla="val 0"/>
+            </a:avLst>
+          </a:prstGeom>
+        </p:spPr>
+        <p:style>
+          <a:lnRef idx="2">
+            <a:schemeClr val="dk1"/>
+          </a:lnRef>
+          <a:fillRef idx="1">
+            <a:schemeClr val="lt1"/>
+          </a:fillRef>
+          <a:effectRef idx="0">
+            <a:schemeClr val="dk1"/>
+          </a:effectRef>
+          <a:fontRef idx="minor">
+            <a:schemeClr val="dk1"/>
+          </a:fontRef>
+        </p:style>
+        <p:txBody>
+          <a:bodyPr rtlCol="0" anchor="ctr"/>
+          <a:lstStyle/>
+          <a:p>
+            <a:pPr algn="ctr"/>
+            <a:r>
+              <a:rPr lang="en-US" altLang="ko-KR" sz="1200"/>
+              <a:t>FIN_WAIT_2</a:t>
+            </a:r>
+          </a:p>
+        </p:txBody>
+      </p:sp>
+      <p:sp>
+        <p:nvSpPr>
+          <p:cNvPr id="36" name="사각형: 둥근 모서리 35">
+            <a:extLst>
+              <a:ext uri="{FF2B5EF4-FFF2-40B4-BE49-F238E27FC236}">
+                <a16:creationId xmlns:a16="http://schemas.microsoft.com/office/drawing/2014/main" id="{55F0D30C-46C0-45EC-889B-097AE75747EB}"/>
+              </a:ext>
+            </a:extLst>
+          </p:cNvPr>
+          <p:cNvSpPr/>
+          <p:nvPr/>
+        </p:nvSpPr>
+        <p:spPr>
+          <a:xfrm>
+            <a:off x="467544" y="3358630"/>
+            <a:ext cx="1440160" cy="239182"/>
+          </a:xfrm>
+          <a:prstGeom prst="roundRect">
+            <a:avLst>
+              <a:gd name="adj" fmla="val 0"/>
+            </a:avLst>
+          </a:prstGeom>
+        </p:spPr>
+        <p:style>
+          <a:lnRef idx="2">
+            <a:schemeClr val="dk1"/>
+          </a:lnRef>
+          <a:fillRef idx="1">
+            <a:schemeClr val="lt1"/>
+          </a:fillRef>
+          <a:effectRef idx="0">
+            <a:schemeClr val="dk1"/>
+          </a:effectRef>
+          <a:fontRef idx="minor">
+            <a:schemeClr val="dk1"/>
+          </a:fontRef>
+        </p:style>
+        <p:txBody>
+          <a:bodyPr rtlCol="0" anchor="ctr"/>
+          <a:lstStyle/>
+          <a:p>
+            <a:pPr algn="ctr"/>
+            <a:r>
+              <a:rPr lang="en-US" altLang="ko-KR" sz="1200"/>
+              <a:t>FIN_WAIT_1</a:t>
+            </a:r>
+          </a:p>
+        </p:txBody>
+      </p:sp>
+      <p:sp>
+        <p:nvSpPr>
+          <p:cNvPr id="38" name="사각형: 둥근 모서리 37">
+            <a:extLst>
+              <a:ext uri="{FF2B5EF4-FFF2-40B4-BE49-F238E27FC236}">
+                <a16:creationId xmlns:a16="http://schemas.microsoft.com/office/drawing/2014/main" id="{0594AE47-7335-4093-9662-72446E5B91F1}"/>
+              </a:ext>
+            </a:extLst>
+          </p:cNvPr>
+          <p:cNvSpPr/>
+          <p:nvPr/>
+        </p:nvSpPr>
+        <p:spPr>
+          <a:xfrm>
+            <a:off x="5652122" y="1920206"/>
+            <a:ext cx="1440160" cy="239182"/>
+          </a:xfrm>
+          <a:prstGeom prst="roundRect">
+            <a:avLst>
+              <a:gd name="adj" fmla="val 0"/>
+            </a:avLst>
+          </a:prstGeom>
+        </p:spPr>
+        <p:style>
+          <a:lnRef idx="2">
+            <a:schemeClr val="dk1"/>
+          </a:lnRef>
+          <a:fillRef idx="1">
+            <a:schemeClr val="lt1"/>
+          </a:fillRef>
+          <a:effectRef idx="0">
+            <a:schemeClr val="dk1"/>
+          </a:effectRef>
+          <a:fontRef idx="minor">
+            <a:schemeClr val="dk1"/>
+          </a:fontRef>
+        </p:style>
+        <p:txBody>
+          <a:bodyPr rtlCol="0" anchor="ctr"/>
+          <a:lstStyle/>
+          <a:p>
+            <a:pPr algn="ctr"/>
+            <a:r>
+              <a:rPr lang="en-US" altLang="ko-KR" sz="1200"/>
+              <a:t>SYN_SENT</a:t>
+            </a:r>
+          </a:p>
+        </p:txBody>
+      </p:sp>
+      <p:sp>
+        <p:nvSpPr>
+          <p:cNvPr id="40" name="사각형: 둥근 모서리 39">
+            <a:extLst>
+              <a:ext uri="{FF2B5EF4-FFF2-40B4-BE49-F238E27FC236}">
+                <a16:creationId xmlns:a16="http://schemas.microsoft.com/office/drawing/2014/main" id="{9CEF0EF0-18B2-4865-B291-91AD5AE3544E}"/>
+              </a:ext>
+            </a:extLst>
+          </p:cNvPr>
+          <p:cNvSpPr/>
+          <p:nvPr/>
+        </p:nvSpPr>
+        <p:spPr>
+          <a:xfrm>
+            <a:off x="5652122" y="2638550"/>
+            <a:ext cx="1440160" cy="239182"/>
+          </a:xfrm>
+          <a:prstGeom prst="roundRect">
+            <a:avLst>
+              <a:gd name="adj" fmla="val 0"/>
+            </a:avLst>
+          </a:prstGeom>
+        </p:spPr>
+        <p:style>
+          <a:lnRef idx="2">
+            <a:schemeClr val="dk1"/>
+          </a:lnRef>
+          <a:fillRef idx="1">
+            <a:schemeClr val="lt1"/>
+          </a:fillRef>
+          <a:effectRef idx="0">
+            <a:schemeClr val="dk1"/>
+          </a:effectRef>
+          <a:fontRef idx="minor">
+            <a:schemeClr val="dk1"/>
+          </a:fontRef>
+        </p:style>
+        <p:txBody>
+          <a:bodyPr rtlCol="0" anchor="ctr"/>
+          <a:lstStyle/>
+          <a:p>
+            <a:pPr algn="ctr"/>
+            <a:r>
+              <a:rPr lang="en-US" altLang="ko-KR" sz="1200"/>
+              <a:t>CLOSE_WAIT</a:t>
+            </a:r>
+          </a:p>
+        </p:txBody>
+      </p:sp>
+      <p:sp>
+        <p:nvSpPr>
+          <p:cNvPr id="41" name="사각형: 둥근 모서리 40">
+            <a:extLst>
+              <a:ext uri="{FF2B5EF4-FFF2-40B4-BE49-F238E27FC236}">
+                <a16:creationId xmlns:a16="http://schemas.microsoft.com/office/drawing/2014/main" id="{C3A8A6D2-B86D-4159-A0BB-11FEC97BFB0C}"/>
+              </a:ext>
+            </a:extLst>
+          </p:cNvPr>
+          <p:cNvSpPr/>
+          <p:nvPr/>
+        </p:nvSpPr>
+        <p:spPr>
+          <a:xfrm>
+            <a:off x="5652122" y="3356894"/>
+            <a:ext cx="1440160" cy="239182"/>
+          </a:xfrm>
+          <a:prstGeom prst="roundRect">
+            <a:avLst>
+              <a:gd name="adj" fmla="val 0"/>
+            </a:avLst>
+          </a:prstGeom>
+        </p:spPr>
+        <p:style>
+          <a:lnRef idx="2">
+            <a:schemeClr val="dk1"/>
+          </a:lnRef>
+          <a:fillRef idx="1">
+            <a:schemeClr val="lt1"/>
+          </a:fillRef>
+          <a:effectRef idx="0">
+            <a:schemeClr val="dk1"/>
+          </a:effectRef>
+          <a:fontRef idx="minor">
+            <a:schemeClr val="dk1"/>
+          </a:fontRef>
+        </p:style>
+        <p:txBody>
+          <a:bodyPr rtlCol="0" anchor="ctr"/>
+          <a:lstStyle/>
+          <a:p>
+            <a:pPr algn="ctr"/>
+            <a:r>
+              <a:rPr lang="en-US" altLang="ko-KR" sz="1200"/>
+              <a:t>LAST_ACK</a:t>
+            </a:r>
+          </a:p>
+        </p:txBody>
+      </p:sp>
+      <p:cxnSp>
+        <p:nvCxnSpPr>
+          <p:cNvPr id="5" name="직선 화살표 연결선 4">
+            <a:extLst>
+              <a:ext uri="{FF2B5EF4-FFF2-40B4-BE49-F238E27FC236}">
+                <a16:creationId xmlns:a16="http://schemas.microsoft.com/office/drawing/2014/main" id="{828502FB-803D-4490-B9E7-EBABEBAD5806}"/>
+              </a:ext>
+            </a:extLst>
+          </p:cNvPr>
+          <p:cNvCxnSpPr>
+            <a:cxnSpLocks/>
+          </p:cNvCxnSpPr>
+          <p:nvPr/>
+        </p:nvCxnSpPr>
+        <p:spPr>
+          <a:xfrm flipH="1">
+            <a:off x="1907704" y="1203598"/>
+            <a:ext cx="1152128" cy="718344"/>
+          </a:xfrm>
+          <a:prstGeom prst="straightConnector1">
+            <a:avLst/>
+          </a:prstGeom>
+          <a:ln w="12700" cap="flat" cmpd="sng" algn="ctr">
+            <a:solidFill>
+              <a:srgbClr val="C00000"/>
+            </a:solidFill>
+            <a:prstDash val="solid"/>
+            <a:round/>
+            <a:headEnd type="none" w="med" len="med"/>
+            <a:tailEnd type="arrow" w="med" len="med"/>
+          </a:ln>
+        </p:spPr>
+        <p:style>
+          <a:lnRef idx="0">
+            <a:scrgbClr r="0" g="0" b="0"/>
+          </a:lnRef>
+          <a:fillRef idx="0">
+            <a:scrgbClr r="0" g="0" b="0"/>
+          </a:fillRef>
+          <a:effectRef idx="0">
+            <a:scrgbClr r="0" g="0" b="0"/>
+          </a:effectRef>
+          <a:fontRef idx="minor">
+            <a:schemeClr val="tx1"/>
+          </a:fontRef>
+        </p:style>
+      </p:cxnSp>
+      <p:cxnSp>
+        <p:nvCxnSpPr>
+          <p:cNvPr id="42" name="직선 화살표 연결선 41">
+            <a:extLst>
+              <a:ext uri="{FF2B5EF4-FFF2-40B4-BE49-F238E27FC236}">
+                <a16:creationId xmlns:a16="http://schemas.microsoft.com/office/drawing/2014/main" id="{858E6F85-B91D-49DD-94D6-2EE9668AC563}"/>
+              </a:ext>
+            </a:extLst>
+          </p:cNvPr>
+          <p:cNvCxnSpPr>
+            <a:cxnSpLocks/>
+          </p:cNvCxnSpPr>
+          <p:nvPr/>
+        </p:nvCxnSpPr>
+        <p:spPr>
+          <a:xfrm flipV="1">
+            <a:off x="3491880" y="1441044"/>
+            <a:ext cx="0" cy="1197506"/>
+          </a:xfrm>
+          <a:prstGeom prst="straightConnector1">
+            <a:avLst/>
+          </a:prstGeom>
+          <a:ln w="12700" cap="flat" cmpd="sng" algn="ctr">
+            <a:solidFill>
+              <a:srgbClr val="C00000"/>
+            </a:solidFill>
+            <a:prstDash val="solid"/>
+            <a:round/>
+            <a:headEnd type="none" w="med" len="med"/>
+            <a:tailEnd type="arrow" w="med" len="med"/>
+          </a:ln>
+        </p:spPr>
+        <p:style>
+          <a:lnRef idx="0">
+            <a:scrgbClr r="0" g="0" b="0"/>
+          </a:lnRef>
+          <a:fillRef idx="0">
+            <a:scrgbClr r="0" g="0" b="0"/>
+          </a:fillRef>
+          <a:effectRef idx="0">
+            <a:scrgbClr r="0" g="0" b="0"/>
+          </a:effectRef>
+          <a:fontRef idx="minor">
+            <a:schemeClr val="tx1"/>
+          </a:fontRef>
+        </p:style>
+      </p:cxnSp>
+      <p:cxnSp>
+        <p:nvCxnSpPr>
+          <p:cNvPr id="46" name="직선 화살표 연결선 45">
+            <a:extLst>
+              <a:ext uri="{FF2B5EF4-FFF2-40B4-BE49-F238E27FC236}">
+                <a16:creationId xmlns:a16="http://schemas.microsoft.com/office/drawing/2014/main" id="{AA779E4D-0F64-4880-9B61-467BD7D4E348}"/>
+              </a:ext>
+            </a:extLst>
+          </p:cNvPr>
+          <p:cNvCxnSpPr>
+            <a:cxnSpLocks/>
+            <a:stCxn id="27" idx="2"/>
+            <a:endCxn id="28" idx="0"/>
+          </p:cNvCxnSpPr>
+          <p:nvPr/>
+        </p:nvCxnSpPr>
+        <p:spPr>
+          <a:xfrm>
+            <a:off x="3779912" y="722700"/>
+            <a:ext cx="0" cy="479162"/>
+          </a:xfrm>
+          <a:prstGeom prst="straightConnector1">
+            <a:avLst/>
+          </a:prstGeom>
+          <a:ln w="12700" cap="flat" cmpd="sng" algn="ctr">
+            <a:solidFill>
+              <a:srgbClr val="C00000"/>
+            </a:solidFill>
+            <a:prstDash val="solid"/>
+            <a:round/>
+            <a:headEnd type="none" w="med" len="med"/>
+            <a:tailEnd type="arrow" w="med" len="med"/>
+          </a:ln>
+        </p:spPr>
+        <p:style>
+          <a:lnRef idx="0">
+            <a:scrgbClr r="0" g="0" b="0"/>
+          </a:lnRef>
+          <a:fillRef idx="0">
+            <a:scrgbClr r="0" g="0" b="0"/>
+          </a:fillRef>
+          <a:effectRef idx="0">
+            <a:scrgbClr r="0" g="0" b="0"/>
+          </a:effectRef>
+          <a:fontRef idx="minor">
+            <a:schemeClr val="tx1"/>
+          </a:fontRef>
+        </p:style>
+      </p:cxnSp>
+      <p:sp>
+        <p:nvSpPr>
+          <p:cNvPr id="13" name="자유형: 도형 12">
+            <a:extLst>
+              <a:ext uri="{FF2B5EF4-FFF2-40B4-BE49-F238E27FC236}">
+                <a16:creationId xmlns:a16="http://schemas.microsoft.com/office/drawing/2014/main" id="{44EB11E6-E993-44C2-BC6E-FA2377FB9FA5}"/>
+              </a:ext>
+            </a:extLst>
+          </p:cNvPr>
+          <p:cNvSpPr/>
+          <p:nvPr/>
+        </p:nvSpPr>
+        <p:spPr>
+          <a:xfrm>
+            <a:off x="1187623" y="603109"/>
+            <a:ext cx="1858275" cy="1317097"/>
+          </a:xfrm>
+          <a:custGeom>
+            <a:avLst/>
+            <a:gdLst>
+              <a:gd name="connsiteX0" fmla="*/ 0 w 1841412"/>
+              <a:gd name="connsiteY0" fmla="*/ 744132 h 744132"/>
+              <a:gd name="connsiteX1" fmla="*/ 0 w 1841412"/>
+              <a:gd name="connsiteY1" fmla="*/ 0 h 744132"/>
+              <a:gd name="connsiteX2" fmla="*/ 1841412 w 1841412"/>
+              <a:gd name="connsiteY2" fmla="*/ 0 h 744132"/>
+            </a:gdLst>
+            <a:ahLst/>
+            <a:cxnLst>
+              <a:cxn ang="0">
+                <a:pos x="connsiteX0" y="connsiteY0"/>
+              </a:cxn>
+              <a:cxn ang="0">
+                <a:pos x="connsiteX1" y="connsiteY1"/>
+              </a:cxn>
+              <a:cxn ang="0">
+                <a:pos x="connsiteX2" y="connsiteY2"/>
+              </a:cxn>
+            </a:cxnLst>
+            <a:rect l="l" t="t" r="r" b="b"/>
+            <a:pathLst>
+              <a:path w="1841412" h="744132">
+                <a:moveTo>
+                  <a:pt x="0" y="744132"/>
+                </a:moveTo>
+                <a:lnTo>
+                  <a:pt x="0" y="0"/>
+                </a:lnTo>
+                <a:lnTo>
+                  <a:pt x="1841412" y="0"/>
+                </a:lnTo>
+              </a:path>
+            </a:pathLst>
+          </a:custGeom>
+          <a:ln w="12700" cap="flat" cmpd="sng" algn="ctr">
+            <a:solidFill>
+              <a:srgbClr val="C00000"/>
+            </a:solidFill>
+            <a:prstDash val="solid"/>
+            <a:round/>
+            <a:headEnd type="none" w="med" len="med"/>
+            <a:tailEnd type="arrow" w="med" len="med"/>
+          </a:ln>
+        </p:spPr>
+        <p:style>
+          <a:lnRef idx="0">
+            <a:scrgbClr r="0" g="0" b="0"/>
+          </a:lnRef>
+          <a:fillRef idx="0">
+            <a:scrgbClr r="0" g="0" b="0"/>
+          </a:fillRef>
+          <a:effectRef idx="0">
+            <a:scrgbClr r="0" g="0" b="0"/>
+          </a:effectRef>
+          <a:fontRef idx="minor">
+            <a:schemeClr val="tx1"/>
+          </a:fontRef>
+        </p:style>
+        <p:txBody>
+          <a:bodyPr rtlCol="0" anchor="ctr"/>
+          <a:lstStyle/>
+          <a:p>
+            <a:pPr algn="ctr"/>
+            <a:endParaRPr lang="ko-KR" altLang="en-US"/>
+          </a:p>
+        </p:txBody>
+      </p:sp>
+      <p:cxnSp>
+        <p:nvCxnSpPr>
+          <p:cNvPr id="53" name="직선 화살표 연결선 52">
+            <a:extLst>
+              <a:ext uri="{FF2B5EF4-FFF2-40B4-BE49-F238E27FC236}">
+                <a16:creationId xmlns:a16="http://schemas.microsoft.com/office/drawing/2014/main" id="{DF39F723-15DE-48C6-B20B-9123A8327A00}"/>
+              </a:ext>
+            </a:extLst>
+          </p:cNvPr>
+          <p:cNvCxnSpPr>
+            <a:cxnSpLocks/>
+            <a:stCxn id="30" idx="3"/>
+            <a:endCxn id="28" idx="1"/>
+          </p:cNvCxnSpPr>
+          <p:nvPr/>
+        </p:nvCxnSpPr>
+        <p:spPr>
+          <a:xfrm flipV="1">
+            <a:off x="1907704" y="1321453"/>
+            <a:ext cx="1152128" cy="718344"/>
+          </a:xfrm>
+          <a:prstGeom prst="straightConnector1">
+            <a:avLst/>
+          </a:prstGeom>
+          <a:ln w="12700" cap="flat" cmpd="sng" algn="ctr">
+            <a:solidFill>
+              <a:schemeClr val="tx2"/>
+            </a:solidFill>
+            <a:prstDash val="solid"/>
+            <a:round/>
+            <a:headEnd type="none" w="med" len="med"/>
+            <a:tailEnd type="arrow" w="med" len="med"/>
+          </a:ln>
+        </p:spPr>
+        <p:style>
+          <a:lnRef idx="0">
+            <a:scrgbClr r="0" g="0" b="0"/>
+          </a:lnRef>
+          <a:fillRef idx="0">
+            <a:scrgbClr r="0" g="0" b="0"/>
+          </a:fillRef>
+          <a:effectRef idx="0">
+            <a:scrgbClr r="0" g="0" b="0"/>
+          </a:effectRef>
+          <a:fontRef idx="minor">
+            <a:schemeClr val="tx1"/>
+          </a:fontRef>
+        </p:style>
+      </p:cxnSp>
+      <p:cxnSp>
+        <p:nvCxnSpPr>
+          <p:cNvPr id="56" name="직선 화살표 연결선 55">
+            <a:extLst>
+              <a:ext uri="{FF2B5EF4-FFF2-40B4-BE49-F238E27FC236}">
+                <a16:creationId xmlns:a16="http://schemas.microsoft.com/office/drawing/2014/main" id="{40AFCB21-0998-4504-9824-038C69E4C657}"/>
+              </a:ext>
+            </a:extLst>
+          </p:cNvPr>
+          <p:cNvCxnSpPr>
+            <a:cxnSpLocks/>
+            <a:stCxn id="30" idx="3"/>
+            <a:endCxn id="31" idx="1"/>
+          </p:cNvCxnSpPr>
+          <p:nvPr/>
+        </p:nvCxnSpPr>
+        <p:spPr>
+          <a:xfrm>
+            <a:off x="1907704" y="2039797"/>
+            <a:ext cx="1152128" cy="718344"/>
+          </a:xfrm>
+          <a:prstGeom prst="straightConnector1">
+            <a:avLst/>
+          </a:prstGeom>
+          <a:ln w="12700" cap="flat" cmpd="sng" algn="ctr">
+            <a:solidFill>
+              <a:schemeClr val="tx2"/>
+            </a:solidFill>
+            <a:prstDash val="solid"/>
+            <a:round/>
+            <a:headEnd type="none" w="med" len="med"/>
+            <a:tailEnd type="arrow" w="med" len="med"/>
+          </a:ln>
+        </p:spPr>
+        <p:style>
+          <a:lnRef idx="0">
+            <a:scrgbClr r="0" g="0" b="0"/>
+          </a:lnRef>
+          <a:fillRef idx="0">
+            <a:scrgbClr r="0" g="0" b="0"/>
+          </a:fillRef>
+          <a:effectRef idx="0">
+            <a:scrgbClr r="0" g="0" b="0"/>
+          </a:effectRef>
+          <a:fontRef idx="minor">
+            <a:schemeClr val="tx1"/>
+          </a:fontRef>
+        </p:style>
+      </p:cxnSp>
+      <p:cxnSp>
+        <p:nvCxnSpPr>
+          <p:cNvPr id="59" name="직선 화살표 연결선 58">
+            <a:extLst>
+              <a:ext uri="{FF2B5EF4-FFF2-40B4-BE49-F238E27FC236}">
+                <a16:creationId xmlns:a16="http://schemas.microsoft.com/office/drawing/2014/main" id="{177F4922-C888-4828-9AC0-CC1BDD47A16F}"/>
+              </a:ext>
+            </a:extLst>
+          </p:cNvPr>
+          <p:cNvCxnSpPr>
+            <a:cxnSpLocks/>
+          </p:cNvCxnSpPr>
+          <p:nvPr/>
+        </p:nvCxnSpPr>
+        <p:spPr>
+          <a:xfrm>
+            <a:off x="1907704" y="1923678"/>
+            <a:ext cx="1152128" cy="718344"/>
+          </a:xfrm>
+          <a:prstGeom prst="straightConnector1">
+            <a:avLst/>
+          </a:prstGeom>
+          <a:ln w="12700" cap="flat" cmpd="sng" algn="ctr">
+            <a:solidFill>
+              <a:srgbClr val="C00000"/>
+            </a:solidFill>
+            <a:prstDash val="solid"/>
+            <a:round/>
+            <a:headEnd type="none" w="med" len="med"/>
+            <a:tailEnd type="arrow" w="med" len="med"/>
+          </a:ln>
+        </p:spPr>
+        <p:style>
+          <a:lnRef idx="0">
+            <a:scrgbClr r="0" g="0" b="0"/>
+          </a:lnRef>
+          <a:fillRef idx="0">
+            <a:scrgbClr r="0" g="0" b="0"/>
+          </a:fillRef>
+          <a:effectRef idx="0">
+            <a:scrgbClr r="0" g="0" b="0"/>
+          </a:effectRef>
+          <a:fontRef idx="minor">
+            <a:schemeClr val="tx1"/>
+          </a:fontRef>
+        </p:style>
+      </p:cxnSp>
+      <p:cxnSp>
+        <p:nvCxnSpPr>
+          <p:cNvPr id="63" name="직선 화살표 연결선 62">
+            <a:extLst>
+              <a:ext uri="{FF2B5EF4-FFF2-40B4-BE49-F238E27FC236}">
+                <a16:creationId xmlns:a16="http://schemas.microsoft.com/office/drawing/2014/main" id="{EE6F3CF6-F45E-469A-83F3-8DB697388888}"/>
+              </a:ext>
+            </a:extLst>
+          </p:cNvPr>
+          <p:cNvCxnSpPr>
+            <a:cxnSpLocks/>
+            <a:stCxn id="30" idx="2"/>
+            <a:endCxn id="36" idx="0"/>
+          </p:cNvCxnSpPr>
+          <p:nvPr/>
+        </p:nvCxnSpPr>
+        <p:spPr>
+          <a:xfrm>
+            <a:off x="1187624" y="2159388"/>
+            <a:ext cx="0" cy="1199242"/>
+          </a:xfrm>
+          <a:prstGeom prst="straightConnector1">
+            <a:avLst/>
+          </a:prstGeom>
+          <a:ln w="12700" cap="flat" cmpd="sng" algn="ctr">
+            <a:solidFill>
+              <a:schemeClr val="tx2"/>
+            </a:solidFill>
+            <a:prstDash val="solid"/>
+            <a:round/>
+            <a:headEnd type="none" w="med" len="med"/>
+            <a:tailEnd type="arrow" w="med" len="med"/>
+          </a:ln>
+        </p:spPr>
+        <p:style>
+          <a:lnRef idx="0">
+            <a:scrgbClr r="0" g="0" b="0"/>
+          </a:lnRef>
+          <a:fillRef idx="0">
+            <a:scrgbClr r="0" g="0" b="0"/>
+          </a:fillRef>
+          <a:effectRef idx="0">
+            <a:scrgbClr r="0" g="0" b="0"/>
+          </a:effectRef>
+          <a:fontRef idx="minor">
+            <a:schemeClr val="tx1"/>
+          </a:fontRef>
+        </p:style>
+      </p:cxnSp>
+      <p:cxnSp>
+        <p:nvCxnSpPr>
+          <p:cNvPr id="67" name="직선 화살표 연결선 66">
+            <a:extLst>
+              <a:ext uri="{FF2B5EF4-FFF2-40B4-BE49-F238E27FC236}">
+                <a16:creationId xmlns:a16="http://schemas.microsoft.com/office/drawing/2014/main" id="{EA05FBC1-F6F8-4A2E-B17B-9362139896B9}"/>
+              </a:ext>
+            </a:extLst>
+          </p:cNvPr>
+          <p:cNvCxnSpPr>
+            <a:cxnSpLocks/>
+            <a:stCxn id="36" idx="2"/>
+            <a:endCxn id="35" idx="0"/>
+          </p:cNvCxnSpPr>
+          <p:nvPr/>
+        </p:nvCxnSpPr>
+        <p:spPr>
+          <a:xfrm>
+            <a:off x="1187624" y="3597812"/>
+            <a:ext cx="0" cy="477426"/>
+          </a:xfrm>
+          <a:prstGeom prst="straightConnector1">
+            <a:avLst/>
+          </a:prstGeom>
+          <a:ln w="12700" cap="flat" cmpd="sng" algn="ctr">
+            <a:solidFill>
+              <a:schemeClr val="tx2"/>
+            </a:solidFill>
+            <a:prstDash val="solid"/>
+            <a:round/>
+            <a:headEnd type="none" w="med" len="med"/>
+            <a:tailEnd type="arrow" w="med" len="med"/>
+          </a:ln>
+        </p:spPr>
+        <p:style>
+          <a:lnRef idx="0">
+            <a:scrgbClr r="0" g="0" b="0"/>
+          </a:lnRef>
+          <a:fillRef idx="0">
+            <a:scrgbClr r="0" g="0" b="0"/>
+          </a:fillRef>
+          <a:effectRef idx="0">
+            <a:scrgbClr r="0" g="0" b="0"/>
+          </a:effectRef>
+          <a:fontRef idx="minor">
+            <a:schemeClr val="tx1"/>
+          </a:fontRef>
+        </p:style>
+      </p:cxnSp>
+      <p:cxnSp>
+        <p:nvCxnSpPr>
+          <p:cNvPr id="70" name="직선 화살표 연결선 69">
+            <a:extLst>
+              <a:ext uri="{FF2B5EF4-FFF2-40B4-BE49-F238E27FC236}">
+                <a16:creationId xmlns:a16="http://schemas.microsoft.com/office/drawing/2014/main" id="{2D06A8C8-9066-4253-BC6C-F09C21E8C6EF}"/>
+              </a:ext>
+            </a:extLst>
+          </p:cNvPr>
+          <p:cNvCxnSpPr>
+            <a:cxnSpLocks/>
+            <a:stCxn id="36" idx="3"/>
+            <a:endCxn id="34" idx="1"/>
+          </p:cNvCxnSpPr>
+          <p:nvPr/>
+        </p:nvCxnSpPr>
+        <p:spPr>
+          <a:xfrm>
+            <a:off x="1907704" y="3478221"/>
+            <a:ext cx="1152128" cy="716608"/>
+          </a:xfrm>
+          <a:prstGeom prst="straightConnector1">
+            <a:avLst/>
+          </a:prstGeom>
+          <a:ln w="12700" cap="flat" cmpd="sng" algn="ctr">
+            <a:solidFill>
+              <a:schemeClr val="tx2"/>
+            </a:solidFill>
+            <a:prstDash val="solid"/>
+            <a:round/>
+            <a:headEnd type="none" w="med" len="med"/>
+            <a:tailEnd type="arrow" w="med" len="med"/>
+          </a:ln>
+        </p:spPr>
+        <p:style>
+          <a:lnRef idx="0">
+            <a:scrgbClr r="0" g="0" b="0"/>
+          </a:lnRef>
+          <a:fillRef idx="0">
+            <a:scrgbClr r="0" g="0" b="0"/>
+          </a:fillRef>
+          <a:effectRef idx="0">
+            <a:scrgbClr r="0" g="0" b="0"/>
+          </a:effectRef>
+          <a:fontRef idx="minor">
+            <a:schemeClr val="tx1"/>
+          </a:fontRef>
+        </p:style>
+      </p:cxnSp>
+      <p:cxnSp>
+        <p:nvCxnSpPr>
+          <p:cNvPr id="72" name="직선 화살표 연결선 71">
+            <a:extLst>
+              <a:ext uri="{FF2B5EF4-FFF2-40B4-BE49-F238E27FC236}">
+                <a16:creationId xmlns:a16="http://schemas.microsoft.com/office/drawing/2014/main" id="{18269EF2-7167-4E8E-92DB-0348D2BF7695}"/>
+              </a:ext>
+            </a:extLst>
+          </p:cNvPr>
+          <p:cNvCxnSpPr>
+            <a:cxnSpLocks/>
+            <a:stCxn id="35" idx="3"/>
+            <a:endCxn id="34" idx="1"/>
+          </p:cNvCxnSpPr>
+          <p:nvPr/>
+        </p:nvCxnSpPr>
+        <p:spPr>
+          <a:xfrm>
+            <a:off x="1907704" y="4194829"/>
+            <a:ext cx="1152128" cy="0"/>
+          </a:xfrm>
+          <a:prstGeom prst="straightConnector1">
+            <a:avLst/>
+          </a:prstGeom>
+          <a:ln w="12700" cap="flat" cmpd="sng" algn="ctr">
+            <a:solidFill>
+              <a:schemeClr val="tx2"/>
+            </a:solidFill>
+            <a:prstDash val="solid"/>
+            <a:round/>
+            <a:headEnd type="none" w="med" len="med"/>
+            <a:tailEnd type="arrow" w="med" len="med"/>
+          </a:ln>
+        </p:spPr>
+        <p:style>
+          <a:lnRef idx="0">
+            <a:scrgbClr r="0" g="0" b="0"/>
+          </a:lnRef>
+          <a:fillRef idx="0">
+            <a:scrgbClr r="0" g="0" b="0"/>
+          </a:fillRef>
+          <a:effectRef idx="0">
+            <a:scrgbClr r="0" g="0" b="0"/>
+          </a:effectRef>
+          <a:fontRef idx="minor">
+            <a:schemeClr val="tx1"/>
+          </a:fontRef>
+        </p:style>
+      </p:cxnSp>
+      <p:cxnSp>
+        <p:nvCxnSpPr>
+          <p:cNvPr id="75" name="직선 화살표 연결선 74">
+            <a:extLst>
+              <a:ext uri="{FF2B5EF4-FFF2-40B4-BE49-F238E27FC236}">
+                <a16:creationId xmlns:a16="http://schemas.microsoft.com/office/drawing/2014/main" id="{43B2D3CC-725B-4803-B83A-B843FA7BDDA5}"/>
+              </a:ext>
+            </a:extLst>
+          </p:cNvPr>
+          <p:cNvCxnSpPr>
+            <a:cxnSpLocks/>
+            <a:stCxn id="36" idx="3"/>
+            <a:endCxn id="33" idx="1"/>
+          </p:cNvCxnSpPr>
+          <p:nvPr/>
+        </p:nvCxnSpPr>
+        <p:spPr>
+          <a:xfrm>
+            <a:off x="1907704" y="3478221"/>
+            <a:ext cx="1152128" cy="0"/>
+          </a:xfrm>
+          <a:prstGeom prst="straightConnector1">
+            <a:avLst/>
+          </a:prstGeom>
+          <a:ln w="12700" cap="flat" cmpd="sng" algn="ctr">
+            <a:solidFill>
+              <a:schemeClr val="tx2"/>
+            </a:solidFill>
+            <a:prstDash val="solid"/>
+            <a:round/>
+            <a:headEnd type="none" w="med" len="med"/>
+            <a:tailEnd type="arrow" w="med" len="med"/>
+          </a:ln>
+        </p:spPr>
+        <p:style>
+          <a:lnRef idx="0">
+            <a:scrgbClr r="0" g="0" b="0"/>
+          </a:lnRef>
+          <a:fillRef idx="0">
+            <a:scrgbClr r="0" g="0" b="0"/>
+          </a:fillRef>
+          <a:effectRef idx="0">
+            <a:scrgbClr r="0" g="0" b="0"/>
+          </a:effectRef>
+          <a:fontRef idx="minor">
+            <a:schemeClr val="tx1"/>
+          </a:fontRef>
+        </p:style>
+      </p:cxnSp>
+      <p:cxnSp>
+        <p:nvCxnSpPr>
+          <p:cNvPr id="78" name="직선 화살표 연결선 77">
+            <a:extLst>
+              <a:ext uri="{FF2B5EF4-FFF2-40B4-BE49-F238E27FC236}">
+                <a16:creationId xmlns:a16="http://schemas.microsoft.com/office/drawing/2014/main" id="{654C4A23-09F2-4EA4-A630-657370B0B981}"/>
+              </a:ext>
+            </a:extLst>
+          </p:cNvPr>
+          <p:cNvCxnSpPr>
+            <a:cxnSpLocks/>
+            <a:stCxn id="33" idx="2"/>
+            <a:endCxn id="34" idx="0"/>
+          </p:cNvCxnSpPr>
+          <p:nvPr/>
+        </p:nvCxnSpPr>
+        <p:spPr>
+          <a:xfrm>
+            <a:off x="3779912" y="3597812"/>
+            <a:ext cx="0" cy="477426"/>
+          </a:xfrm>
+          <a:prstGeom prst="straightConnector1">
+            <a:avLst/>
+          </a:prstGeom>
+          <a:ln w="12700" cap="flat" cmpd="sng" algn="ctr">
+            <a:solidFill>
+              <a:schemeClr val="tx2"/>
+            </a:solidFill>
+            <a:prstDash val="solid"/>
+            <a:round/>
+            <a:headEnd type="none" w="med" len="med"/>
+            <a:tailEnd type="arrow" w="med" len="med"/>
+          </a:ln>
+        </p:spPr>
+        <p:style>
+          <a:lnRef idx="0">
+            <a:scrgbClr r="0" g="0" b="0"/>
+          </a:lnRef>
+          <a:fillRef idx="0">
+            <a:scrgbClr r="0" g="0" b="0"/>
+          </a:fillRef>
+          <a:effectRef idx="0">
+            <a:scrgbClr r="0" g="0" b="0"/>
+          </a:effectRef>
+          <a:fontRef idx="minor">
+            <a:schemeClr val="tx1"/>
+          </a:fontRef>
+        </p:style>
+      </p:cxnSp>
+      <p:cxnSp>
+        <p:nvCxnSpPr>
+          <p:cNvPr id="81" name="직선 화살표 연결선 80">
+            <a:extLst>
+              <a:ext uri="{FF2B5EF4-FFF2-40B4-BE49-F238E27FC236}">
+                <a16:creationId xmlns:a16="http://schemas.microsoft.com/office/drawing/2014/main" id="{D5D5EF6B-B07E-4122-A0F5-CC6E2CEE253E}"/>
+              </a:ext>
+            </a:extLst>
+          </p:cNvPr>
+          <p:cNvCxnSpPr>
+            <a:cxnSpLocks/>
+            <a:stCxn id="31" idx="1"/>
+            <a:endCxn id="36" idx="3"/>
+          </p:cNvCxnSpPr>
+          <p:nvPr/>
+        </p:nvCxnSpPr>
+        <p:spPr>
+          <a:xfrm flipH="1">
+            <a:off x="1907704" y="2758141"/>
+            <a:ext cx="1152128" cy="720080"/>
+          </a:xfrm>
+          <a:prstGeom prst="straightConnector1">
+            <a:avLst/>
+          </a:prstGeom>
+          <a:ln w="12700" cap="flat" cmpd="sng" algn="ctr">
+            <a:solidFill>
+              <a:schemeClr val="tx2"/>
+            </a:solidFill>
+            <a:prstDash val="solid"/>
+            <a:round/>
+            <a:headEnd type="none" w="med" len="med"/>
+            <a:tailEnd type="arrow" w="med" len="med"/>
+          </a:ln>
+        </p:spPr>
+        <p:style>
+          <a:lnRef idx="0">
+            <a:scrgbClr r="0" g="0" b="0"/>
+          </a:lnRef>
+          <a:fillRef idx="0">
+            <a:scrgbClr r="0" g="0" b="0"/>
+          </a:fillRef>
+          <a:effectRef idx="0">
+            <a:scrgbClr r="0" g="0" b="0"/>
+          </a:effectRef>
+          <a:fontRef idx="minor">
+            <a:schemeClr val="tx1"/>
+          </a:fontRef>
+        </p:style>
+      </p:cxnSp>
+      <p:cxnSp>
+        <p:nvCxnSpPr>
+          <p:cNvPr id="86" name="직선 화살표 연결선 85">
+            <a:extLst>
+              <a:ext uri="{FF2B5EF4-FFF2-40B4-BE49-F238E27FC236}">
+                <a16:creationId xmlns:a16="http://schemas.microsoft.com/office/drawing/2014/main" id="{86399464-8A7D-4F24-9357-FDA1439999BB}"/>
+              </a:ext>
+            </a:extLst>
+          </p:cNvPr>
+          <p:cNvCxnSpPr>
+            <a:cxnSpLocks/>
+            <a:stCxn id="38" idx="1"/>
+            <a:endCxn id="30" idx="3"/>
+          </p:cNvCxnSpPr>
+          <p:nvPr/>
+        </p:nvCxnSpPr>
+        <p:spPr>
+          <a:xfrm flipH="1">
+            <a:off x="1907704" y="2039797"/>
+            <a:ext cx="3744418" cy="0"/>
+          </a:xfrm>
+          <a:prstGeom prst="straightConnector1">
+            <a:avLst/>
+          </a:prstGeom>
+          <a:ln w="12700" cap="flat" cmpd="sng" algn="ctr">
+            <a:solidFill>
+              <a:schemeClr val="tx2"/>
+            </a:solidFill>
+            <a:prstDash val="solid"/>
+            <a:round/>
+            <a:headEnd type="none" w="med" len="med"/>
+            <a:tailEnd type="arrow" w="med" len="med"/>
+          </a:ln>
+        </p:spPr>
+        <p:style>
+          <a:lnRef idx="0">
+            <a:scrgbClr r="0" g="0" b="0"/>
+          </a:lnRef>
+          <a:fillRef idx="0">
+            <a:scrgbClr r="0" g="0" b="0"/>
+          </a:fillRef>
+          <a:effectRef idx="0">
+            <a:scrgbClr r="0" g="0" b="0"/>
+          </a:effectRef>
+          <a:fontRef idx="minor">
+            <a:schemeClr val="tx1"/>
+          </a:fontRef>
+        </p:style>
+      </p:cxnSp>
+      <p:cxnSp>
+        <p:nvCxnSpPr>
+          <p:cNvPr id="89" name="직선 화살표 연결선 88">
+            <a:extLst>
+              <a:ext uri="{FF2B5EF4-FFF2-40B4-BE49-F238E27FC236}">
+                <a16:creationId xmlns:a16="http://schemas.microsoft.com/office/drawing/2014/main" id="{DDDF0BDD-7BB3-4A47-A43D-64D675979192}"/>
+              </a:ext>
+            </a:extLst>
+          </p:cNvPr>
+          <p:cNvCxnSpPr>
+            <a:cxnSpLocks/>
+          </p:cNvCxnSpPr>
+          <p:nvPr/>
+        </p:nvCxnSpPr>
+        <p:spPr>
+          <a:xfrm flipV="1">
+            <a:off x="3563888" y="1441044"/>
+            <a:ext cx="0" cy="1197506"/>
+          </a:xfrm>
+          <a:prstGeom prst="straightConnector1">
+            <a:avLst/>
+          </a:prstGeom>
+          <a:ln w="12700" cap="flat" cmpd="sng" algn="ctr">
+            <a:solidFill>
+              <a:schemeClr val="tx2"/>
+            </a:solidFill>
+            <a:prstDash val="solid"/>
+            <a:round/>
+            <a:headEnd type="none" w="med" len="med"/>
+            <a:tailEnd type="arrow" w="med" len="med"/>
+          </a:ln>
+        </p:spPr>
+        <p:style>
+          <a:lnRef idx="0">
+            <a:scrgbClr r="0" g="0" b="0"/>
+          </a:lnRef>
+          <a:fillRef idx="0">
+            <a:scrgbClr r="0" g="0" b="0"/>
+          </a:fillRef>
+          <a:effectRef idx="0">
+            <a:scrgbClr r="0" g="0" b="0"/>
+          </a:effectRef>
+          <a:fontRef idx="minor">
+            <a:schemeClr val="tx1"/>
+          </a:fontRef>
+        </p:style>
+      </p:cxnSp>
+      <p:cxnSp>
+        <p:nvCxnSpPr>
+          <p:cNvPr id="90" name="직선 화살표 연결선 89">
+            <a:extLst>
+              <a:ext uri="{FF2B5EF4-FFF2-40B4-BE49-F238E27FC236}">
+                <a16:creationId xmlns:a16="http://schemas.microsoft.com/office/drawing/2014/main" id="{FED08BB1-AB95-4050-A6DC-5C7641F56E6F}"/>
+              </a:ext>
+            </a:extLst>
+          </p:cNvPr>
+          <p:cNvCxnSpPr>
+            <a:cxnSpLocks/>
+            <a:stCxn id="28" idx="3"/>
+            <a:endCxn id="38" idx="1"/>
+          </p:cNvCxnSpPr>
+          <p:nvPr/>
+        </p:nvCxnSpPr>
+        <p:spPr>
+          <a:xfrm>
+            <a:off x="4499992" y="1321453"/>
+            <a:ext cx="1152130" cy="718344"/>
+          </a:xfrm>
+          <a:prstGeom prst="straightConnector1">
+            <a:avLst/>
+          </a:prstGeom>
+          <a:ln w="12700" cap="flat" cmpd="sng" algn="ctr">
+            <a:solidFill>
+              <a:schemeClr val="tx2"/>
+            </a:solidFill>
+            <a:prstDash val="solid"/>
+            <a:round/>
+            <a:headEnd type="none" w="med" len="med"/>
+            <a:tailEnd type="arrow" w="med" len="med"/>
+          </a:ln>
+        </p:spPr>
+        <p:style>
+          <a:lnRef idx="0">
+            <a:scrgbClr r="0" g="0" b="0"/>
+          </a:lnRef>
+          <a:fillRef idx="0">
+            <a:scrgbClr r="0" g="0" b="0"/>
+          </a:fillRef>
+          <a:effectRef idx="0">
+            <a:scrgbClr r="0" g="0" b="0"/>
+          </a:effectRef>
+          <a:fontRef idx="minor">
+            <a:schemeClr val="tx1"/>
+          </a:fontRef>
+        </p:style>
+      </p:cxnSp>
+      <p:cxnSp>
+        <p:nvCxnSpPr>
+          <p:cNvPr id="93" name="직선 화살표 연결선 92">
+            <a:extLst>
+              <a:ext uri="{FF2B5EF4-FFF2-40B4-BE49-F238E27FC236}">
+                <a16:creationId xmlns:a16="http://schemas.microsoft.com/office/drawing/2014/main" id="{6BED5A6B-7944-4A21-BB4C-F09848B87532}"/>
+              </a:ext>
+            </a:extLst>
+          </p:cNvPr>
+          <p:cNvCxnSpPr>
+            <a:cxnSpLocks/>
+            <a:stCxn id="38" idx="1"/>
+            <a:endCxn id="31" idx="3"/>
+          </p:cNvCxnSpPr>
+          <p:nvPr/>
+        </p:nvCxnSpPr>
+        <p:spPr>
+          <a:xfrm flipH="1">
+            <a:off x="4499992" y="2039797"/>
+            <a:ext cx="1152130" cy="718344"/>
+          </a:xfrm>
+          <a:prstGeom prst="straightConnector1">
+            <a:avLst/>
+          </a:prstGeom>
+          <a:ln w="12700" cap="flat" cmpd="sng" algn="ctr">
+            <a:solidFill>
+              <a:schemeClr val="tx2"/>
+            </a:solidFill>
+            <a:prstDash val="solid"/>
+            <a:round/>
+            <a:headEnd type="none" w="med" len="med"/>
+            <a:tailEnd type="arrow" w="med" len="med"/>
+          </a:ln>
+        </p:spPr>
+        <p:style>
+          <a:lnRef idx="0">
+            <a:scrgbClr r="0" g="0" b="0"/>
+          </a:lnRef>
+          <a:fillRef idx="0">
+            <a:scrgbClr r="0" g="0" b="0"/>
+          </a:fillRef>
+          <a:effectRef idx="0">
+            <a:scrgbClr r="0" g="0" b="0"/>
+          </a:effectRef>
+          <a:fontRef idx="minor">
+            <a:schemeClr val="tx1"/>
+          </a:fontRef>
+        </p:style>
+      </p:cxnSp>
+      <p:cxnSp>
+        <p:nvCxnSpPr>
+          <p:cNvPr id="101" name="직선 화살표 연결선 100">
+            <a:extLst>
+              <a:ext uri="{FF2B5EF4-FFF2-40B4-BE49-F238E27FC236}">
+                <a16:creationId xmlns:a16="http://schemas.microsoft.com/office/drawing/2014/main" id="{1C475FFE-B4F8-46E7-89B0-86BEA4B8CAE7}"/>
+              </a:ext>
+            </a:extLst>
+          </p:cNvPr>
+          <p:cNvCxnSpPr>
+            <a:cxnSpLocks/>
+            <a:stCxn id="31" idx="3"/>
+            <a:endCxn id="40" idx="1"/>
+          </p:cNvCxnSpPr>
+          <p:nvPr/>
+        </p:nvCxnSpPr>
+        <p:spPr>
+          <a:xfrm>
+            <a:off x="4499992" y="2758141"/>
+            <a:ext cx="1152130" cy="0"/>
+          </a:xfrm>
+          <a:prstGeom prst="straightConnector1">
+            <a:avLst/>
+          </a:prstGeom>
+          <a:ln w="12700" cap="flat" cmpd="sng" algn="ctr">
+            <a:solidFill>
+              <a:srgbClr val="C00000"/>
+            </a:solidFill>
+            <a:prstDash val="solid"/>
+            <a:round/>
+            <a:headEnd type="none" w="med" len="med"/>
+            <a:tailEnd type="arrow" w="med" len="med"/>
+          </a:ln>
+        </p:spPr>
+        <p:style>
+          <a:lnRef idx="0">
+            <a:scrgbClr r="0" g="0" b="0"/>
+          </a:lnRef>
+          <a:fillRef idx="0">
+            <a:scrgbClr r="0" g="0" b="0"/>
+          </a:fillRef>
+          <a:effectRef idx="0">
+            <a:scrgbClr r="0" g="0" b="0"/>
+          </a:effectRef>
+          <a:fontRef idx="minor">
+            <a:schemeClr val="tx1"/>
+          </a:fontRef>
+        </p:style>
+      </p:cxnSp>
+      <p:cxnSp>
+        <p:nvCxnSpPr>
+          <p:cNvPr id="104" name="직선 화살표 연결선 103">
+            <a:extLst>
+              <a:ext uri="{FF2B5EF4-FFF2-40B4-BE49-F238E27FC236}">
+                <a16:creationId xmlns:a16="http://schemas.microsoft.com/office/drawing/2014/main" id="{37E7A55F-99EF-4992-B1CA-9894B2B1F8C3}"/>
+              </a:ext>
+            </a:extLst>
+          </p:cNvPr>
+          <p:cNvCxnSpPr>
+            <a:cxnSpLocks/>
+            <a:stCxn id="40" idx="2"/>
+            <a:endCxn id="41" idx="0"/>
+          </p:cNvCxnSpPr>
+          <p:nvPr/>
+        </p:nvCxnSpPr>
+        <p:spPr>
+          <a:xfrm>
+            <a:off x="6372202" y="2877732"/>
+            <a:ext cx="0" cy="479162"/>
+          </a:xfrm>
+          <a:prstGeom prst="straightConnector1">
+            <a:avLst/>
+          </a:prstGeom>
+          <a:ln w="12700" cap="flat" cmpd="sng" algn="ctr">
+            <a:solidFill>
+              <a:srgbClr val="C00000"/>
+            </a:solidFill>
+            <a:prstDash val="solid"/>
+            <a:round/>
+            <a:headEnd type="none" w="med" len="med"/>
+            <a:tailEnd type="arrow" w="med" len="med"/>
+          </a:ln>
+        </p:spPr>
+        <p:style>
+          <a:lnRef idx="0">
+            <a:scrgbClr r="0" g="0" b="0"/>
+          </a:lnRef>
+          <a:fillRef idx="0">
+            <a:scrgbClr r="0" g="0" b="0"/>
+          </a:fillRef>
+          <a:effectRef idx="0">
+            <a:scrgbClr r="0" g="0" b="0"/>
+          </a:effectRef>
+          <a:fontRef idx="minor">
+            <a:schemeClr val="tx1"/>
+          </a:fontRef>
+        </p:style>
+      </p:cxnSp>
+      <p:sp>
+        <p:nvSpPr>
+          <p:cNvPr id="107" name="자유형: 도형 106">
+            <a:extLst>
+              <a:ext uri="{FF2B5EF4-FFF2-40B4-BE49-F238E27FC236}">
+                <a16:creationId xmlns:a16="http://schemas.microsoft.com/office/drawing/2014/main" id="{2463DBD9-6C1A-45D8-B2E4-86EAF89D2C72}"/>
+              </a:ext>
+            </a:extLst>
+          </p:cNvPr>
+          <p:cNvSpPr/>
+          <p:nvPr/>
+        </p:nvSpPr>
+        <p:spPr>
+          <a:xfrm rot="5400000">
+            <a:off x="4832071" y="380075"/>
+            <a:ext cx="1208049" cy="1872209"/>
+          </a:xfrm>
+          <a:custGeom>
+            <a:avLst/>
+            <a:gdLst>
+              <a:gd name="connsiteX0" fmla="*/ 0 w 1841412"/>
+              <a:gd name="connsiteY0" fmla="*/ 744132 h 744132"/>
+              <a:gd name="connsiteX1" fmla="*/ 0 w 1841412"/>
+              <a:gd name="connsiteY1" fmla="*/ 0 h 744132"/>
+              <a:gd name="connsiteX2" fmla="*/ 1841412 w 1841412"/>
+              <a:gd name="connsiteY2" fmla="*/ 0 h 744132"/>
+            </a:gdLst>
+            <a:ahLst/>
+            <a:cxnLst>
+              <a:cxn ang="0">
+                <a:pos x="connsiteX0" y="connsiteY0"/>
+              </a:cxn>
+              <a:cxn ang="0">
+                <a:pos x="connsiteX1" y="connsiteY1"/>
+              </a:cxn>
+              <a:cxn ang="0">
+                <a:pos x="connsiteX2" y="connsiteY2"/>
+              </a:cxn>
+            </a:cxnLst>
+            <a:rect l="l" t="t" r="r" b="b"/>
+            <a:pathLst>
+              <a:path w="1841412" h="744132">
+                <a:moveTo>
+                  <a:pt x="0" y="744132"/>
+                </a:moveTo>
+                <a:lnTo>
+                  <a:pt x="0" y="0"/>
+                </a:lnTo>
+                <a:lnTo>
+                  <a:pt x="1841412" y="0"/>
+                </a:lnTo>
+              </a:path>
+            </a:pathLst>
+          </a:custGeom>
+          <a:ln w="12700" cap="flat" cmpd="sng" algn="ctr">
+            <a:solidFill>
+              <a:schemeClr val="tx2"/>
+            </a:solidFill>
+            <a:prstDash val="solid"/>
+            <a:round/>
+            <a:headEnd type="none" w="med" len="med"/>
+            <a:tailEnd type="arrow" w="med" len="med"/>
+          </a:ln>
+        </p:spPr>
+        <p:style>
+          <a:lnRef idx="0">
+            <a:scrgbClr r="0" g="0" b="0"/>
+          </a:lnRef>
+          <a:fillRef idx="0">
+            <a:scrgbClr r="0" g="0" b="0"/>
+          </a:fillRef>
+          <a:effectRef idx="0">
+            <a:scrgbClr r="0" g="0" b="0"/>
+          </a:effectRef>
+          <a:fontRef idx="minor">
+            <a:schemeClr val="tx1"/>
+          </a:fontRef>
+        </p:style>
+        <p:txBody>
+          <a:bodyPr rtlCol="0" anchor="ctr"/>
+          <a:lstStyle/>
+          <a:p>
+            <a:pPr algn="ctr"/>
+            <a:endParaRPr lang="ko-KR" altLang="en-US"/>
+          </a:p>
+        </p:txBody>
+      </p:sp>
+      <p:sp>
+        <p:nvSpPr>
+          <p:cNvPr id="110" name="TextBox 109">
+            <a:extLst>
+              <a:ext uri="{FF2B5EF4-FFF2-40B4-BE49-F238E27FC236}">
+                <a16:creationId xmlns:a16="http://schemas.microsoft.com/office/drawing/2014/main" id="{ABA53E5C-2B61-4C0B-B1A2-51FA4B5C37F0}"/>
+              </a:ext>
+            </a:extLst>
+          </p:cNvPr>
+          <p:cNvSpPr txBox="1"/>
+          <p:nvPr/>
+        </p:nvSpPr>
+        <p:spPr>
+          <a:xfrm>
+            <a:off x="2020330" y="4470380"/>
+            <a:ext cx="926857" cy="261610"/>
+          </a:xfrm>
+          <a:prstGeom prst="rect">
+            <a:avLst/>
+          </a:prstGeom>
+          <a:noFill/>
+        </p:spPr>
+        <p:txBody>
+          <a:bodyPr wrap="none" rtlCol="0" anchor="ctr">
+            <a:spAutoFit/>
+          </a:bodyPr>
+          <a:lstStyle/>
+          <a:p>
+            <a:pPr algn="ctr"/>
+            <a:r>
+              <a:rPr lang="en-US" altLang="ko-KR" sz="1100"/>
+              <a:t>active close</a:t>
+            </a:r>
+            <a:endParaRPr lang="ko-KR" altLang="en-US" sz="1100"/>
+          </a:p>
+        </p:txBody>
+      </p:sp>
+      <p:sp>
+        <p:nvSpPr>
+          <p:cNvPr id="111" name="TextBox 110">
+            <a:extLst>
+              <a:ext uri="{FF2B5EF4-FFF2-40B4-BE49-F238E27FC236}">
+                <a16:creationId xmlns:a16="http://schemas.microsoft.com/office/drawing/2014/main" id="{30C8662C-2287-4353-896A-AC9C998F3B92}"/>
+              </a:ext>
+            </a:extLst>
+          </p:cNvPr>
+          <p:cNvSpPr txBox="1"/>
+          <p:nvPr/>
+        </p:nvSpPr>
+        <p:spPr>
+          <a:xfrm>
+            <a:off x="5860214" y="3662557"/>
+            <a:ext cx="1018228" cy="261610"/>
+          </a:xfrm>
+          <a:prstGeom prst="rect">
+            <a:avLst/>
+          </a:prstGeom>
+          <a:noFill/>
+        </p:spPr>
+        <p:txBody>
+          <a:bodyPr wrap="none" rtlCol="0" anchor="ctr">
+            <a:spAutoFit/>
+          </a:bodyPr>
+          <a:lstStyle/>
+          <a:p>
+            <a:pPr algn="ctr"/>
+            <a:r>
+              <a:rPr lang="en-US" altLang="ko-KR" sz="1100"/>
+              <a:t>passive close</a:t>
+            </a:r>
+            <a:endParaRPr lang="ko-KR" altLang="en-US" sz="1100"/>
+          </a:p>
+        </p:txBody>
+      </p:sp>
+      <p:sp>
+        <p:nvSpPr>
+          <p:cNvPr id="112" name="TextBox 111">
+            <a:extLst>
+              <a:ext uri="{FF2B5EF4-FFF2-40B4-BE49-F238E27FC236}">
+                <a16:creationId xmlns:a16="http://schemas.microsoft.com/office/drawing/2014/main" id="{2AAD7102-EEA3-4B44-A8EA-1437CEF4CF1E}"/>
+              </a:ext>
+            </a:extLst>
+          </p:cNvPr>
+          <p:cNvSpPr txBox="1"/>
+          <p:nvPr/>
+        </p:nvSpPr>
+        <p:spPr>
+          <a:xfrm>
+            <a:off x="5901514" y="2117502"/>
+            <a:ext cx="930063" cy="261610"/>
+          </a:xfrm>
+          <a:prstGeom prst="rect">
+            <a:avLst/>
+          </a:prstGeom>
+          <a:noFill/>
+        </p:spPr>
+        <p:txBody>
+          <a:bodyPr wrap="none" rtlCol="0" anchor="ctr">
+            <a:spAutoFit/>
+          </a:bodyPr>
+          <a:lstStyle/>
+          <a:p>
+            <a:pPr algn="ctr"/>
+            <a:r>
+              <a:rPr lang="en-US" altLang="ko-KR" sz="1100"/>
+              <a:t>active open</a:t>
+            </a:r>
+            <a:endParaRPr lang="ko-KR" altLang="en-US" sz="1100"/>
+          </a:p>
+        </p:txBody>
+      </p:sp>
+      <p:sp>
+        <p:nvSpPr>
+          <p:cNvPr id="113" name="자유형: 도형 112">
+            <a:extLst>
+              <a:ext uri="{FF2B5EF4-FFF2-40B4-BE49-F238E27FC236}">
+                <a16:creationId xmlns:a16="http://schemas.microsoft.com/office/drawing/2014/main" id="{9619B4EF-F3FC-4708-9683-D6361224E5FF}"/>
+              </a:ext>
+            </a:extLst>
+          </p:cNvPr>
+          <p:cNvSpPr/>
+          <p:nvPr/>
+        </p:nvSpPr>
+        <p:spPr>
+          <a:xfrm>
+            <a:off x="4499989" y="503634"/>
+            <a:ext cx="3528391" cy="3683101"/>
+          </a:xfrm>
+          <a:custGeom>
+            <a:avLst/>
+            <a:gdLst>
+              <a:gd name="connsiteX0" fmla="*/ 0 w 3317064"/>
+              <a:gd name="connsiteY0" fmla="*/ 3607150 h 3607150"/>
+              <a:gd name="connsiteX1" fmla="*/ 3317064 w 3317064"/>
+              <a:gd name="connsiteY1" fmla="*/ 3607150 h 3607150"/>
+              <a:gd name="connsiteX2" fmla="*/ 3317064 w 3317064"/>
+              <a:gd name="connsiteY2" fmla="*/ 0 h 3607150"/>
+              <a:gd name="connsiteX3" fmla="*/ 6306 w 3317064"/>
+              <a:gd name="connsiteY3" fmla="*/ 0 h 3607150"/>
+            </a:gdLst>
+            <a:ahLst/>
+            <a:cxnLst>
+              <a:cxn ang="0">
+                <a:pos x="connsiteX0" y="connsiteY0"/>
+              </a:cxn>
+              <a:cxn ang="0">
+                <a:pos x="connsiteX1" y="connsiteY1"/>
+              </a:cxn>
+              <a:cxn ang="0">
+                <a:pos x="connsiteX2" y="connsiteY2"/>
+              </a:cxn>
+              <a:cxn ang="0">
+                <a:pos x="connsiteX3" y="connsiteY3"/>
+              </a:cxn>
+            </a:cxnLst>
+            <a:rect l="l" t="t" r="r" b="b"/>
+            <a:pathLst>
+              <a:path w="3317064" h="3607150">
+                <a:moveTo>
+                  <a:pt x="0" y="3607150"/>
+                </a:moveTo>
+                <a:lnTo>
+                  <a:pt x="3317064" y="3607150"/>
+                </a:lnTo>
+                <a:lnTo>
+                  <a:pt x="3317064" y="0"/>
+                </a:lnTo>
+                <a:lnTo>
+                  <a:pt x="6306" y="0"/>
+                </a:lnTo>
+              </a:path>
+            </a:pathLst>
+          </a:custGeom>
+          <a:ln w="12700" cap="flat" cmpd="sng" algn="ctr">
+            <a:solidFill>
+              <a:schemeClr val="tx2"/>
+            </a:solidFill>
+            <a:prstDash val="solid"/>
+            <a:round/>
+            <a:headEnd type="none" w="med" len="med"/>
+            <a:tailEnd type="arrow" w="med" len="med"/>
+          </a:ln>
+        </p:spPr>
+        <p:style>
+          <a:lnRef idx="0">
+            <a:scrgbClr r="0" g="0" b="0"/>
+          </a:lnRef>
+          <a:fillRef idx="0">
+            <a:scrgbClr r="0" g="0" b="0"/>
+          </a:fillRef>
+          <a:effectRef idx="0">
+            <a:scrgbClr r="0" g="0" b="0"/>
+          </a:effectRef>
+          <a:fontRef idx="minor">
+            <a:schemeClr val="tx1"/>
+          </a:fontRef>
+        </p:style>
+        <p:txBody>
+          <a:bodyPr rtlCol="0" anchor="ctr"/>
+          <a:lstStyle/>
+          <a:p>
+            <a:pPr algn="ctr"/>
+            <a:endParaRPr lang="ko-KR" altLang="en-US"/>
+          </a:p>
+        </p:txBody>
+      </p:sp>
+      <p:cxnSp>
+        <p:nvCxnSpPr>
+          <p:cNvPr id="117" name="직선 화살표 연결선 116">
+            <a:extLst>
+              <a:ext uri="{FF2B5EF4-FFF2-40B4-BE49-F238E27FC236}">
+                <a16:creationId xmlns:a16="http://schemas.microsoft.com/office/drawing/2014/main" id="{BE97573E-58FE-41C8-9F07-52AF6537A9D8}"/>
+              </a:ext>
+            </a:extLst>
+          </p:cNvPr>
+          <p:cNvCxnSpPr>
+            <a:cxnSpLocks/>
+            <a:stCxn id="38" idx="3"/>
+          </p:cNvCxnSpPr>
+          <p:nvPr/>
+        </p:nvCxnSpPr>
+        <p:spPr>
+          <a:xfrm>
+            <a:off x="7092282" y="2039797"/>
+            <a:ext cx="936098" cy="0"/>
+          </a:xfrm>
+          <a:prstGeom prst="straightConnector1">
+            <a:avLst/>
+          </a:prstGeom>
+          <a:ln w="12700" cap="flat" cmpd="sng" algn="ctr">
+            <a:solidFill>
+              <a:schemeClr val="tx2"/>
+            </a:solidFill>
+            <a:prstDash val="solid"/>
+            <a:round/>
+            <a:headEnd type="none" w="med" len="med"/>
+            <a:tailEnd type="none" w="med" len="med"/>
+          </a:ln>
+        </p:spPr>
+        <p:style>
+          <a:lnRef idx="0">
+            <a:scrgbClr r="0" g="0" b="0"/>
+          </a:lnRef>
+          <a:fillRef idx="0">
+            <a:scrgbClr r="0" g="0" b="0"/>
+          </a:fillRef>
+          <a:effectRef idx="0">
+            <a:scrgbClr r="0" g="0" b="0"/>
+          </a:effectRef>
+          <a:fontRef idx="minor">
+            <a:schemeClr val="tx1"/>
+          </a:fontRef>
+        </p:style>
+      </p:cxnSp>
+      <p:sp>
+        <p:nvSpPr>
+          <p:cNvPr id="121" name="자유형: 도형 120">
+            <a:extLst>
+              <a:ext uri="{FF2B5EF4-FFF2-40B4-BE49-F238E27FC236}">
+                <a16:creationId xmlns:a16="http://schemas.microsoft.com/office/drawing/2014/main" id="{4983BFDB-8546-463B-9129-8A76C94372BE}"/>
+              </a:ext>
+            </a:extLst>
+          </p:cNvPr>
+          <p:cNvSpPr/>
+          <p:nvPr/>
+        </p:nvSpPr>
+        <p:spPr>
+          <a:xfrm>
+            <a:off x="4505324" y="595924"/>
+            <a:ext cx="3451051" cy="2889753"/>
+          </a:xfrm>
+          <a:custGeom>
+            <a:avLst/>
+            <a:gdLst>
+              <a:gd name="connsiteX0" fmla="*/ 2581275 w 3252788"/>
+              <a:gd name="connsiteY0" fmla="*/ 2876550 h 2876550"/>
+              <a:gd name="connsiteX1" fmla="*/ 3252788 w 3252788"/>
+              <a:gd name="connsiteY1" fmla="*/ 2876550 h 2876550"/>
+              <a:gd name="connsiteX2" fmla="*/ 3252788 w 3252788"/>
+              <a:gd name="connsiteY2" fmla="*/ 0 h 2876550"/>
+              <a:gd name="connsiteX3" fmla="*/ 0 w 3252788"/>
+              <a:gd name="connsiteY3" fmla="*/ 0 h 2876550"/>
+              <a:gd name="connsiteX0" fmla="*/ 2439874 w 3252788"/>
+              <a:gd name="connsiteY0" fmla="*/ 2878922 h 2878922"/>
+              <a:gd name="connsiteX1" fmla="*/ 3252788 w 3252788"/>
+              <a:gd name="connsiteY1" fmla="*/ 2876550 h 2878922"/>
+              <a:gd name="connsiteX2" fmla="*/ 3252788 w 3252788"/>
+              <a:gd name="connsiteY2" fmla="*/ 0 h 2878922"/>
+              <a:gd name="connsiteX3" fmla="*/ 0 w 3252788"/>
+              <a:gd name="connsiteY3" fmla="*/ 0 h 2878922"/>
+            </a:gdLst>
+            <a:ahLst/>
+            <a:cxnLst>
+              <a:cxn ang="0">
+                <a:pos x="connsiteX0" y="connsiteY0"/>
+              </a:cxn>
+              <a:cxn ang="0">
+                <a:pos x="connsiteX1" y="connsiteY1"/>
+              </a:cxn>
+              <a:cxn ang="0">
+                <a:pos x="connsiteX2" y="connsiteY2"/>
+              </a:cxn>
+              <a:cxn ang="0">
+                <a:pos x="connsiteX3" y="connsiteY3"/>
+              </a:cxn>
+            </a:cxnLst>
+            <a:rect l="l" t="t" r="r" b="b"/>
+            <a:pathLst>
+              <a:path w="3252788" h="2878922">
+                <a:moveTo>
+                  <a:pt x="2439874" y="2878922"/>
+                </a:moveTo>
+                <a:lnTo>
+                  <a:pt x="3252788" y="2876550"/>
+                </a:lnTo>
+                <a:lnTo>
+                  <a:pt x="3252788" y="0"/>
+                </a:lnTo>
+                <a:lnTo>
+                  <a:pt x="0" y="0"/>
+                </a:lnTo>
+              </a:path>
+            </a:pathLst>
+          </a:custGeom>
+          <a:noFill/>
+          <a:ln w="12700">
+            <a:solidFill>
+              <a:srgbClr val="C00000"/>
+            </a:solidFill>
+            <a:headEnd type="none" w="med" len="med"/>
+            <a:tailEnd type="arrow" w="med" len="med"/>
+          </a:ln>
+        </p:spPr>
+        <p:style>
+          <a:lnRef idx="2">
+            <a:schemeClr val="accent1">
+              <a:shade val="50000"/>
+            </a:schemeClr>
+          </a:lnRef>
+          <a:fillRef idx="1">
+            <a:schemeClr val="accent1"/>
+          </a:fillRef>
+          <a:effectRef idx="0">
+            <a:schemeClr val="accent1"/>
+          </a:effectRef>
+          <a:fontRef idx="minor">
+            <a:schemeClr val="lt1"/>
+          </a:fontRef>
+        </p:style>
+        <p:txBody>
+          <a:bodyPr rtlCol="0" anchor="ctr"/>
+          <a:lstStyle/>
+          <a:p>
+            <a:pPr algn="ctr"/>
+            <a:endParaRPr lang="ko-KR" altLang="en-US"/>
+          </a:p>
+        </p:txBody>
+      </p:sp>
+      <p:sp>
+        <p:nvSpPr>
+          <p:cNvPr id="122" name="TextBox 121">
+            <a:extLst>
+              <a:ext uri="{FF2B5EF4-FFF2-40B4-BE49-F238E27FC236}">
+                <a16:creationId xmlns:a16="http://schemas.microsoft.com/office/drawing/2014/main" id="{A3F4EB77-31FE-4FBB-8F6C-8A5261168341}"/>
+              </a:ext>
+            </a:extLst>
+          </p:cNvPr>
+          <p:cNvSpPr txBox="1"/>
+          <p:nvPr/>
+        </p:nvSpPr>
+        <p:spPr>
+          <a:xfrm>
+            <a:off x="3076949" y="3143866"/>
+            <a:ext cx="1401346" cy="261610"/>
+          </a:xfrm>
+          <a:prstGeom prst="rect">
+            <a:avLst/>
+          </a:prstGeom>
+          <a:noFill/>
+        </p:spPr>
+        <p:txBody>
+          <a:bodyPr wrap="none" rtlCol="0" anchor="ctr">
+            <a:spAutoFit/>
+          </a:bodyPr>
+          <a:lstStyle/>
+          <a:p>
+            <a:pPr algn="ctr"/>
+            <a:r>
+              <a:rPr lang="en-US" altLang="ko-KR" sz="1100"/>
+              <a:t>simultaneous close</a:t>
+            </a:r>
+            <a:endParaRPr lang="ko-KR" altLang="en-US" sz="1100"/>
+          </a:p>
+        </p:txBody>
+      </p:sp>
+      <p:sp>
+        <p:nvSpPr>
+          <p:cNvPr id="123" name="TextBox 122">
+            <a:extLst>
+              <a:ext uri="{FF2B5EF4-FFF2-40B4-BE49-F238E27FC236}">
+                <a16:creationId xmlns:a16="http://schemas.microsoft.com/office/drawing/2014/main" id="{02B07805-E0BD-47D8-A2FD-FDE6B14A3395}"/>
+              </a:ext>
+            </a:extLst>
+          </p:cNvPr>
+          <p:cNvSpPr txBox="1"/>
+          <p:nvPr/>
+        </p:nvSpPr>
+        <p:spPr>
+          <a:xfrm>
+            <a:off x="4597576" y="3939902"/>
+            <a:ext cx="1149674" cy="246221"/>
+          </a:xfrm>
+          <a:prstGeom prst="rect">
+            <a:avLst/>
+          </a:prstGeom>
+          <a:noFill/>
+        </p:spPr>
+        <p:txBody>
+          <a:bodyPr wrap="none" rtlCol="0" anchor="ctr">
+            <a:spAutoFit/>
+          </a:bodyPr>
+          <a:lstStyle/>
+          <a:p>
+            <a:pPr algn="ctr"/>
+            <a:r>
+              <a:rPr lang="en-US" altLang="ko-KR" sz="1000">
+                <a:solidFill>
+                  <a:schemeClr val="tx2"/>
+                </a:solidFill>
+              </a:rPr>
+              <a:t>2 x MSL</a:t>
+            </a:r>
+            <a:r>
+              <a:rPr lang="ko-KR" altLang="en-US" sz="1000">
+                <a:solidFill>
+                  <a:schemeClr val="tx2"/>
+                </a:solidFill>
+              </a:rPr>
+              <a:t> </a:t>
+            </a:r>
+            <a:r>
+              <a:rPr lang="en-US" altLang="ko-KR" sz="1000">
+                <a:solidFill>
+                  <a:schemeClr val="tx2"/>
+                </a:solidFill>
+              </a:rPr>
+              <a:t>timeout</a:t>
+            </a:r>
+            <a:endParaRPr lang="ko-KR" altLang="en-US" sz="1000">
+              <a:solidFill>
+                <a:schemeClr val="tx2"/>
+              </a:solidFill>
+            </a:endParaRPr>
+          </a:p>
+        </p:txBody>
+      </p:sp>
+      <p:sp>
+        <p:nvSpPr>
+          <p:cNvPr id="124" name="TextBox 123">
+            <a:extLst>
+              <a:ext uri="{FF2B5EF4-FFF2-40B4-BE49-F238E27FC236}">
+                <a16:creationId xmlns:a16="http://schemas.microsoft.com/office/drawing/2014/main" id="{7E856FDE-0C8B-40BA-902D-476D37B41B8A}"/>
+              </a:ext>
+            </a:extLst>
+          </p:cNvPr>
+          <p:cNvSpPr txBox="1"/>
+          <p:nvPr/>
+        </p:nvSpPr>
+        <p:spPr>
+          <a:xfrm>
+            <a:off x="7164288" y="3107744"/>
+            <a:ext cx="737702" cy="400110"/>
+          </a:xfrm>
+          <a:prstGeom prst="rect">
+            <a:avLst/>
+          </a:prstGeom>
+          <a:noFill/>
+        </p:spPr>
+        <p:txBody>
+          <a:bodyPr wrap="none" rtlCol="0" anchor="ctr">
+            <a:spAutoFit/>
+          </a:bodyPr>
+          <a:lstStyle/>
+          <a:p>
+            <a:pPr algn="ctr"/>
+            <a:r>
+              <a:rPr lang="en-US" altLang="ko-KR" sz="1000">
+                <a:solidFill>
+                  <a:srgbClr val="C00000"/>
+                </a:solidFill>
+              </a:rPr>
+              <a:t>recv: ACK</a:t>
+            </a:r>
+          </a:p>
+          <a:p>
+            <a:pPr algn="ctr"/>
+            <a:r>
+              <a:rPr lang="en-US" altLang="ko-KR" sz="1000">
+                <a:solidFill>
+                  <a:srgbClr val="C00000"/>
+                </a:solidFill>
+              </a:rPr>
+              <a:t>send: -</a:t>
+            </a:r>
+            <a:endParaRPr lang="ko-KR" altLang="en-US" sz="1000">
+              <a:solidFill>
+                <a:srgbClr val="C00000"/>
+              </a:solidFill>
+            </a:endParaRPr>
+          </a:p>
+        </p:txBody>
+      </p:sp>
+      <p:sp>
+        <p:nvSpPr>
+          <p:cNvPr id="126" name="TextBox 125">
+            <a:extLst>
+              <a:ext uri="{FF2B5EF4-FFF2-40B4-BE49-F238E27FC236}">
+                <a16:creationId xmlns:a16="http://schemas.microsoft.com/office/drawing/2014/main" id="{BE12ED19-833D-49AE-9557-CFBAE5173555}"/>
+              </a:ext>
+            </a:extLst>
+          </p:cNvPr>
+          <p:cNvSpPr txBox="1"/>
+          <p:nvPr/>
+        </p:nvSpPr>
+        <p:spPr>
+          <a:xfrm>
+            <a:off x="7059912" y="1823092"/>
+            <a:ext cx="805029" cy="553998"/>
+          </a:xfrm>
+          <a:prstGeom prst="rect">
+            <a:avLst/>
+          </a:prstGeom>
+          <a:noFill/>
+        </p:spPr>
+        <p:txBody>
+          <a:bodyPr wrap="none" rtlCol="0" anchor="ctr">
+            <a:spAutoFit/>
+          </a:bodyPr>
+          <a:lstStyle/>
+          <a:p>
+            <a:pPr algn="ctr"/>
+            <a:r>
+              <a:rPr lang="en-US" altLang="ko-KR" sz="1000">
+                <a:solidFill>
+                  <a:schemeClr val="tx2"/>
+                </a:solidFill>
+              </a:rPr>
+              <a:t>app: close</a:t>
+            </a:r>
+          </a:p>
+          <a:p>
+            <a:pPr algn="ctr"/>
+            <a:r>
+              <a:rPr lang="en-US" altLang="ko-KR" sz="1000">
+                <a:solidFill>
+                  <a:schemeClr val="tx2"/>
+                </a:solidFill>
+              </a:rPr>
+              <a:t>recv: RST</a:t>
+            </a:r>
+          </a:p>
+          <a:p>
+            <a:pPr algn="ctr"/>
+            <a:r>
+              <a:rPr lang="en-US" altLang="ko-KR" sz="1000">
+                <a:solidFill>
+                  <a:schemeClr val="tx2"/>
+                </a:solidFill>
+              </a:rPr>
+              <a:t>or timeout</a:t>
+            </a:r>
+            <a:endParaRPr lang="ko-KR" altLang="en-US" sz="1000">
+              <a:solidFill>
+                <a:schemeClr val="tx2"/>
+              </a:solidFill>
+            </a:endParaRPr>
+          </a:p>
+        </p:txBody>
+      </p:sp>
+      <p:sp>
+        <p:nvSpPr>
+          <p:cNvPr id="127" name="TextBox 126">
+            <a:extLst>
+              <a:ext uri="{FF2B5EF4-FFF2-40B4-BE49-F238E27FC236}">
+                <a16:creationId xmlns:a16="http://schemas.microsoft.com/office/drawing/2014/main" id="{A46EE41B-8D26-466B-BF67-480AA5492DDD}"/>
+              </a:ext>
+            </a:extLst>
+          </p:cNvPr>
+          <p:cNvSpPr txBox="1"/>
+          <p:nvPr/>
+        </p:nvSpPr>
+        <p:spPr>
+          <a:xfrm>
+            <a:off x="6317486" y="2819712"/>
+            <a:ext cx="805029" cy="400110"/>
+          </a:xfrm>
+          <a:prstGeom prst="rect">
+            <a:avLst/>
+          </a:prstGeom>
+          <a:noFill/>
+        </p:spPr>
+        <p:txBody>
+          <a:bodyPr wrap="none" rtlCol="0" anchor="ctr">
+            <a:spAutoFit/>
+          </a:bodyPr>
+          <a:lstStyle/>
+          <a:p>
+            <a:pPr algn="ctr"/>
+            <a:r>
+              <a:rPr lang="en-US" altLang="ko-KR" sz="1000">
+                <a:solidFill>
+                  <a:srgbClr val="C00000"/>
+                </a:solidFill>
+              </a:rPr>
+              <a:t>app: close</a:t>
+            </a:r>
+          </a:p>
+          <a:p>
+            <a:pPr algn="ctr"/>
+            <a:r>
+              <a:rPr lang="en-US" altLang="ko-KR" sz="1000">
+                <a:solidFill>
+                  <a:srgbClr val="C00000"/>
+                </a:solidFill>
+              </a:rPr>
+              <a:t>send: FIN</a:t>
+            </a:r>
+            <a:endParaRPr lang="ko-KR" altLang="en-US" sz="1000">
+              <a:solidFill>
+                <a:srgbClr val="C00000"/>
+              </a:solidFill>
+            </a:endParaRPr>
+          </a:p>
+        </p:txBody>
+      </p:sp>
+      <p:sp>
+        <p:nvSpPr>
+          <p:cNvPr id="128" name="TextBox 127">
+            <a:extLst>
+              <a:ext uri="{FF2B5EF4-FFF2-40B4-BE49-F238E27FC236}">
+                <a16:creationId xmlns:a16="http://schemas.microsoft.com/office/drawing/2014/main" id="{8BEA3A2E-BD2E-408A-AB23-11260CB15E92}"/>
+              </a:ext>
+            </a:extLst>
+          </p:cNvPr>
+          <p:cNvSpPr txBox="1"/>
+          <p:nvPr/>
+        </p:nvSpPr>
+        <p:spPr>
+          <a:xfrm>
+            <a:off x="1859563" y="3977140"/>
+            <a:ext cx="776175" cy="400110"/>
+          </a:xfrm>
+          <a:prstGeom prst="rect">
+            <a:avLst/>
+          </a:prstGeom>
+          <a:noFill/>
+        </p:spPr>
+        <p:txBody>
+          <a:bodyPr wrap="none" rtlCol="0" anchor="ctr">
+            <a:spAutoFit/>
+          </a:bodyPr>
+          <a:lstStyle/>
+          <a:p>
+            <a:pPr algn="ctr"/>
+            <a:r>
+              <a:rPr lang="en-US" altLang="ko-KR" sz="1000">
+                <a:solidFill>
+                  <a:schemeClr val="tx2"/>
+                </a:solidFill>
+              </a:rPr>
+              <a:t>recv: FIN</a:t>
+            </a:r>
+          </a:p>
+          <a:p>
+            <a:pPr algn="ctr"/>
+            <a:r>
+              <a:rPr lang="en-US" altLang="ko-KR" sz="1000">
+                <a:solidFill>
+                  <a:schemeClr val="tx2"/>
+                </a:solidFill>
+              </a:rPr>
+              <a:t>send: ACK</a:t>
+            </a:r>
+            <a:endParaRPr lang="ko-KR" altLang="en-US" sz="1000">
+              <a:solidFill>
+                <a:schemeClr val="tx2"/>
+              </a:solidFill>
+            </a:endParaRPr>
+          </a:p>
+        </p:txBody>
+      </p:sp>
+      <p:sp>
+        <p:nvSpPr>
+          <p:cNvPr id="129" name="TextBox 128">
+            <a:extLst>
+              <a:ext uri="{FF2B5EF4-FFF2-40B4-BE49-F238E27FC236}">
+                <a16:creationId xmlns:a16="http://schemas.microsoft.com/office/drawing/2014/main" id="{7B2EF9A1-90CB-45EE-893F-42079F1F75A2}"/>
+              </a:ext>
+            </a:extLst>
+          </p:cNvPr>
+          <p:cNvSpPr txBox="1"/>
+          <p:nvPr/>
+        </p:nvSpPr>
+        <p:spPr>
+          <a:xfrm>
+            <a:off x="486462" y="3579862"/>
+            <a:ext cx="737702" cy="246221"/>
+          </a:xfrm>
+          <a:prstGeom prst="rect">
+            <a:avLst/>
+          </a:prstGeom>
+          <a:noFill/>
+        </p:spPr>
+        <p:txBody>
+          <a:bodyPr wrap="none" rtlCol="0" anchor="ctr">
+            <a:spAutoFit/>
+          </a:bodyPr>
+          <a:lstStyle/>
+          <a:p>
+            <a:pPr algn="ctr"/>
+            <a:r>
+              <a:rPr lang="en-US" altLang="ko-KR" sz="1000">
+                <a:solidFill>
+                  <a:schemeClr val="tx2"/>
+                </a:solidFill>
+              </a:rPr>
+              <a:t>recv: ACK</a:t>
+            </a:r>
+          </a:p>
+        </p:txBody>
+      </p:sp>
+      <p:sp>
+        <p:nvSpPr>
+          <p:cNvPr id="130" name="TextBox 129">
+            <a:extLst>
+              <a:ext uri="{FF2B5EF4-FFF2-40B4-BE49-F238E27FC236}">
+                <a16:creationId xmlns:a16="http://schemas.microsoft.com/office/drawing/2014/main" id="{5D7C38FB-0FB8-42D0-ABEE-A31BDAAEFD80}"/>
+              </a:ext>
+            </a:extLst>
+          </p:cNvPr>
+          <p:cNvSpPr txBox="1"/>
+          <p:nvPr/>
+        </p:nvSpPr>
+        <p:spPr>
+          <a:xfrm>
+            <a:off x="3745460" y="3581492"/>
+            <a:ext cx="737702" cy="246221"/>
+          </a:xfrm>
+          <a:prstGeom prst="rect">
+            <a:avLst/>
+          </a:prstGeom>
+          <a:noFill/>
+        </p:spPr>
+        <p:txBody>
+          <a:bodyPr wrap="none" rtlCol="0" anchor="ctr">
+            <a:spAutoFit/>
+          </a:bodyPr>
+          <a:lstStyle/>
+          <a:p>
+            <a:pPr algn="ctr"/>
+            <a:r>
+              <a:rPr lang="en-US" altLang="ko-KR" sz="1000">
+                <a:solidFill>
+                  <a:schemeClr val="tx2"/>
+                </a:solidFill>
+              </a:rPr>
+              <a:t>recv: ACK</a:t>
+            </a:r>
+          </a:p>
+        </p:txBody>
+      </p:sp>
+      <p:sp>
+        <p:nvSpPr>
+          <p:cNvPr id="131" name="TextBox 130">
+            <a:extLst>
+              <a:ext uri="{FF2B5EF4-FFF2-40B4-BE49-F238E27FC236}">
+                <a16:creationId xmlns:a16="http://schemas.microsoft.com/office/drawing/2014/main" id="{5616832B-CC8F-4F5B-B9C0-95208B1A4015}"/>
+              </a:ext>
+            </a:extLst>
+          </p:cNvPr>
+          <p:cNvSpPr txBox="1"/>
+          <p:nvPr/>
+        </p:nvSpPr>
+        <p:spPr>
+          <a:xfrm>
+            <a:off x="2085364" y="3262169"/>
+            <a:ext cx="776175" cy="400110"/>
+          </a:xfrm>
+          <a:prstGeom prst="rect">
+            <a:avLst/>
+          </a:prstGeom>
+          <a:noFill/>
+        </p:spPr>
+        <p:txBody>
+          <a:bodyPr wrap="none" rtlCol="0" anchor="ctr">
+            <a:spAutoFit/>
+          </a:bodyPr>
+          <a:lstStyle/>
+          <a:p>
+            <a:pPr algn="ctr"/>
+            <a:r>
+              <a:rPr lang="en-US" altLang="ko-KR" sz="1000">
+                <a:solidFill>
+                  <a:schemeClr val="tx2"/>
+                </a:solidFill>
+              </a:rPr>
+              <a:t>recv: FIN</a:t>
+            </a:r>
+          </a:p>
+          <a:p>
+            <a:pPr algn="ctr"/>
+            <a:r>
+              <a:rPr lang="en-US" altLang="ko-KR" sz="1000">
+                <a:solidFill>
+                  <a:schemeClr val="tx2"/>
+                </a:solidFill>
+              </a:rPr>
+              <a:t>send: ACK</a:t>
+            </a:r>
+            <a:endParaRPr lang="ko-KR" altLang="en-US" sz="1000">
+              <a:solidFill>
+                <a:schemeClr val="tx2"/>
+              </a:solidFill>
+            </a:endParaRPr>
+          </a:p>
+        </p:txBody>
+      </p:sp>
+      <p:sp>
+        <p:nvSpPr>
+          <p:cNvPr id="133" name="TextBox 132">
+            <a:extLst>
+              <a:ext uri="{FF2B5EF4-FFF2-40B4-BE49-F238E27FC236}">
+                <a16:creationId xmlns:a16="http://schemas.microsoft.com/office/drawing/2014/main" id="{741579F1-3E7A-490B-9636-08414DAD2262}"/>
+              </a:ext>
+            </a:extLst>
+          </p:cNvPr>
+          <p:cNvSpPr txBox="1"/>
+          <p:nvPr/>
+        </p:nvSpPr>
+        <p:spPr>
+          <a:xfrm rot="2000668">
+            <a:off x="2118889" y="3695300"/>
+            <a:ext cx="963726" cy="400110"/>
+          </a:xfrm>
+          <a:prstGeom prst="rect">
+            <a:avLst/>
+          </a:prstGeom>
+          <a:noFill/>
+        </p:spPr>
+        <p:txBody>
+          <a:bodyPr wrap="none" rtlCol="0" anchor="ctr">
+            <a:spAutoFit/>
+          </a:bodyPr>
+          <a:lstStyle/>
+          <a:p>
+            <a:pPr algn="ctr"/>
+            <a:r>
+              <a:rPr lang="en-US" altLang="ko-KR" sz="1000">
+                <a:solidFill>
+                  <a:schemeClr val="tx2"/>
+                </a:solidFill>
+              </a:rPr>
+              <a:t>recv: FIN,ACK</a:t>
+            </a:r>
+          </a:p>
+          <a:p>
+            <a:pPr algn="ctr"/>
+            <a:r>
+              <a:rPr lang="en-US" altLang="ko-KR" sz="1000">
+                <a:solidFill>
+                  <a:schemeClr val="tx2"/>
+                </a:solidFill>
+              </a:rPr>
+              <a:t>send: ACK</a:t>
+            </a:r>
+            <a:endParaRPr lang="ko-KR" altLang="en-US" sz="1000">
+              <a:solidFill>
+                <a:schemeClr val="tx2"/>
+              </a:solidFill>
+            </a:endParaRPr>
+          </a:p>
+        </p:txBody>
+      </p:sp>
+      <p:sp>
+        <p:nvSpPr>
+          <p:cNvPr id="54" name="TextBox 53">
+            <a:extLst>
+              <a:ext uri="{FF2B5EF4-FFF2-40B4-BE49-F238E27FC236}">
+                <a16:creationId xmlns:a16="http://schemas.microsoft.com/office/drawing/2014/main" id="{8D2B97B5-E57C-437C-83A9-F2F987270217}"/>
+              </a:ext>
+            </a:extLst>
+          </p:cNvPr>
+          <p:cNvSpPr txBox="1"/>
+          <p:nvPr/>
+        </p:nvSpPr>
+        <p:spPr>
+          <a:xfrm rot="19679833">
+            <a:off x="4536628" y="2198913"/>
+            <a:ext cx="1050289" cy="400110"/>
+          </a:xfrm>
+          <a:prstGeom prst="rect">
+            <a:avLst/>
+          </a:prstGeom>
+          <a:noFill/>
+        </p:spPr>
+        <p:txBody>
+          <a:bodyPr wrap="none" rtlCol="0" anchor="ctr">
+            <a:spAutoFit/>
+          </a:bodyPr>
+          <a:lstStyle/>
+          <a:p>
+            <a:pPr algn="ctr"/>
+            <a:r>
+              <a:rPr lang="en-US" altLang="ko-KR" sz="1000">
+                <a:solidFill>
+                  <a:schemeClr val="tx2"/>
+                </a:solidFill>
+              </a:rPr>
+              <a:t>recv: SYN, ACK</a:t>
+            </a:r>
+          </a:p>
+          <a:p>
+            <a:pPr algn="ctr"/>
+            <a:r>
+              <a:rPr lang="en-US" altLang="ko-KR" sz="1000">
+                <a:solidFill>
+                  <a:schemeClr val="tx2"/>
+                </a:solidFill>
+              </a:rPr>
+              <a:t>send: ACK</a:t>
+            </a:r>
+            <a:endParaRPr lang="ko-KR" altLang="en-US" sz="1000">
+              <a:solidFill>
+                <a:schemeClr val="tx2"/>
+              </a:solidFill>
+            </a:endParaRPr>
+          </a:p>
+        </p:txBody>
+      </p:sp>
+      <p:sp>
+        <p:nvSpPr>
+          <p:cNvPr id="57" name="TextBox 56">
+            <a:extLst>
+              <a:ext uri="{FF2B5EF4-FFF2-40B4-BE49-F238E27FC236}">
+                <a16:creationId xmlns:a16="http://schemas.microsoft.com/office/drawing/2014/main" id="{64F01E77-7D30-42CE-83EA-17E1CF5D5DB1}"/>
+              </a:ext>
+            </a:extLst>
+          </p:cNvPr>
+          <p:cNvSpPr txBox="1"/>
+          <p:nvPr/>
+        </p:nvSpPr>
+        <p:spPr>
+          <a:xfrm>
+            <a:off x="440294" y="2132279"/>
+            <a:ext cx="774571" cy="400110"/>
+          </a:xfrm>
+          <a:prstGeom prst="rect">
+            <a:avLst/>
+          </a:prstGeom>
+          <a:noFill/>
+        </p:spPr>
+        <p:txBody>
+          <a:bodyPr wrap="none" rtlCol="0" anchor="ctr">
+            <a:spAutoFit/>
+          </a:bodyPr>
+          <a:lstStyle/>
+          <a:p>
+            <a:pPr algn="ctr"/>
+            <a:r>
+              <a:rPr lang="en-US" altLang="ko-KR" sz="1000">
+                <a:solidFill>
+                  <a:schemeClr val="tx2"/>
+                </a:solidFill>
+              </a:rPr>
+              <a:t>app: close</a:t>
+            </a:r>
+          </a:p>
+          <a:p>
+            <a:pPr algn="ctr"/>
+            <a:r>
+              <a:rPr lang="en-US" altLang="ko-KR" sz="1000">
+                <a:solidFill>
+                  <a:schemeClr val="tx2"/>
+                </a:solidFill>
+              </a:rPr>
+              <a:t>send: FIN</a:t>
+            </a:r>
+          </a:p>
+        </p:txBody>
+      </p:sp>
+      <p:sp>
+        <p:nvSpPr>
+          <p:cNvPr id="58" name="TextBox 57">
+            <a:extLst>
+              <a:ext uri="{FF2B5EF4-FFF2-40B4-BE49-F238E27FC236}">
+                <a16:creationId xmlns:a16="http://schemas.microsoft.com/office/drawing/2014/main" id="{E17B2A71-6680-48A6-AC6A-8E249C115F57}"/>
+              </a:ext>
+            </a:extLst>
+          </p:cNvPr>
+          <p:cNvSpPr txBox="1"/>
+          <p:nvPr/>
+        </p:nvSpPr>
+        <p:spPr>
+          <a:xfrm>
+            <a:off x="452317" y="1524655"/>
+            <a:ext cx="750526" cy="400110"/>
+          </a:xfrm>
+          <a:prstGeom prst="rect">
+            <a:avLst/>
+          </a:prstGeom>
+          <a:noFill/>
+        </p:spPr>
+        <p:txBody>
+          <a:bodyPr wrap="none" rtlCol="0" anchor="ctr">
+            <a:spAutoFit/>
+          </a:bodyPr>
+          <a:lstStyle/>
+          <a:p>
+            <a:pPr algn="ctr"/>
+            <a:r>
+              <a:rPr lang="en-US" altLang="ko-KR" sz="1000">
+                <a:solidFill>
+                  <a:srgbClr val="C00000"/>
+                </a:solidFill>
+              </a:rPr>
+              <a:t>timeout</a:t>
+            </a:r>
+          </a:p>
+          <a:p>
+            <a:pPr algn="ctr"/>
+            <a:r>
+              <a:rPr lang="en-US" altLang="ko-KR" sz="1000">
+                <a:solidFill>
+                  <a:srgbClr val="C00000"/>
+                </a:solidFill>
+              </a:rPr>
+              <a:t>send: RST</a:t>
+            </a:r>
+          </a:p>
+        </p:txBody>
+      </p:sp>
+      <p:sp>
+        <p:nvSpPr>
+          <p:cNvPr id="60" name="TextBox 59">
+            <a:extLst>
+              <a:ext uri="{FF2B5EF4-FFF2-40B4-BE49-F238E27FC236}">
+                <a16:creationId xmlns:a16="http://schemas.microsoft.com/office/drawing/2014/main" id="{11DA8749-B24C-4C5D-8C17-05E84473F070}"/>
+              </a:ext>
+            </a:extLst>
+          </p:cNvPr>
+          <p:cNvSpPr txBox="1"/>
+          <p:nvPr/>
+        </p:nvSpPr>
+        <p:spPr>
+          <a:xfrm>
+            <a:off x="2594140" y="666905"/>
+            <a:ext cx="1241045" cy="400110"/>
+          </a:xfrm>
+          <a:prstGeom prst="rect">
+            <a:avLst/>
+          </a:prstGeom>
+          <a:noFill/>
+        </p:spPr>
+        <p:txBody>
+          <a:bodyPr wrap="none" rtlCol="0" anchor="ctr">
+            <a:spAutoFit/>
+          </a:bodyPr>
+          <a:lstStyle/>
+          <a:p>
+            <a:pPr algn="ctr"/>
+            <a:r>
+              <a:rPr lang="en-US" altLang="ko-KR" sz="1000">
+                <a:solidFill>
+                  <a:srgbClr val="C00000"/>
+                </a:solidFill>
+              </a:rPr>
+              <a:t>app: passive open</a:t>
+            </a:r>
+          </a:p>
+          <a:p>
+            <a:pPr algn="ctr"/>
+            <a:r>
+              <a:rPr lang="en-US" altLang="ko-KR" sz="1000">
+                <a:solidFill>
+                  <a:srgbClr val="C00000"/>
+                </a:solidFill>
+              </a:rPr>
+              <a:t>send: -</a:t>
+            </a:r>
+          </a:p>
+        </p:txBody>
+      </p:sp>
+      <p:sp>
+        <p:nvSpPr>
+          <p:cNvPr id="61" name="TextBox 60">
+            <a:extLst>
+              <a:ext uri="{FF2B5EF4-FFF2-40B4-BE49-F238E27FC236}">
+                <a16:creationId xmlns:a16="http://schemas.microsoft.com/office/drawing/2014/main" id="{A029291B-FCD8-4466-9E7A-E9AEC4B953BF}"/>
+              </a:ext>
+            </a:extLst>
+          </p:cNvPr>
+          <p:cNvSpPr txBox="1"/>
+          <p:nvPr/>
+        </p:nvSpPr>
+        <p:spPr>
+          <a:xfrm>
+            <a:off x="5189741" y="666905"/>
+            <a:ext cx="1157689" cy="400110"/>
+          </a:xfrm>
+          <a:prstGeom prst="rect">
+            <a:avLst/>
+          </a:prstGeom>
+          <a:noFill/>
+        </p:spPr>
+        <p:txBody>
+          <a:bodyPr wrap="none" rtlCol="0" anchor="ctr">
+            <a:spAutoFit/>
+          </a:bodyPr>
+          <a:lstStyle/>
+          <a:p>
+            <a:pPr algn="ctr"/>
+            <a:r>
+              <a:rPr lang="en-US" altLang="ko-KR" sz="1000">
+                <a:solidFill>
+                  <a:schemeClr val="tx2"/>
+                </a:solidFill>
+              </a:rPr>
+              <a:t>app: active open</a:t>
+            </a:r>
+          </a:p>
+          <a:p>
+            <a:pPr algn="ctr"/>
+            <a:r>
+              <a:rPr lang="en-US" altLang="ko-KR" sz="1000">
+                <a:solidFill>
+                  <a:schemeClr val="tx2"/>
+                </a:solidFill>
+              </a:rPr>
+              <a:t>send: SYN</a:t>
+            </a:r>
+          </a:p>
+        </p:txBody>
+      </p:sp>
+      <p:sp>
+        <p:nvSpPr>
+          <p:cNvPr id="62" name="TextBox 61">
+            <a:extLst>
+              <a:ext uri="{FF2B5EF4-FFF2-40B4-BE49-F238E27FC236}">
+                <a16:creationId xmlns:a16="http://schemas.microsoft.com/office/drawing/2014/main" id="{C33A136D-8483-409D-8769-141488D98F8F}"/>
+              </a:ext>
+            </a:extLst>
+          </p:cNvPr>
+          <p:cNvSpPr txBox="1"/>
+          <p:nvPr/>
+        </p:nvSpPr>
+        <p:spPr>
+          <a:xfrm>
+            <a:off x="4071580" y="1829684"/>
+            <a:ext cx="1088760" cy="400110"/>
+          </a:xfrm>
+          <a:prstGeom prst="rect">
+            <a:avLst/>
+          </a:prstGeom>
+          <a:noFill/>
+        </p:spPr>
+        <p:txBody>
+          <a:bodyPr wrap="none" rtlCol="0" anchor="ctr">
+            <a:spAutoFit/>
+          </a:bodyPr>
+          <a:lstStyle/>
+          <a:p>
+            <a:pPr algn="ctr"/>
+            <a:r>
+              <a:rPr lang="en-US" altLang="ko-KR" sz="1000">
+                <a:solidFill>
+                  <a:schemeClr val="tx2"/>
+                </a:solidFill>
+              </a:rPr>
+              <a:t>recv: SYN</a:t>
+            </a:r>
+          </a:p>
+          <a:p>
+            <a:pPr algn="ctr"/>
+            <a:r>
+              <a:rPr lang="en-US" altLang="ko-KR" sz="1000">
+                <a:solidFill>
+                  <a:schemeClr val="tx2"/>
+                </a:solidFill>
+              </a:rPr>
+              <a:t>send: SYN, ACK</a:t>
+            </a:r>
+            <a:endParaRPr lang="ko-KR" altLang="en-US" sz="1000">
+              <a:solidFill>
+                <a:schemeClr val="tx2"/>
+              </a:solidFill>
+            </a:endParaRPr>
+          </a:p>
+        </p:txBody>
+      </p:sp>
+      <p:sp>
+        <p:nvSpPr>
+          <p:cNvPr id="64" name="TextBox 63">
+            <a:extLst>
+              <a:ext uri="{FF2B5EF4-FFF2-40B4-BE49-F238E27FC236}">
+                <a16:creationId xmlns:a16="http://schemas.microsoft.com/office/drawing/2014/main" id="{68ED2F7A-ACC8-423F-A53F-69D1354059FD}"/>
+              </a:ext>
+            </a:extLst>
+          </p:cNvPr>
+          <p:cNvSpPr txBox="1"/>
+          <p:nvPr/>
+        </p:nvSpPr>
+        <p:spPr>
+          <a:xfrm>
+            <a:off x="3100196" y="2850723"/>
+            <a:ext cx="1354859" cy="261610"/>
+          </a:xfrm>
+          <a:prstGeom prst="rect">
+            <a:avLst/>
+          </a:prstGeom>
+          <a:noFill/>
+        </p:spPr>
+        <p:txBody>
+          <a:bodyPr wrap="none" rtlCol="0" anchor="ctr">
+            <a:spAutoFit/>
+          </a:bodyPr>
+          <a:lstStyle/>
+          <a:p>
+            <a:pPr algn="ctr"/>
+            <a:r>
+              <a:rPr lang="en-US" altLang="ko-KR" sz="1100"/>
+              <a:t>data transfer state</a:t>
+            </a:r>
+            <a:endParaRPr lang="ko-KR" altLang="en-US" sz="1100"/>
+          </a:p>
+        </p:txBody>
+      </p:sp>
+      <p:sp>
+        <p:nvSpPr>
+          <p:cNvPr id="65" name="TextBox 64">
+            <a:extLst>
+              <a:ext uri="{FF2B5EF4-FFF2-40B4-BE49-F238E27FC236}">
+                <a16:creationId xmlns:a16="http://schemas.microsoft.com/office/drawing/2014/main" id="{B15E78D8-AADB-40CE-BEFB-F9B918C02A9D}"/>
+              </a:ext>
+            </a:extLst>
+          </p:cNvPr>
+          <p:cNvSpPr txBox="1"/>
+          <p:nvPr/>
+        </p:nvSpPr>
+        <p:spPr>
+          <a:xfrm>
+            <a:off x="3620352" y="2126086"/>
+            <a:ext cx="1404552" cy="261610"/>
+          </a:xfrm>
+          <a:prstGeom prst="rect">
+            <a:avLst/>
+          </a:prstGeom>
+          <a:noFill/>
+        </p:spPr>
+        <p:txBody>
+          <a:bodyPr wrap="none" rtlCol="0" anchor="ctr">
+            <a:spAutoFit/>
+          </a:bodyPr>
+          <a:lstStyle/>
+          <a:p>
+            <a:pPr algn="ctr"/>
+            <a:r>
+              <a:rPr lang="en-US" altLang="ko-KR" sz="1100"/>
+              <a:t>simultaneous open</a:t>
+            </a:r>
+            <a:endParaRPr lang="ko-KR" altLang="en-US" sz="1100"/>
+          </a:p>
+        </p:txBody>
+      </p:sp>
+      <p:sp>
+        <p:nvSpPr>
+          <p:cNvPr id="66" name="TextBox 65">
+            <a:extLst>
+              <a:ext uri="{FF2B5EF4-FFF2-40B4-BE49-F238E27FC236}">
+                <a16:creationId xmlns:a16="http://schemas.microsoft.com/office/drawing/2014/main" id="{94C95A7F-552A-4220-A2C0-5C4FE5B0B33E}"/>
+              </a:ext>
+            </a:extLst>
+          </p:cNvPr>
+          <p:cNvSpPr txBox="1"/>
+          <p:nvPr/>
+        </p:nvSpPr>
+        <p:spPr>
+          <a:xfrm>
+            <a:off x="3550566" y="1403434"/>
+            <a:ext cx="1021434" cy="261610"/>
+          </a:xfrm>
+          <a:prstGeom prst="rect">
+            <a:avLst/>
+          </a:prstGeom>
+          <a:noFill/>
+        </p:spPr>
+        <p:txBody>
+          <a:bodyPr wrap="none" rtlCol="0" anchor="ctr">
+            <a:spAutoFit/>
+          </a:bodyPr>
+          <a:lstStyle/>
+          <a:p>
+            <a:pPr algn="ctr"/>
+            <a:r>
+              <a:rPr lang="en-US" altLang="ko-KR" sz="1100"/>
+              <a:t>passive open</a:t>
+            </a:r>
+            <a:endParaRPr lang="ko-KR" altLang="en-US" sz="1100"/>
+          </a:p>
+        </p:txBody>
+      </p:sp>
+      <p:sp>
+        <p:nvSpPr>
+          <p:cNvPr id="68" name="TextBox 67">
+            <a:extLst>
+              <a:ext uri="{FF2B5EF4-FFF2-40B4-BE49-F238E27FC236}">
+                <a16:creationId xmlns:a16="http://schemas.microsoft.com/office/drawing/2014/main" id="{FEB3CCCA-0B2E-4F83-8A23-4C1EE014A350}"/>
+              </a:ext>
+            </a:extLst>
+          </p:cNvPr>
+          <p:cNvSpPr txBox="1"/>
+          <p:nvPr/>
+        </p:nvSpPr>
+        <p:spPr>
+          <a:xfrm>
+            <a:off x="4719302" y="2554521"/>
+            <a:ext cx="776175" cy="400110"/>
+          </a:xfrm>
+          <a:prstGeom prst="rect">
+            <a:avLst/>
+          </a:prstGeom>
+          <a:noFill/>
+        </p:spPr>
+        <p:txBody>
+          <a:bodyPr wrap="none" rtlCol="0" anchor="ctr">
+            <a:spAutoFit/>
+          </a:bodyPr>
+          <a:lstStyle/>
+          <a:p>
+            <a:pPr algn="ctr"/>
+            <a:r>
+              <a:rPr lang="en-US" altLang="ko-KR" sz="1000">
+                <a:solidFill>
+                  <a:srgbClr val="C00000"/>
+                </a:solidFill>
+              </a:rPr>
+              <a:t>recv: FIN</a:t>
+            </a:r>
+          </a:p>
+          <a:p>
+            <a:pPr algn="ctr"/>
+            <a:r>
+              <a:rPr lang="en-US" altLang="ko-KR" sz="1000">
+                <a:solidFill>
+                  <a:srgbClr val="C00000"/>
+                </a:solidFill>
+              </a:rPr>
+              <a:t>send: ACK</a:t>
+            </a:r>
+            <a:endParaRPr lang="ko-KR" altLang="en-US" sz="1000">
+              <a:solidFill>
+                <a:srgbClr val="C00000"/>
+              </a:solidFill>
+            </a:endParaRPr>
+          </a:p>
+        </p:txBody>
+      </p:sp>
+      <p:sp>
+        <p:nvSpPr>
+          <p:cNvPr id="69" name="TextBox 68">
+            <a:extLst>
+              <a:ext uri="{FF2B5EF4-FFF2-40B4-BE49-F238E27FC236}">
+                <a16:creationId xmlns:a16="http://schemas.microsoft.com/office/drawing/2014/main" id="{18AF7AE4-115F-4FDC-A41B-FF4A7CDD0941}"/>
+              </a:ext>
+            </a:extLst>
+          </p:cNvPr>
+          <p:cNvSpPr txBox="1"/>
+          <p:nvPr/>
+        </p:nvSpPr>
+        <p:spPr>
+          <a:xfrm rot="19647299">
+            <a:off x="2336038" y="2754827"/>
+            <a:ext cx="774571" cy="400110"/>
+          </a:xfrm>
+          <a:prstGeom prst="rect">
+            <a:avLst/>
+          </a:prstGeom>
+          <a:noFill/>
+        </p:spPr>
+        <p:txBody>
+          <a:bodyPr wrap="none" rtlCol="0" anchor="ctr">
+            <a:spAutoFit/>
+          </a:bodyPr>
+          <a:lstStyle/>
+          <a:p>
+            <a:pPr algn="ctr"/>
+            <a:r>
+              <a:rPr lang="en-US" altLang="ko-KR" sz="1000">
+                <a:solidFill>
+                  <a:schemeClr val="tx2"/>
+                </a:solidFill>
+              </a:rPr>
+              <a:t>app: close</a:t>
+            </a:r>
+          </a:p>
+          <a:p>
+            <a:pPr algn="ctr"/>
+            <a:r>
+              <a:rPr lang="en-US" altLang="ko-KR" sz="1000">
+                <a:solidFill>
+                  <a:schemeClr val="tx2"/>
+                </a:solidFill>
+              </a:rPr>
+              <a:t>send: FIN</a:t>
+            </a:r>
+            <a:endParaRPr lang="ko-KR" altLang="en-US" sz="1000">
+              <a:solidFill>
+                <a:schemeClr val="tx2"/>
+              </a:solidFill>
+            </a:endParaRPr>
+          </a:p>
+        </p:txBody>
+      </p:sp>
+      <p:sp>
+        <p:nvSpPr>
+          <p:cNvPr id="71" name="TextBox 70">
+            <a:extLst>
+              <a:ext uri="{FF2B5EF4-FFF2-40B4-BE49-F238E27FC236}">
+                <a16:creationId xmlns:a16="http://schemas.microsoft.com/office/drawing/2014/main" id="{76C91B51-7240-42C9-8806-48A8D8818403}"/>
+              </a:ext>
+            </a:extLst>
+          </p:cNvPr>
+          <p:cNvSpPr txBox="1"/>
+          <p:nvPr/>
+        </p:nvSpPr>
+        <p:spPr>
+          <a:xfrm rot="1954088">
+            <a:off x="1843966" y="2192766"/>
+            <a:ext cx="737702" cy="246221"/>
+          </a:xfrm>
+          <a:prstGeom prst="rect">
+            <a:avLst/>
+          </a:prstGeom>
+          <a:noFill/>
+        </p:spPr>
+        <p:txBody>
+          <a:bodyPr wrap="none" rtlCol="0" anchor="ctr">
+            <a:spAutoFit/>
+          </a:bodyPr>
+          <a:lstStyle/>
+          <a:p>
+            <a:pPr algn="ctr"/>
+            <a:r>
+              <a:rPr lang="en-US" altLang="ko-KR" sz="1000">
+                <a:solidFill>
+                  <a:schemeClr val="tx2"/>
+                </a:solidFill>
+              </a:rPr>
+              <a:t>recv: ACK</a:t>
+            </a:r>
+          </a:p>
+        </p:txBody>
+      </p:sp>
+      <p:sp>
+        <p:nvSpPr>
+          <p:cNvPr id="73" name="TextBox 72">
+            <a:extLst>
+              <a:ext uri="{FF2B5EF4-FFF2-40B4-BE49-F238E27FC236}">
+                <a16:creationId xmlns:a16="http://schemas.microsoft.com/office/drawing/2014/main" id="{F7513FAE-0A04-4A52-867D-6FB1F879905A}"/>
+              </a:ext>
+            </a:extLst>
+          </p:cNvPr>
+          <p:cNvSpPr txBox="1"/>
+          <p:nvPr/>
+        </p:nvSpPr>
+        <p:spPr>
+          <a:xfrm rot="1954088">
+            <a:off x="2273822" y="2146334"/>
+            <a:ext cx="737702" cy="246221"/>
+          </a:xfrm>
+          <a:prstGeom prst="rect">
+            <a:avLst/>
+          </a:prstGeom>
+          <a:noFill/>
+        </p:spPr>
+        <p:txBody>
+          <a:bodyPr wrap="none" rtlCol="0" anchor="ctr">
+            <a:spAutoFit/>
+          </a:bodyPr>
+          <a:lstStyle/>
+          <a:p>
+            <a:pPr algn="ctr"/>
+            <a:r>
+              <a:rPr lang="en-US" altLang="ko-KR" sz="1000">
+                <a:solidFill>
+                  <a:srgbClr val="C00000"/>
+                </a:solidFill>
+              </a:rPr>
+              <a:t>recv: ACK</a:t>
+            </a:r>
+          </a:p>
+        </p:txBody>
+      </p:sp>
+      <p:sp>
+        <p:nvSpPr>
+          <p:cNvPr id="74" name="TextBox 73">
+            <a:extLst>
+              <a:ext uri="{FF2B5EF4-FFF2-40B4-BE49-F238E27FC236}">
+                <a16:creationId xmlns:a16="http://schemas.microsoft.com/office/drawing/2014/main" id="{236FB4E3-5F89-49EE-BB03-8F45AE1736ED}"/>
+              </a:ext>
+            </a:extLst>
+          </p:cNvPr>
+          <p:cNvSpPr txBox="1"/>
+          <p:nvPr/>
+        </p:nvSpPr>
+        <p:spPr>
+          <a:xfrm rot="19677403">
+            <a:off x="2232388" y="1572933"/>
+            <a:ext cx="712054" cy="246221"/>
+          </a:xfrm>
+          <a:prstGeom prst="rect">
+            <a:avLst/>
+          </a:prstGeom>
+          <a:noFill/>
+        </p:spPr>
+        <p:txBody>
+          <a:bodyPr wrap="none" rtlCol="0" anchor="ctr">
+            <a:spAutoFit/>
+          </a:bodyPr>
+          <a:lstStyle/>
+          <a:p>
+            <a:pPr algn="ctr"/>
+            <a:r>
+              <a:rPr lang="en-US" altLang="ko-KR" sz="1000">
+                <a:solidFill>
+                  <a:schemeClr val="tx2"/>
+                </a:solidFill>
+              </a:rPr>
+              <a:t>recv: RST</a:t>
+            </a:r>
+          </a:p>
+        </p:txBody>
+      </p:sp>
+      <p:sp>
+        <p:nvSpPr>
+          <p:cNvPr id="76" name="TextBox 75">
+            <a:extLst>
+              <a:ext uri="{FF2B5EF4-FFF2-40B4-BE49-F238E27FC236}">
+                <a16:creationId xmlns:a16="http://schemas.microsoft.com/office/drawing/2014/main" id="{579B2F5B-6E62-4732-BFF9-363D03D6D891}"/>
+              </a:ext>
+            </a:extLst>
+          </p:cNvPr>
+          <p:cNvSpPr txBox="1"/>
+          <p:nvPr/>
+        </p:nvSpPr>
+        <p:spPr>
+          <a:xfrm>
+            <a:off x="3499906" y="2340315"/>
+            <a:ext cx="712054" cy="246221"/>
+          </a:xfrm>
+          <a:prstGeom prst="rect">
+            <a:avLst/>
+          </a:prstGeom>
+          <a:noFill/>
+        </p:spPr>
+        <p:txBody>
+          <a:bodyPr wrap="none" rtlCol="0" anchor="ctr">
+            <a:spAutoFit/>
+          </a:bodyPr>
+          <a:lstStyle/>
+          <a:p>
+            <a:pPr algn="ctr"/>
+            <a:r>
+              <a:rPr lang="en-US" altLang="ko-KR" sz="1000">
+                <a:solidFill>
+                  <a:schemeClr val="tx2"/>
+                </a:solidFill>
+              </a:rPr>
+              <a:t>recv: RST</a:t>
+            </a:r>
+          </a:p>
+        </p:txBody>
+      </p:sp>
+      <p:sp>
+        <p:nvSpPr>
+          <p:cNvPr id="77" name="TextBox 76">
+            <a:extLst>
+              <a:ext uri="{FF2B5EF4-FFF2-40B4-BE49-F238E27FC236}">
+                <a16:creationId xmlns:a16="http://schemas.microsoft.com/office/drawing/2014/main" id="{CDC30CA0-6F3B-42D4-B57D-68D56B48D802}"/>
+              </a:ext>
+            </a:extLst>
+          </p:cNvPr>
+          <p:cNvSpPr txBox="1"/>
+          <p:nvPr/>
+        </p:nvSpPr>
+        <p:spPr>
+          <a:xfrm>
+            <a:off x="2845440" y="2355726"/>
+            <a:ext cx="712054" cy="246221"/>
+          </a:xfrm>
+          <a:prstGeom prst="rect">
+            <a:avLst/>
+          </a:prstGeom>
+          <a:noFill/>
+        </p:spPr>
+        <p:txBody>
+          <a:bodyPr wrap="none" rtlCol="0" anchor="ctr">
+            <a:spAutoFit/>
+          </a:bodyPr>
+          <a:lstStyle/>
+          <a:p>
+            <a:pPr algn="ctr"/>
+            <a:r>
+              <a:rPr lang="en-US" altLang="ko-KR" sz="1000">
+                <a:solidFill>
+                  <a:srgbClr val="C00000"/>
+                </a:solidFill>
+              </a:rPr>
+              <a:t>recv: RST</a:t>
+            </a:r>
+          </a:p>
+        </p:txBody>
+      </p:sp>
+      <p:sp>
+        <p:nvSpPr>
+          <p:cNvPr id="79" name="TextBox 78">
+            <a:extLst>
+              <a:ext uri="{FF2B5EF4-FFF2-40B4-BE49-F238E27FC236}">
+                <a16:creationId xmlns:a16="http://schemas.microsoft.com/office/drawing/2014/main" id="{17F6847F-D13E-4D15-8A87-F4F2ED01063E}"/>
+              </a:ext>
+            </a:extLst>
+          </p:cNvPr>
+          <p:cNvSpPr txBox="1"/>
+          <p:nvPr/>
+        </p:nvSpPr>
+        <p:spPr>
+          <a:xfrm rot="2011422">
+            <a:off x="4397296" y="1373918"/>
+            <a:ext cx="1088760" cy="400110"/>
+          </a:xfrm>
+          <a:prstGeom prst="rect">
+            <a:avLst/>
+          </a:prstGeom>
+          <a:noFill/>
+        </p:spPr>
+        <p:txBody>
+          <a:bodyPr wrap="none" rtlCol="0" anchor="ctr">
+            <a:spAutoFit/>
+          </a:bodyPr>
+          <a:lstStyle/>
+          <a:p>
+            <a:pPr algn="ctr"/>
+            <a:r>
+              <a:rPr lang="en-US" altLang="ko-KR" sz="1000">
+                <a:solidFill>
+                  <a:schemeClr val="tx2"/>
+                </a:solidFill>
+              </a:rPr>
+              <a:t>app: send data</a:t>
+            </a:r>
+          </a:p>
+          <a:p>
+            <a:pPr algn="ctr"/>
+            <a:r>
+              <a:rPr lang="en-US" altLang="ko-KR" sz="1000">
+                <a:solidFill>
+                  <a:schemeClr val="tx2"/>
+                </a:solidFill>
+              </a:rPr>
+              <a:t>send: SYN</a:t>
+            </a:r>
+            <a:endParaRPr lang="ko-KR" altLang="en-US" sz="1000">
+              <a:solidFill>
+                <a:schemeClr val="tx2"/>
+              </a:solidFill>
+            </a:endParaRPr>
+          </a:p>
+        </p:txBody>
+      </p:sp>
+      <p:sp>
+        <p:nvSpPr>
+          <p:cNvPr id="80" name="TextBox 79">
+            <a:extLst>
+              <a:ext uri="{FF2B5EF4-FFF2-40B4-BE49-F238E27FC236}">
+                <a16:creationId xmlns:a16="http://schemas.microsoft.com/office/drawing/2014/main" id="{D400D8E2-AA69-4E53-8699-83E6A0ACAF93}"/>
+              </a:ext>
+            </a:extLst>
+          </p:cNvPr>
+          <p:cNvSpPr txBox="1"/>
+          <p:nvPr/>
+        </p:nvSpPr>
+        <p:spPr>
+          <a:xfrm rot="19677403">
+            <a:off x="1865294" y="1202739"/>
+            <a:ext cx="1088760" cy="400110"/>
+          </a:xfrm>
+          <a:prstGeom prst="rect">
+            <a:avLst/>
+          </a:prstGeom>
+          <a:noFill/>
+        </p:spPr>
+        <p:txBody>
+          <a:bodyPr wrap="none" rtlCol="0" anchor="ctr">
+            <a:spAutoFit/>
+          </a:bodyPr>
+          <a:lstStyle/>
+          <a:p>
+            <a:pPr algn="ctr"/>
+            <a:r>
+              <a:rPr lang="en-US" altLang="ko-KR" sz="1000">
+                <a:solidFill>
+                  <a:srgbClr val="C00000"/>
+                </a:solidFill>
+              </a:rPr>
+              <a:t>recv: SYN</a:t>
+            </a:r>
+          </a:p>
+          <a:p>
+            <a:pPr algn="ctr"/>
+            <a:r>
+              <a:rPr lang="en-US" altLang="ko-KR" sz="1000">
+                <a:solidFill>
+                  <a:srgbClr val="C00000"/>
+                </a:solidFill>
+              </a:rPr>
+              <a:t>send: SYN, ACK</a:t>
+            </a:r>
+          </a:p>
+        </p:txBody>
+      </p:sp>
+      <p:cxnSp>
+        <p:nvCxnSpPr>
+          <p:cNvPr id="82" name="직선 화살표 연결선 81">
+            <a:extLst>
+              <a:ext uri="{FF2B5EF4-FFF2-40B4-BE49-F238E27FC236}">
+                <a16:creationId xmlns:a16="http://schemas.microsoft.com/office/drawing/2014/main" id="{8F1E5A25-5271-4267-97B6-B4719142DE5E}"/>
+              </a:ext>
+            </a:extLst>
+          </p:cNvPr>
+          <p:cNvCxnSpPr>
+            <a:cxnSpLocks/>
+            <a:endCxn id="83" idx="1"/>
+          </p:cNvCxnSpPr>
+          <p:nvPr/>
+        </p:nvCxnSpPr>
+        <p:spPr>
+          <a:xfrm>
+            <a:off x="4788024" y="4351045"/>
+            <a:ext cx="193675" cy="0"/>
+          </a:xfrm>
+          <a:prstGeom prst="straightConnector1">
+            <a:avLst/>
+          </a:prstGeom>
+          <a:ln w="12700" cap="flat" cmpd="sng" algn="ctr">
+            <a:solidFill>
+              <a:srgbClr val="C00000"/>
+            </a:solidFill>
+            <a:prstDash val="solid"/>
+            <a:round/>
+            <a:headEnd type="none" w="med" len="med"/>
+            <a:tailEnd type="arrow" w="med" len="med"/>
+          </a:ln>
+        </p:spPr>
+        <p:style>
+          <a:lnRef idx="0">
+            <a:scrgbClr r="0" g="0" b="0"/>
+          </a:lnRef>
+          <a:fillRef idx="0">
+            <a:scrgbClr r="0" g="0" b="0"/>
+          </a:fillRef>
+          <a:effectRef idx="0">
+            <a:scrgbClr r="0" g="0" b="0"/>
+          </a:effectRef>
+          <a:fontRef idx="minor">
+            <a:schemeClr val="tx1"/>
+          </a:fontRef>
+        </p:style>
+      </p:cxnSp>
+      <p:sp>
+        <p:nvSpPr>
+          <p:cNvPr id="83" name="TextBox 82">
+            <a:extLst>
+              <a:ext uri="{FF2B5EF4-FFF2-40B4-BE49-F238E27FC236}">
+                <a16:creationId xmlns:a16="http://schemas.microsoft.com/office/drawing/2014/main" id="{F5B7CD77-0E05-4603-A93D-220CD4CF52E8}"/>
+              </a:ext>
+            </a:extLst>
+          </p:cNvPr>
+          <p:cNvSpPr txBox="1"/>
+          <p:nvPr/>
+        </p:nvSpPr>
+        <p:spPr>
+          <a:xfrm>
+            <a:off x="4981699" y="4227934"/>
+            <a:ext cx="883575" cy="246221"/>
+          </a:xfrm>
+          <a:prstGeom prst="rect">
+            <a:avLst/>
+          </a:prstGeom>
+          <a:noFill/>
+        </p:spPr>
+        <p:txBody>
+          <a:bodyPr wrap="none" rtlCol="0" anchor="ctr">
+            <a:spAutoFit/>
+          </a:bodyPr>
+          <a:lstStyle/>
+          <a:p>
+            <a:pPr algn="ctr"/>
+            <a:r>
+              <a:rPr lang="en-US" altLang="ko-KR" sz="1000"/>
+              <a:t>Server State</a:t>
+            </a:r>
+            <a:endParaRPr lang="ko-KR" altLang="en-US" sz="1000"/>
+          </a:p>
+        </p:txBody>
+      </p:sp>
+      <p:cxnSp>
+        <p:nvCxnSpPr>
+          <p:cNvPr id="84" name="직선 화살표 연결선 83">
+            <a:extLst>
+              <a:ext uri="{FF2B5EF4-FFF2-40B4-BE49-F238E27FC236}">
+                <a16:creationId xmlns:a16="http://schemas.microsoft.com/office/drawing/2014/main" id="{740FA7B5-0B2D-47D2-BC88-D3564718B407}"/>
+              </a:ext>
+            </a:extLst>
+          </p:cNvPr>
+          <p:cNvCxnSpPr>
+            <a:cxnSpLocks/>
+            <a:endCxn id="85" idx="1"/>
+          </p:cNvCxnSpPr>
+          <p:nvPr/>
+        </p:nvCxnSpPr>
+        <p:spPr>
+          <a:xfrm>
+            <a:off x="4788024" y="4556813"/>
+            <a:ext cx="206497" cy="0"/>
+          </a:xfrm>
+          <a:prstGeom prst="straightConnector1">
+            <a:avLst/>
+          </a:prstGeom>
+          <a:ln w="12700" cap="flat" cmpd="sng" algn="ctr">
+            <a:solidFill>
+              <a:schemeClr val="tx2"/>
+            </a:solidFill>
+            <a:prstDash val="solid"/>
+            <a:round/>
+            <a:headEnd type="none" w="med" len="med"/>
+            <a:tailEnd type="arrow" w="med" len="med"/>
+          </a:ln>
+        </p:spPr>
+        <p:style>
+          <a:lnRef idx="0">
+            <a:scrgbClr r="0" g="0" b="0"/>
+          </a:lnRef>
+          <a:fillRef idx="0">
+            <a:scrgbClr r="0" g="0" b="0"/>
+          </a:fillRef>
+          <a:effectRef idx="0">
+            <a:scrgbClr r="0" g="0" b="0"/>
+          </a:effectRef>
+          <a:fontRef idx="minor">
+            <a:schemeClr val="tx1"/>
+          </a:fontRef>
+        </p:style>
+      </p:cxnSp>
+      <p:sp>
+        <p:nvSpPr>
+          <p:cNvPr id="85" name="TextBox 84">
+            <a:extLst>
+              <a:ext uri="{FF2B5EF4-FFF2-40B4-BE49-F238E27FC236}">
+                <a16:creationId xmlns:a16="http://schemas.microsoft.com/office/drawing/2014/main" id="{CA04A19D-4B2E-476E-A0F6-2BDE9565997C}"/>
+              </a:ext>
+            </a:extLst>
+          </p:cNvPr>
+          <p:cNvSpPr txBox="1"/>
+          <p:nvPr/>
+        </p:nvSpPr>
+        <p:spPr>
+          <a:xfrm>
+            <a:off x="4994521" y="4433702"/>
+            <a:ext cx="857927" cy="246221"/>
+          </a:xfrm>
+          <a:prstGeom prst="rect">
+            <a:avLst/>
+          </a:prstGeom>
+          <a:noFill/>
+        </p:spPr>
+        <p:txBody>
+          <a:bodyPr wrap="none" rtlCol="0" anchor="ctr">
+            <a:spAutoFit/>
+          </a:bodyPr>
+          <a:lstStyle/>
+          <a:p>
+            <a:pPr algn="ctr"/>
+            <a:r>
+              <a:rPr lang="en-US" altLang="ko-KR" sz="1000"/>
+              <a:t>Client State</a:t>
+            </a:r>
+            <a:endParaRPr lang="ko-KR" altLang="en-US" sz="1000"/>
+          </a:p>
+        </p:txBody>
+      </p:sp>
+      <p:sp>
+        <p:nvSpPr>
+          <p:cNvPr id="91" name="TextBox 90">
+            <a:extLst>
+              <a:ext uri="{FF2B5EF4-FFF2-40B4-BE49-F238E27FC236}">
+                <a16:creationId xmlns:a16="http://schemas.microsoft.com/office/drawing/2014/main" id="{2A908BA8-F102-41AE-9855-C69CCB595A98}"/>
+              </a:ext>
+            </a:extLst>
+          </p:cNvPr>
+          <p:cNvSpPr txBox="1"/>
+          <p:nvPr/>
+        </p:nvSpPr>
+        <p:spPr>
+          <a:xfrm>
+            <a:off x="5820778" y="4227934"/>
+            <a:ext cx="1713931" cy="246221"/>
+          </a:xfrm>
+          <a:prstGeom prst="rect">
+            <a:avLst/>
+          </a:prstGeom>
+          <a:noFill/>
+        </p:spPr>
+        <p:txBody>
+          <a:bodyPr wrap="none" rtlCol="0" anchor="ctr">
+            <a:spAutoFit/>
+          </a:bodyPr>
+          <a:lstStyle/>
+          <a:p>
+            <a:r>
+              <a:rPr lang="en-US" altLang="ko-KR" sz="1000"/>
+              <a:t>app: App issues operation</a:t>
+            </a:r>
+            <a:endParaRPr lang="ko-KR" altLang="en-US" sz="1000"/>
+          </a:p>
+        </p:txBody>
+      </p:sp>
+      <p:sp>
+        <p:nvSpPr>
+          <p:cNvPr id="92" name="TextBox 91">
+            <a:extLst>
+              <a:ext uri="{FF2B5EF4-FFF2-40B4-BE49-F238E27FC236}">
+                <a16:creationId xmlns:a16="http://schemas.microsoft.com/office/drawing/2014/main" id="{EC8A8DB4-CD44-41CB-8537-4F538F19A732}"/>
+              </a:ext>
+            </a:extLst>
+          </p:cNvPr>
+          <p:cNvSpPr txBox="1"/>
+          <p:nvPr/>
+        </p:nvSpPr>
+        <p:spPr>
+          <a:xfrm>
+            <a:off x="5820778" y="4433702"/>
+            <a:ext cx="2497800" cy="246221"/>
+          </a:xfrm>
+          <a:prstGeom prst="rect">
+            <a:avLst/>
+          </a:prstGeom>
+          <a:noFill/>
+        </p:spPr>
+        <p:txBody>
+          <a:bodyPr wrap="none" rtlCol="0" anchor="ctr">
+            <a:spAutoFit/>
+          </a:bodyPr>
+          <a:lstStyle/>
+          <a:p>
+            <a:r>
+              <a:rPr lang="en-US" altLang="ko-KR" sz="1000"/>
+              <a:t>recv: Transition when segment received</a:t>
+            </a:r>
+            <a:endParaRPr lang="ko-KR" altLang="en-US" sz="1000"/>
+          </a:p>
+        </p:txBody>
+      </p:sp>
+      <p:sp>
+        <p:nvSpPr>
+          <p:cNvPr id="95" name="TextBox 94">
+            <a:extLst>
+              <a:ext uri="{FF2B5EF4-FFF2-40B4-BE49-F238E27FC236}">
+                <a16:creationId xmlns:a16="http://schemas.microsoft.com/office/drawing/2014/main" id="{42D58CF2-4689-4F92-BC85-49157A505C79}"/>
+              </a:ext>
+            </a:extLst>
+          </p:cNvPr>
+          <p:cNvSpPr txBox="1"/>
+          <p:nvPr/>
+        </p:nvSpPr>
+        <p:spPr>
+          <a:xfrm>
+            <a:off x="5820778" y="4634406"/>
+            <a:ext cx="2372765" cy="246221"/>
+          </a:xfrm>
+          <a:prstGeom prst="rect">
+            <a:avLst/>
+          </a:prstGeom>
+          <a:noFill/>
+        </p:spPr>
+        <p:txBody>
+          <a:bodyPr wrap="none" rtlCol="0" anchor="ctr">
+            <a:spAutoFit/>
+          </a:bodyPr>
+          <a:lstStyle/>
+          <a:p>
+            <a:r>
+              <a:rPr lang="en-US" altLang="ko-KR" sz="1000"/>
+              <a:t>send: Transition when segment sent </a:t>
+            </a:r>
+            <a:endParaRPr lang="ko-KR" altLang="en-US" sz="1000"/>
+          </a:p>
+        </p:txBody>
+      </p:sp>
+    </p:spTree>
+    <p:extLst>
+      <p:ext uri="{BB962C8B-B14F-4D97-AF65-F5344CB8AC3E}">
+        <p14:creationId xmlns:p14="http://schemas.microsoft.com/office/powerpoint/2010/main" val="3502535516"/>
+      </p:ext>
+    </p:extLst>
+  </p:cSld>
+  <p:clrMapOvr>
+    <a:masterClrMapping/>
+  </p:clrMapOvr>
+</p:sld>
+</file>
+
+<file path=ppt/slides/slide5.xml><?xml version="1.0" encoding="utf-8"?>
 <p:sld xmlns:a="http://schemas.openxmlformats.org/drawingml/2006/main" xmlns:r="http://schemas.openxmlformats.org/officeDocument/2006/relationships" xmlns:p="http://schemas.openxmlformats.org/presentationml/2006/main">
   <p:cSld>
     <p:spTree>

--- a/images/theory_analysis/TCP_Connection_State/TCP_Connection_Status.pptx
+++ b/images/theory_analysis/TCP_Connection_State/TCP_Connection_Status.pptx
@@ -217,7 +217,7 @@
           <a:p>
             <a:fld id="{6CD5550B-26C4-49A9-A5BA-636EF7BE6CE9}" type="datetimeFigureOut">
               <a:rPr lang="ko-KR" altLang="en-US" smtClean="0"/>
-              <a:t>2021-03-27</a:t>
+              <a:t>2021-05-05</a:t>
             </a:fld>
             <a:endParaRPr lang="ko-KR" altLang="en-US"/>
           </a:p>
@@ -999,7 +999,7 @@
           <a:p>
             <a:fld id="{FB30EDBD-1C2D-4C1E-B459-B60219FAB484}" type="datetimeFigureOut">
               <a:rPr lang="ko-KR" altLang="en-US" smtClean="0"/>
-              <a:t>2021-03-27</a:t>
+              <a:t>2021-05-05</a:t>
             </a:fld>
             <a:endParaRPr lang="ko-KR" altLang="en-US"/>
           </a:p>
@@ -1162,7 +1162,7 @@
           <a:p>
             <a:fld id="{FB30EDBD-1C2D-4C1E-B459-B60219FAB484}" type="datetimeFigureOut">
               <a:rPr lang="ko-KR" altLang="en-US" smtClean="0"/>
-              <a:t>2021-03-27</a:t>
+              <a:t>2021-05-05</a:t>
             </a:fld>
             <a:endParaRPr lang="ko-KR" altLang="en-US"/>
           </a:p>
@@ -1335,7 +1335,7 @@
           <a:p>
             <a:fld id="{FB30EDBD-1C2D-4C1E-B459-B60219FAB484}" type="datetimeFigureOut">
               <a:rPr lang="ko-KR" altLang="en-US" smtClean="0"/>
-              <a:t>2021-03-27</a:t>
+              <a:t>2021-05-05</a:t>
             </a:fld>
             <a:endParaRPr lang="ko-KR" altLang="en-US"/>
           </a:p>
@@ -1498,7 +1498,7 @@
           <a:p>
             <a:fld id="{FB30EDBD-1C2D-4C1E-B459-B60219FAB484}" type="datetimeFigureOut">
               <a:rPr lang="ko-KR" altLang="en-US" smtClean="0"/>
-              <a:t>2021-03-27</a:t>
+              <a:t>2021-05-05</a:t>
             </a:fld>
             <a:endParaRPr lang="ko-KR" altLang="en-US"/>
           </a:p>
@@ -1738,7 +1738,7 @@
           <a:p>
             <a:fld id="{FB30EDBD-1C2D-4C1E-B459-B60219FAB484}" type="datetimeFigureOut">
               <a:rPr lang="ko-KR" altLang="en-US" smtClean="0"/>
-              <a:t>2021-03-27</a:t>
+              <a:t>2021-05-05</a:t>
             </a:fld>
             <a:endParaRPr lang="ko-KR" altLang="en-US"/>
           </a:p>
@@ -2018,7 +2018,7 @@
           <a:p>
             <a:fld id="{FB30EDBD-1C2D-4C1E-B459-B60219FAB484}" type="datetimeFigureOut">
               <a:rPr lang="ko-KR" altLang="en-US" smtClean="0"/>
-              <a:t>2021-03-27</a:t>
+              <a:t>2021-05-05</a:t>
             </a:fld>
             <a:endParaRPr lang="ko-KR" altLang="en-US"/>
           </a:p>
@@ -2432,7 +2432,7 @@
           <a:p>
             <a:fld id="{FB30EDBD-1C2D-4C1E-B459-B60219FAB484}" type="datetimeFigureOut">
               <a:rPr lang="ko-KR" altLang="en-US" smtClean="0"/>
-              <a:t>2021-03-27</a:t>
+              <a:t>2021-05-05</a:t>
             </a:fld>
             <a:endParaRPr lang="ko-KR" altLang="en-US"/>
           </a:p>
@@ -2544,7 +2544,7 @@
           <a:p>
             <a:fld id="{FB30EDBD-1C2D-4C1E-B459-B60219FAB484}" type="datetimeFigureOut">
               <a:rPr lang="ko-KR" altLang="en-US" smtClean="0"/>
-              <a:t>2021-03-27</a:t>
+              <a:t>2021-05-05</a:t>
             </a:fld>
             <a:endParaRPr lang="ko-KR" altLang="en-US"/>
           </a:p>
@@ -2634,7 +2634,7 @@
           <a:p>
             <a:fld id="{FB30EDBD-1C2D-4C1E-B459-B60219FAB484}" type="datetimeFigureOut">
               <a:rPr lang="ko-KR" altLang="en-US" smtClean="0"/>
-              <a:t>2021-03-27</a:t>
+              <a:t>2021-05-05</a:t>
             </a:fld>
             <a:endParaRPr lang="ko-KR" altLang="en-US"/>
           </a:p>
@@ -2904,7 +2904,7 @@
           <a:p>
             <a:fld id="{FB30EDBD-1C2D-4C1E-B459-B60219FAB484}" type="datetimeFigureOut">
               <a:rPr lang="ko-KR" altLang="en-US" smtClean="0"/>
-              <a:t>2021-03-27</a:t>
+              <a:t>2021-05-05</a:t>
             </a:fld>
             <a:endParaRPr lang="ko-KR" altLang="en-US"/>
           </a:p>
@@ -3151,7 +3151,7 @@
           <a:p>
             <a:fld id="{FB30EDBD-1C2D-4C1E-B459-B60219FAB484}" type="datetimeFigureOut">
               <a:rPr lang="ko-KR" altLang="en-US" smtClean="0"/>
-              <a:t>2021-03-27</a:t>
+              <a:t>2021-05-05</a:t>
             </a:fld>
             <a:endParaRPr lang="ko-KR" altLang="en-US"/>
           </a:p>
@@ -3357,7 +3357,7 @@
           <a:p>
             <a:fld id="{FB30EDBD-1C2D-4C1E-B459-B60219FAB484}" type="datetimeFigureOut">
               <a:rPr lang="ko-KR" altLang="en-US" smtClean="0"/>
-              <a:t>2021-03-27</a:t>
+              <a:t>2021-05-05</a:t>
             </a:fld>
             <a:endParaRPr lang="ko-KR" altLang="en-US"/>
           </a:p>
@@ -4503,7 +4503,7 @@
         </p:nvCxnSpPr>
         <p:spPr>
           <a:xfrm flipV="1">
-            <a:off x="3491880" y="1441044"/>
+            <a:off x="3482354" y="1441044"/>
             <a:ext cx="0" cy="1197506"/>
           </a:xfrm>
           <a:prstGeom prst="straightConnector1">
@@ -5223,7 +5223,7 @@
         </p:nvCxnSpPr>
         <p:spPr>
           <a:xfrm flipV="1">
-            <a:off x="3563888" y="722700"/>
+            <a:off x="3535310" y="722700"/>
             <a:ext cx="0" cy="1915850"/>
           </a:xfrm>
           <a:prstGeom prst="straightConnector1">
